--- a/Presentation/Computerized Dance Classroom.pptx
+++ b/Presentation/Computerized Dance Classroom.pptx
@@ -5,7 +5,7 @@
     <p:sldMasterId id="2147483660" r:id="rId1"/>
   </p:sldMasterIdLst>
   <p:notesMasterIdLst>
-    <p:notesMasterId r:id="rId17"/>
+    <p:notesMasterId r:id="rId20"/>
   </p:notesMasterIdLst>
   <p:sldIdLst>
     <p:sldId id="256" r:id="rId2"/>
@@ -14,15 +14,18 @@
     <p:sldId id="258" r:id="rId5"/>
     <p:sldId id="260" r:id="rId6"/>
     <p:sldId id="261" r:id="rId7"/>
-    <p:sldId id="262" r:id="rId8"/>
-    <p:sldId id="263" r:id="rId9"/>
-    <p:sldId id="264" r:id="rId10"/>
-    <p:sldId id="265" r:id="rId11"/>
-    <p:sldId id="266" r:id="rId12"/>
-    <p:sldId id="267" r:id="rId13"/>
-    <p:sldId id="268" r:id="rId14"/>
-    <p:sldId id="269" r:id="rId15"/>
-    <p:sldId id="270" r:id="rId16"/>
+    <p:sldId id="265" r:id="rId8"/>
+    <p:sldId id="266" r:id="rId9"/>
+    <p:sldId id="267" r:id="rId10"/>
+    <p:sldId id="271" r:id="rId11"/>
+    <p:sldId id="272" r:id="rId12"/>
+    <p:sldId id="262" r:id="rId13"/>
+    <p:sldId id="263" r:id="rId14"/>
+    <p:sldId id="264" r:id="rId15"/>
+    <p:sldId id="268" r:id="rId16"/>
+    <p:sldId id="269" r:id="rId17"/>
+    <p:sldId id="273" r:id="rId18"/>
+    <p:sldId id="270" r:id="rId19"/>
   </p:sldIdLst>
   <p:sldSz cx="9144000" cy="6858000" type="screen4x3"/>
   <p:notesSz cx="6858000" cy="9144000"/>
@@ -206,7 +209,8 @@
           <a:p>
             <a:fld id="{3DF9662E-6279-423E-BA9D-7B4883F81E9B}" type="datetimeFigureOut">
               <a:rPr lang="pl-PL" smtClean="0"/>
-              <a:t>2013-06-11</a:t>
+              <a:pPr/>
+              <a:t>2013-06-12</a:t>
             </a:fld>
             <a:endParaRPr lang="pl-PL"/>
           </a:p>
@@ -367,6 +371,7 @@
           <a:p>
             <a:fld id="{285B1C79-F169-4419-B9CE-18B4D58C4430}" type="slidenum">
               <a:rPr lang="pl-PL" smtClean="0"/>
+              <a:pPr/>
               <a:t>‹#›</a:t>
             </a:fld>
             <a:endParaRPr lang="pl-PL"/>
@@ -547,6 +552,7 @@
           <a:p>
             <a:fld id="{285B1C79-F169-4419-B9CE-18B4D58C4430}" type="slidenum">
               <a:rPr lang="pl-PL" smtClean="0"/>
+              <a:pPr/>
               <a:t>2</a:t>
             </a:fld>
             <a:endParaRPr lang="pl-PL"/>
@@ -841,7 +847,8 @@
           <a:p>
             <a:fld id="{7EDB9D31-E5E3-4CF9-AD05-005813C66478}" type="datetimeFigureOut">
               <a:rPr lang="pl-PL" smtClean="0"/>
-              <a:t>2013-06-11</a:t>
+              <a:pPr/>
+              <a:t>2013-06-12</a:t>
             </a:fld>
             <a:endParaRPr lang="pl-PL"/>
           </a:p>
@@ -1070,6 +1077,7 @@
           <a:p>
             <a:fld id="{6E47CAB0-2E89-4FDF-B334-76B5B19786A2}" type="slidenum">
               <a:rPr lang="pl-PL" smtClean="0"/>
+              <a:pPr/>
               <a:t>‹#›</a:t>
             </a:fld>
             <a:endParaRPr lang="pl-PL"/>
@@ -1234,7 +1242,8 @@
           <a:p>
             <a:fld id="{7EDB9D31-E5E3-4CF9-AD05-005813C66478}" type="datetimeFigureOut">
               <a:rPr lang="pl-PL" smtClean="0"/>
-              <a:t>2013-06-11</a:t>
+              <a:pPr/>
+              <a:t>2013-06-12</a:t>
             </a:fld>
             <a:endParaRPr lang="pl-PL"/>
           </a:p>
@@ -1276,6 +1285,7 @@
           <a:p>
             <a:fld id="{6E47CAB0-2E89-4FDF-B334-76B5B19786A2}" type="slidenum">
               <a:rPr lang="pl-PL" smtClean="0"/>
+              <a:pPr/>
               <a:t>‹#›</a:t>
             </a:fld>
             <a:endParaRPr lang="pl-PL"/>
@@ -1686,6 +1696,7 @@
           <a:p>
             <a:fld id="{6E47CAB0-2E89-4FDF-B334-76B5B19786A2}" type="slidenum">
               <a:rPr lang="pl-PL" smtClean="0"/>
+              <a:pPr/>
               <a:t>‹#›</a:t>
             </a:fld>
             <a:endParaRPr lang="pl-PL"/>
@@ -1766,7 +1777,8 @@
           <a:p>
             <a:fld id="{7EDB9D31-E5E3-4CF9-AD05-005813C66478}" type="datetimeFigureOut">
               <a:rPr lang="pl-PL" smtClean="0"/>
-              <a:t>2013-06-11</a:t>
+              <a:pPr/>
+              <a:t>2013-06-12</a:t>
             </a:fld>
             <a:endParaRPr lang="pl-PL"/>
           </a:p>
@@ -1899,7 +1911,8 @@
           <a:p>
             <a:fld id="{7EDB9D31-E5E3-4CF9-AD05-005813C66478}" type="datetimeFigureOut">
               <a:rPr lang="pl-PL" smtClean="0"/>
-              <a:t>2013-06-11</a:t>
+              <a:pPr/>
+              <a:t>2013-06-12</a:t>
             </a:fld>
             <a:endParaRPr lang="pl-PL"/>
           </a:p>
@@ -1946,6 +1959,7 @@
           <a:p>
             <a:fld id="{6E47CAB0-2E89-4FDF-B334-76B5B19786A2}" type="slidenum">
               <a:rPr lang="pl-PL" smtClean="0"/>
+              <a:pPr/>
               <a:t>‹#›</a:t>
             </a:fld>
             <a:endParaRPr lang="pl-PL"/>
@@ -2442,7 +2456,8 @@
           <a:p>
             <a:fld id="{7EDB9D31-E5E3-4CF9-AD05-005813C66478}" type="datetimeFigureOut">
               <a:rPr lang="pl-PL" smtClean="0"/>
-              <a:t>2013-06-11</a:t>
+              <a:pPr/>
+              <a:t>2013-06-12</a:t>
             </a:fld>
             <a:endParaRPr lang="pl-PL"/>
           </a:p>
@@ -2614,6 +2629,7 @@
           <a:p>
             <a:fld id="{6E47CAB0-2E89-4FDF-B334-76B5B19786A2}" type="slidenum">
               <a:rPr lang="pl-PL" smtClean="0"/>
+              <a:pPr/>
               <a:t>‹#›</a:t>
             </a:fld>
             <a:endParaRPr lang="pl-PL"/>
@@ -2737,7 +2753,8 @@
           <a:p>
             <a:fld id="{7EDB9D31-E5E3-4CF9-AD05-005813C66478}" type="datetimeFigureOut">
               <a:rPr lang="pl-PL" smtClean="0"/>
-              <a:t>2013-06-11</a:t>
+              <a:pPr/>
+              <a:t>2013-06-12</a:t>
             </a:fld>
             <a:endParaRPr lang="pl-PL"/>
           </a:p>
@@ -2779,6 +2796,7 @@
           <a:p>
             <a:fld id="{6E47CAB0-2E89-4FDF-B334-76B5B19786A2}" type="slidenum">
               <a:rPr lang="pl-PL" smtClean="0"/>
+              <a:pPr/>
               <a:t>‹#›</a:t>
             </a:fld>
             <a:endParaRPr lang="pl-PL"/>
@@ -3396,7 +3414,8 @@
           <a:p>
             <a:fld id="{7EDB9D31-E5E3-4CF9-AD05-005813C66478}" type="datetimeFigureOut">
               <a:rPr lang="pl-PL" smtClean="0"/>
-              <a:t>2013-06-11</a:t>
+              <a:pPr/>
+              <a:t>2013-06-12</a:t>
             </a:fld>
             <a:endParaRPr lang="pl-PL"/>
           </a:p>
@@ -3738,6 +3757,7 @@
           <a:p>
             <a:fld id="{6E47CAB0-2E89-4FDF-B334-76B5B19786A2}" type="slidenum">
               <a:rPr lang="pl-PL" smtClean="0"/>
+              <a:pPr/>
               <a:t>‹#›</a:t>
             </a:fld>
             <a:endParaRPr lang="pl-PL"/>
@@ -3832,7 +3852,8 @@
           <a:p>
             <a:fld id="{7EDB9D31-E5E3-4CF9-AD05-005813C66478}" type="datetimeFigureOut">
               <a:rPr lang="pl-PL" smtClean="0"/>
-              <a:t>2013-06-11</a:t>
+              <a:pPr/>
+              <a:t>2013-06-12</a:t>
             </a:fld>
             <a:endParaRPr lang="pl-PL"/>
           </a:p>
@@ -3879,6 +3900,7 @@
           <a:p>
             <a:fld id="{6E47CAB0-2E89-4FDF-B334-76B5B19786A2}" type="slidenum">
               <a:rPr lang="pl-PL" smtClean="0"/>
+              <a:pPr/>
               <a:t>‹#›</a:t>
             </a:fld>
             <a:endParaRPr lang="pl-PL"/>
@@ -4145,7 +4167,8 @@
           <a:p>
             <a:fld id="{7EDB9D31-E5E3-4CF9-AD05-005813C66478}" type="datetimeFigureOut">
               <a:rPr lang="pl-PL" smtClean="0"/>
-              <a:t>2013-06-11</a:t>
+              <a:pPr/>
+              <a:t>2013-06-12</a:t>
             </a:fld>
             <a:endParaRPr lang="pl-PL"/>
           </a:p>
@@ -4200,6 +4223,7 @@
           <a:p>
             <a:fld id="{6E47CAB0-2E89-4FDF-B334-76B5B19786A2}" type="slidenum">
               <a:rPr lang="pl-PL" smtClean="0"/>
+              <a:pPr/>
               <a:t>‹#›</a:t>
             </a:fld>
             <a:endParaRPr lang="pl-PL"/>
@@ -4818,6 +4842,7 @@
           <a:p>
             <a:fld id="{6E47CAB0-2E89-4FDF-B334-76B5B19786A2}" type="slidenum">
               <a:rPr lang="pl-PL" smtClean="0"/>
+              <a:pPr/>
               <a:t>‹#›</a:t>
             </a:fld>
             <a:endParaRPr lang="pl-PL"/>
@@ -4877,7 +4902,8 @@
           <a:p>
             <a:fld id="{7EDB9D31-E5E3-4CF9-AD05-005813C66478}" type="datetimeFigureOut">
               <a:rPr lang="pl-PL" smtClean="0"/>
-              <a:t>2013-06-11</a:t>
+              <a:pPr/>
+              <a:t>2013-06-12</a:t>
             </a:fld>
             <a:endParaRPr lang="pl-PL"/>
           </a:p>
@@ -5352,6 +5378,7 @@
           <a:p>
             <a:fld id="{6E47CAB0-2E89-4FDF-B334-76B5B19786A2}" type="slidenum">
               <a:rPr lang="pl-PL" smtClean="0"/>
+              <a:pPr/>
               <a:t>‹#›</a:t>
             </a:fld>
             <a:endParaRPr lang="pl-PL"/>
@@ -5541,7 +5568,8 @@
           <a:p>
             <a:fld id="{7EDB9D31-E5E3-4CF9-AD05-005813C66478}" type="datetimeFigureOut">
               <a:rPr lang="pl-PL" smtClean="0"/>
-              <a:t>2013-06-11</a:t>
+              <a:pPr/>
+              <a:t>2013-06-12</a:t>
             </a:fld>
             <a:endParaRPr lang="pl-PL"/>
           </a:p>
@@ -5814,7 +5842,8 @@
           <a:p>
             <a:fld id="{7EDB9D31-E5E3-4CF9-AD05-005813C66478}" type="datetimeFigureOut">
               <a:rPr lang="pl-PL" smtClean="0"/>
-              <a:t>2013-06-11</a:t>
+              <a:pPr/>
+              <a:t>2013-06-12</a:t>
             </a:fld>
             <a:endParaRPr lang="pl-PL"/>
           </a:p>
@@ -6064,6 +6093,7 @@
           <a:p>
             <a:fld id="{6E47CAB0-2E89-4FDF-B334-76B5B19786A2}" type="slidenum">
               <a:rPr lang="pl-PL" smtClean="0"/>
+              <a:pPr/>
               <a:t>‹#›</a:t>
             </a:fld>
             <a:endParaRPr lang="pl-PL"/>
@@ -6497,23 +6527,61 @@
             <p:ph type="subTitle" idx="1"/>
           </p:nvPr>
         </p:nvSpPr>
-        <p:spPr/>
+        <p:spPr>
+          <a:xfrm>
+            <a:off x="500034" y="2786058"/>
+            <a:ext cx="8143932" cy="3143272"/>
+          </a:xfrm>
+        </p:spPr>
         <p:txBody>
           <a:bodyPr/>
           <a:lstStyle/>
           <a:p>
             <a:r>
-              <a:rPr lang="pl-PL" smtClean="0"/>
-              <a:t>Subtitle</a:t>
-            </a:r>
-          </a:p>
-          <a:p>
-            <a:r>
-              <a:rPr lang="pl-PL" smtClean="0"/>
-              <a:t>names</a:t>
-            </a:r>
-          </a:p>
-          <a:p>
+              <a:rPr lang="pl-PL" sz="2400" smtClean="0"/>
+              <a:t>Using kinect to evaluate dance performances</a:t>
+            </a:r>
+            <a:endParaRPr lang="pl-PL" sz="2400" smtClean="0"/>
+          </a:p>
+          <a:p>
+            <a:endParaRPr lang="pl-PL" smtClean="0"/>
+          </a:p>
+          <a:p>
+            <a:r>
+              <a:rPr lang="pl-PL" smtClean="0"/>
+              <a:t>Stylianos venieris</a:t>
+            </a:r>
+          </a:p>
+          <a:p>
+            <a:r>
+              <a:rPr lang="pl-PL" smtClean="0"/>
+              <a:t>Marcin baginski</a:t>
+            </a:r>
+          </a:p>
+          <a:p>
+            <a:r>
+              <a:rPr lang="pl-PL" smtClean="0"/>
+              <a:t>Theo pavlakou</a:t>
+            </a:r>
+          </a:p>
+          <a:p>
+            <a:r>
+              <a:rPr lang="pl-PL" smtClean="0"/>
+              <a:t>Hesam ipakchi</a:t>
+            </a:r>
+          </a:p>
+          <a:p>
+            <a:r>
+              <a:rPr lang="pl-PL" smtClean="0"/>
+              <a:t>Zeping xue</a:t>
+            </a:r>
+            <a:endParaRPr lang="pl-PL" smtClean="0"/>
+          </a:p>
+          <a:p>
+            <a:r>
+              <a:rPr lang="pl-PL" smtClean="0"/>
+              <a:t>Yijie ge</a:t>
+            </a:r>
             <a:endParaRPr lang="pl-PL" dirty="0"/>
           </a:p>
         </p:txBody>
@@ -6589,338 +6657,130 @@
         </p:nvSpPr>
         <p:spPr/>
         <p:txBody>
+          <a:bodyPr>
+            <a:normAutofit/>
+          </a:bodyPr>
+          <a:lstStyle/>
+          <a:p>
+            <a:r>
+              <a:rPr lang="pl-PL" sz="2800" smtClean="0"/>
+              <a:t>Automatic Dance Scoring </a:t>
+            </a:r>
+            <a:r>
+              <a:rPr lang="pl-PL" sz="2800" smtClean="0"/>
+              <a:t>– </a:t>
+            </a:r>
+            <a:r>
+              <a:rPr lang="pl-PL" sz="2800" smtClean="0"/>
+              <a:t>Data Alignment Module</a:t>
+            </a:r>
+            <a:endParaRPr lang="pl-PL" sz="2800"/>
+          </a:p>
+        </p:txBody>
+      </p:sp>
+      <p:sp>
+        <p:nvSpPr>
+          <p:cNvPr id="3" name="Symbol zastępczy zawartości 2"/>
+          <p:cNvSpPr>
+            <a:spLocks noGrp="1"/>
+          </p:cNvSpPr>
+          <p:nvPr>
+            <p:ph sz="quarter" idx="1"/>
+          </p:nvPr>
+        </p:nvSpPr>
+        <p:spPr>
+          <a:xfrm>
+            <a:off x="301752" y="1527048"/>
+            <a:ext cx="8503920" cy="2044828"/>
+          </a:xfrm>
+        </p:spPr>
+        <p:txBody>
           <a:bodyPr/>
           <a:lstStyle/>
           <a:p>
             <a:r>
               <a:rPr lang="pl-PL" smtClean="0"/>
-              <a:t>Automatic Dance Scoring - Algorithm</a:t>
+              <a:t>Data Alignment Module</a:t>
+            </a:r>
+          </a:p>
+          <a:p>
+            <a:pPr lvl="1"/>
+            <a:r>
+              <a:rPr lang="pl-PL" smtClean="0"/>
+              <a:t>Even after translation, there is still a possibility of misalignment between the data of two dance moves</a:t>
+            </a:r>
+          </a:p>
+          <a:p>
+            <a:pPr lvl="1"/>
+            <a:r>
+              <a:rPr lang="pl-PL" smtClean="0"/>
+              <a:t>Data Alignment Module aims to bring the two signals to as close alignment as possible</a:t>
             </a:r>
             <a:endParaRPr lang="pl-PL"/>
           </a:p>
         </p:txBody>
       </p:sp>
-      <p:sp>
-        <p:nvSpPr>
-          <p:cNvPr id="3" name="Symbol zastępczy zawartości 2"/>
-          <p:cNvSpPr>
-            <a:spLocks noGrp="1"/>
-          </p:cNvSpPr>
-          <p:nvPr>
-            <p:ph sz="quarter" idx="1"/>
-          </p:nvPr>
+      <p:pic>
+        <p:nvPicPr>
+          <p:cNvPr id="4098" name="Picture 2" descr="C:\Users\Marcin\Desktop\Initial_Frame_Det_Before.jpg"/>
+          <p:cNvPicPr>
+            <a:picLocks noChangeAspect="1" noChangeArrowheads="1"/>
+          </p:cNvPicPr>
+          <p:nvPr/>
+        </p:nvPicPr>
+        <p:blipFill>
+          <a:blip r:embed="rId2" cstate="print"/>
+          <a:srcRect/>
+          <a:stretch>
+            <a:fillRect/>
+          </a:stretch>
+        </p:blipFill>
+        <p:spPr bwMode="auto">
+          <a:xfrm>
+            <a:off x="500065" y="3643314"/>
+            <a:ext cx="3975048" cy="2376000"/>
+          </a:xfrm>
+          <a:prstGeom prst="rect">
+            <a:avLst/>
+          </a:prstGeom>
+          <a:noFill/>
+        </p:spPr>
+      </p:pic>
+      <p:pic>
+        <p:nvPicPr>
+          <p:cNvPr id="4099" name="Picture 3" descr="C:\Users\Marcin\Desktop\Initial_Frame_Det_After.jpg"/>
+          <p:cNvPicPr>
+            <a:picLocks noChangeAspect="1" noChangeArrowheads="1"/>
+          </p:cNvPicPr>
+          <p:nvPr/>
+        </p:nvPicPr>
+        <p:blipFill>
+          <a:blip r:embed="rId3" cstate="print"/>
+          <a:srcRect/>
+          <a:stretch>
+            <a:fillRect/>
+          </a:stretch>
+        </p:blipFill>
+        <p:spPr bwMode="auto">
+          <a:xfrm>
+            <a:off x="4714875" y="3643314"/>
+            <a:ext cx="4033062" cy="2376000"/>
+          </a:xfrm>
+          <a:prstGeom prst="rect">
+            <a:avLst/>
+          </a:prstGeom>
+          <a:noFill/>
+        </p:spPr>
+      </p:pic>
+      <p:sp>
+        <p:nvSpPr>
+          <p:cNvPr id="6" name="pole tekstowe 5"/>
+          <p:cNvSpPr txBox="1"/>
+          <p:nvPr/>
         </p:nvSpPr>
         <p:spPr>
           <a:xfrm>
-            <a:off x="301752" y="4071942"/>
-            <a:ext cx="8503920" cy="2027106"/>
-          </a:xfrm>
-        </p:spPr>
-        <p:txBody>
-          <a:bodyPr/>
-          <a:lstStyle/>
-          <a:p>
-            <a:r>
-              <a:rPr lang="pl-PL" smtClean="0"/>
-              <a:t>Overall, high level description of the system</a:t>
-            </a:r>
-            <a:endParaRPr lang="pl-PL"/>
-          </a:p>
-        </p:txBody>
-      </p:sp>
-      <p:sp>
-        <p:nvSpPr>
-          <p:cNvPr id="28" name="Prostokąt 27"/>
-          <p:cNvSpPr/>
-          <p:nvPr/>
-        </p:nvSpPr>
-        <p:spPr>
-          <a:xfrm>
-            <a:off x="642910" y="2000240"/>
-            <a:ext cx="2000264" cy="642942"/>
-          </a:xfrm>
-          <a:prstGeom prst="rect">
-            <a:avLst/>
-          </a:prstGeom>
-        </p:spPr>
-        <p:style>
-          <a:lnRef idx="1">
-            <a:schemeClr val="accent3"/>
-          </a:lnRef>
-          <a:fillRef idx="2">
-            <a:schemeClr val="accent3"/>
-          </a:fillRef>
-          <a:effectRef idx="1">
-            <a:schemeClr val="accent3"/>
-          </a:effectRef>
-          <a:fontRef idx="minor">
-            <a:schemeClr val="dk1"/>
-          </a:fontRef>
-        </p:style>
-        <p:txBody>
-          <a:bodyPr rtlCol="0" anchor="ctr"/>
-          <a:lstStyle/>
-          <a:p>
-            <a:pPr algn="ctr"/>
-            <a:r>
-              <a:rPr lang="pl-PL" smtClean="0"/>
-              <a:t>Motionless Activity Detector</a:t>
-            </a:r>
-            <a:endParaRPr lang="pl-PL"/>
-          </a:p>
-        </p:txBody>
-      </p:sp>
-      <p:sp>
-        <p:nvSpPr>
-          <p:cNvPr id="29" name="Prostokąt 28"/>
-          <p:cNvSpPr/>
-          <p:nvPr/>
-        </p:nvSpPr>
-        <p:spPr>
-          <a:xfrm>
-            <a:off x="3357554" y="2000240"/>
-            <a:ext cx="1785950" cy="642942"/>
-          </a:xfrm>
-          <a:prstGeom prst="rect">
-            <a:avLst/>
-          </a:prstGeom>
-        </p:spPr>
-        <p:style>
-          <a:lnRef idx="1">
-            <a:schemeClr val="accent3"/>
-          </a:lnRef>
-          <a:fillRef idx="2">
-            <a:schemeClr val="accent3"/>
-          </a:fillRef>
-          <a:effectRef idx="1">
-            <a:schemeClr val="accent3"/>
-          </a:effectRef>
-          <a:fontRef idx="minor">
-            <a:schemeClr val="dk1"/>
-          </a:fontRef>
-        </p:style>
-        <p:txBody>
-          <a:bodyPr rtlCol="0" anchor="ctr"/>
-          <a:lstStyle/>
-          <a:p>
-            <a:pPr algn="ctr"/>
-            <a:r>
-              <a:rPr lang="pl-PL" smtClean="0"/>
-              <a:t>Translation Module</a:t>
-            </a:r>
-            <a:endParaRPr lang="pl-PL"/>
-          </a:p>
-        </p:txBody>
-      </p:sp>
-      <p:sp>
-        <p:nvSpPr>
-          <p:cNvPr id="30" name="Prostokąt 29"/>
-          <p:cNvSpPr/>
-          <p:nvPr/>
-        </p:nvSpPr>
-        <p:spPr>
-          <a:xfrm>
-            <a:off x="6500826" y="3143248"/>
-            <a:ext cx="2000264" cy="642942"/>
-          </a:xfrm>
-          <a:prstGeom prst="rect">
-            <a:avLst/>
-          </a:prstGeom>
-        </p:spPr>
-        <p:style>
-          <a:lnRef idx="1">
-            <a:schemeClr val="accent3"/>
-          </a:lnRef>
-          <a:fillRef idx="2">
-            <a:schemeClr val="accent3"/>
-          </a:fillRef>
-          <a:effectRef idx="1">
-            <a:schemeClr val="accent3"/>
-          </a:effectRef>
-          <a:fontRef idx="minor">
-            <a:schemeClr val="dk1"/>
-          </a:fontRef>
-        </p:style>
-        <p:txBody>
-          <a:bodyPr rtlCol="0" anchor="ctr"/>
-          <a:lstStyle/>
-          <a:p>
-            <a:pPr algn="ctr"/>
-            <a:r>
-              <a:rPr lang="pl-PL" smtClean="0"/>
-              <a:t>Data Analysis Module</a:t>
-            </a:r>
-            <a:endParaRPr lang="pl-PL"/>
-          </a:p>
-        </p:txBody>
-      </p:sp>
-      <p:sp>
-        <p:nvSpPr>
-          <p:cNvPr id="31" name="Prostokąt 30"/>
-          <p:cNvSpPr/>
-          <p:nvPr/>
-        </p:nvSpPr>
-        <p:spPr>
-          <a:xfrm>
-            <a:off x="3786182" y="3143248"/>
-            <a:ext cx="2000264" cy="642942"/>
-          </a:xfrm>
-          <a:prstGeom prst="rect">
-            <a:avLst/>
-          </a:prstGeom>
-        </p:spPr>
-        <p:style>
-          <a:lnRef idx="1">
-            <a:schemeClr val="accent3"/>
-          </a:lnRef>
-          <a:fillRef idx="2">
-            <a:schemeClr val="accent3"/>
-          </a:fillRef>
-          <a:effectRef idx="1">
-            <a:schemeClr val="accent3"/>
-          </a:effectRef>
-          <a:fontRef idx="minor">
-            <a:schemeClr val="dk1"/>
-          </a:fontRef>
-        </p:style>
-        <p:txBody>
-          <a:bodyPr rtlCol="0" anchor="ctr"/>
-          <a:lstStyle/>
-          <a:p>
-            <a:pPr algn="ctr"/>
-            <a:r>
-              <a:rPr lang="pl-PL" smtClean="0"/>
-              <a:t>Data Alignment Module</a:t>
-            </a:r>
-            <a:endParaRPr lang="pl-PL"/>
-          </a:p>
-        </p:txBody>
-      </p:sp>
-      <p:cxnSp>
-        <p:nvCxnSpPr>
-          <p:cNvPr id="33" name="Łącznik łamany 32"/>
-          <p:cNvCxnSpPr>
-            <a:stCxn id="28" idx="3"/>
-            <a:endCxn id="29" idx="1"/>
-          </p:cNvCxnSpPr>
-          <p:nvPr/>
-        </p:nvCxnSpPr>
-        <p:spPr>
-          <a:xfrm>
-            <a:off x="2643174" y="2321711"/>
-            <a:ext cx="714380" cy="1588"/>
-          </a:xfrm>
-          <a:prstGeom prst="bentConnector3">
-            <a:avLst>
-              <a:gd name="adj1" fmla="val 50000"/>
-            </a:avLst>
-          </a:prstGeom>
-          <a:ln w="38100">
-            <a:tailEnd type="arrow"/>
-          </a:ln>
-        </p:spPr>
-        <p:style>
-          <a:lnRef idx="1">
-            <a:schemeClr val="accent3"/>
-          </a:lnRef>
-          <a:fillRef idx="0">
-            <a:schemeClr val="accent3"/>
-          </a:fillRef>
-          <a:effectRef idx="0">
-            <a:schemeClr val="accent3"/>
-          </a:effectRef>
-          <a:fontRef idx="minor">
-            <a:schemeClr val="tx1"/>
-          </a:fontRef>
-        </p:style>
-      </p:cxnSp>
-      <p:cxnSp>
-        <p:nvCxnSpPr>
-          <p:cNvPr id="35" name="Kształt 34"/>
-          <p:cNvCxnSpPr>
-            <a:stCxn id="29" idx="3"/>
-            <a:endCxn id="31" idx="1"/>
-          </p:cNvCxnSpPr>
-          <p:nvPr/>
-        </p:nvCxnSpPr>
-        <p:spPr>
-          <a:xfrm flipH="1">
-            <a:off x="3786182" y="2321711"/>
-            <a:ext cx="1357322" cy="1143008"/>
-          </a:xfrm>
-          <a:prstGeom prst="bentConnector5">
-            <a:avLst>
-              <a:gd name="adj1" fmla="val -16842"/>
-              <a:gd name="adj2" fmla="val 50000"/>
-              <a:gd name="adj3" fmla="val 116842"/>
-            </a:avLst>
-          </a:prstGeom>
-          <a:ln w="38100">
-            <a:tailEnd type="arrow"/>
-          </a:ln>
-        </p:spPr>
-        <p:style>
-          <a:lnRef idx="1">
-            <a:schemeClr val="accent3"/>
-          </a:lnRef>
-          <a:fillRef idx="0">
-            <a:schemeClr val="accent3"/>
-          </a:fillRef>
-          <a:effectRef idx="0">
-            <a:schemeClr val="accent3"/>
-          </a:effectRef>
-          <a:fontRef idx="minor">
-            <a:schemeClr val="tx1"/>
-          </a:fontRef>
-        </p:style>
-      </p:cxnSp>
-      <p:cxnSp>
-        <p:nvCxnSpPr>
-          <p:cNvPr id="37" name="Łącznik łamany 36"/>
-          <p:cNvCxnSpPr>
-            <a:stCxn id="31" idx="3"/>
-            <a:endCxn id="30" idx="1"/>
-          </p:cNvCxnSpPr>
-          <p:nvPr/>
-        </p:nvCxnSpPr>
-        <p:spPr>
-          <a:xfrm>
-            <a:off x="5786446" y="3464719"/>
-            <a:ext cx="714380" cy="1588"/>
-          </a:xfrm>
-          <a:prstGeom prst="bentConnector3">
-            <a:avLst>
-              <a:gd name="adj1" fmla="val 50000"/>
-            </a:avLst>
-          </a:prstGeom>
-          <a:ln w="38100">
-            <a:tailEnd type="arrow"/>
-          </a:ln>
-        </p:spPr>
-        <p:style>
-          <a:lnRef idx="1">
-            <a:schemeClr val="accent3"/>
-          </a:lnRef>
-          <a:fillRef idx="0">
-            <a:schemeClr val="accent3"/>
-          </a:fillRef>
-          <a:effectRef idx="0">
-            <a:schemeClr val="accent3"/>
-          </a:effectRef>
-          <a:fontRef idx="minor">
-            <a:schemeClr val="tx1"/>
-          </a:fontRef>
-        </p:style>
-      </p:cxnSp>
-      <p:sp>
-        <p:nvSpPr>
-          <p:cNvPr id="38" name="pole tekstowe 37"/>
-          <p:cNvSpPr txBox="1"/>
-          <p:nvPr/>
-        </p:nvSpPr>
-        <p:spPr>
-          <a:xfrm>
-            <a:off x="1177200" y="3429000"/>
+            <a:off x="6429388" y="6000768"/>
             <a:ext cx="928694" cy="369332"/>
           </a:xfrm>
           <a:prstGeom prst="rect">
@@ -6936,7 +6796,7 @@
           <a:p>
             <a:r>
               <a:rPr lang="pl-PL" smtClean="0"/>
-              <a:t> Dance</a:t>
+              <a:t>After</a:t>
             </a:r>
             <a:endParaRPr lang="pl-PL"/>
           </a:p>
@@ -6944,14 +6804,14 @@
       </p:sp>
       <p:sp>
         <p:nvSpPr>
-          <p:cNvPr id="39" name="pole tekstowe 38"/>
+          <p:cNvPr id="7" name="pole tekstowe 6"/>
           <p:cNvSpPr txBox="1"/>
           <p:nvPr/>
         </p:nvSpPr>
         <p:spPr>
           <a:xfrm>
-            <a:off x="7110000" y="2000240"/>
-            <a:ext cx="785818" cy="369332"/>
+            <a:off x="2000232" y="6000768"/>
+            <a:ext cx="928694" cy="369332"/>
           </a:xfrm>
           <a:prstGeom prst="rect">
             <a:avLst/>
@@ -6966,84 +6826,12 @@
           <a:p>
             <a:r>
               <a:rPr lang="pl-PL" smtClean="0"/>
-              <a:t>Score</a:t>
+              <a:t>Before</a:t>
             </a:r>
             <a:endParaRPr lang="pl-PL"/>
           </a:p>
         </p:txBody>
       </p:sp>
-      <p:cxnSp>
-        <p:nvCxnSpPr>
-          <p:cNvPr id="41" name="Łącznik prosty ze strzałką 40"/>
-          <p:cNvCxnSpPr>
-            <a:stCxn id="38" idx="0"/>
-            <a:endCxn id="28" idx="2"/>
-          </p:cNvCxnSpPr>
-          <p:nvPr/>
-        </p:nvCxnSpPr>
-        <p:spPr>
-          <a:xfrm rot="5400000" flipH="1" flipV="1">
-            <a:off x="1249385" y="3035344"/>
-            <a:ext cx="785818" cy="1495"/>
-          </a:xfrm>
-          <a:prstGeom prst="straightConnector1">
-            <a:avLst/>
-          </a:prstGeom>
-          <a:ln w="38100">
-            <a:tailEnd type="arrow"/>
-          </a:ln>
-        </p:spPr>
-        <p:style>
-          <a:lnRef idx="1">
-            <a:schemeClr val="accent3"/>
-          </a:lnRef>
-          <a:fillRef idx="0">
-            <a:schemeClr val="accent3"/>
-          </a:fillRef>
-          <a:effectRef idx="0">
-            <a:schemeClr val="accent3"/>
-          </a:effectRef>
-          <a:fontRef idx="minor">
-            <a:schemeClr val="tx1"/>
-          </a:fontRef>
-        </p:style>
-      </p:cxnSp>
-      <p:cxnSp>
-        <p:nvCxnSpPr>
-          <p:cNvPr id="52" name="Łącznik prosty ze strzałką 51"/>
-          <p:cNvCxnSpPr>
-            <a:stCxn id="30" idx="0"/>
-            <a:endCxn id="39" idx="2"/>
-          </p:cNvCxnSpPr>
-          <p:nvPr/>
-        </p:nvCxnSpPr>
-        <p:spPr>
-          <a:xfrm rot="5400000" flipH="1" flipV="1">
-            <a:off x="7115095" y="2755435"/>
-            <a:ext cx="773676" cy="1951"/>
-          </a:xfrm>
-          <a:prstGeom prst="straightConnector1">
-            <a:avLst/>
-          </a:prstGeom>
-          <a:ln w="38100">
-            <a:tailEnd type="arrow"/>
-          </a:ln>
-        </p:spPr>
-        <p:style>
-          <a:lnRef idx="1">
-            <a:schemeClr val="accent3"/>
-          </a:lnRef>
-          <a:fillRef idx="0">
-            <a:schemeClr val="accent3"/>
-          </a:fillRef>
-          <a:effectRef idx="0">
-            <a:schemeClr val="accent3"/>
-          </a:effectRef>
-          <a:fontRef idx="minor">
-            <a:schemeClr val="tx1"/>
-          </a:fontRef>
-        </p:style>
-      </p:cxnSp>
     </p:spTree>
   </p:cSld>
   <p:clrMapOvr>
@@ -7088,14 +6876,24 @@
         </p:nvSpPr>
         <p:spPr/>
         <p:txBody>
-          <a:bodyPr/>
-          <a:lstStyle/>
-          <a:p>
-            <a:r>
-              <a:rPr lang="pl-PL" smtClean="0"/>
-              <a:t>Automatic Dance Scoring - Algorithm</a:t>
-            </a:r>
-            <a:endParaRPr lang="pl-PL"/>
+          <a:bodyPr>
+            <a:normAutofit/>
+          </a:bodyPr>
+          <a:lstStyle/>
+          <a:p>
+            <a:r>
+              <a:rPr lang="pl-PL" sz="2800" smtClean="0"/>
+              <a:t>Automatic Dance Scoring – </a:t>
+            </a:r>
+            <a:r>
+              <a:rPr lang="pl-PL" sz="2800" smtClean="0"/>
+              <a:t>Data </a:t>
+            </a:r>
+            <a:r>
+              <a:rPr lang="pl-PL" sz="2800" smtClean="0"/>
+              <a:t>Analysis Module</a:t>
+            </a:r>
+            <a:endParaRPr lang="pl-PL" sz="2800"/>
           </a:p>
         </p:txBody>
       </p:sp>
@@ -7111,38 +6909,23 @@
         </p:nvSpPr>
         <p:spPr/>
         <p:txBody>
-          <a:bodyPr/>
-          <a:lstStyle/>
-          <a:p>
-            <a:r>
-              <a:rPr lang="pl-PL" smtClean="0"/>
-              <a:t>Motionless Activity Detector</a:t>
-            </a:r>
-          </a:p>
-          <a:p>
-            <a:pPr lvl="1"/>
-            <a:r>
-              <a:rPr lang="pl-PL" smtClean="0"/>
-              <a:t>Some info + maybe a figure before/after</a:t>
-            </a:r>
-          </a:p>
-          <a:p>
-            <a:r>
-              <a:rPr lang="pl-PL" smtClean="0"/>
-              <a:t>Translation Module</a:t>
-            </a:r>
-          </a:p>
-          <a:p>
-            <a:pPr lvl="1"/>
-            <a:r>
-              <a:rPr lang="pl-PL" smtClean="0"/>
-              <a:t>Some info</a:t>
-            </a:r>
-            <a:r>
-              <a:rPr lang="pl-PL" smtClean="0"/>
-              <a:t> + maybe a figure before/after</a:t>
-            </a:r>
-            <a:endParaRPr lang="pl-PL" smtClean="0"/>
+          <a:bodyPr>
+            <a:normAutofit/>
+          </a:bodyPr>
+          <a:lstStyle/>
+          <a:p>
+            <a:r>
+              <a:rPr lang="pl-PL" smtClean="0"/>
+              <a:t>Data </a:t>
+            </a:r>
+            <a:r>
+              <a:rPr lang="pl-PL" smtClean="0"/>
+              <a:t>Analysis </a:t>
+            </a:r>
+            <a:r>
+              <a:rPr lang="pl-PL" smtClean="0"/>
+              <a:t>Module</a:t>
+            </a:r>
           </a:p>
         </p:txBody>
       </p:sp>
@@ -7195,61 +6978,38 @@
           <a:p>
             <a:r>
               <a:rPr lang="pl-PL" smtClean="0"/>
-              <a:t>Automatic Dance Scoring - Algorithm</a:t>
+              <a:t>The Application</a:t>
             </a:r>
             <a:endParaRPr lang="pl-PL"/>
           </a:p>
         </p:txBody>
       </p:sp>
-      <p:sp>
-        <p:nvSpPr>
-          <p:cNvPr id="3" name="Symbol zastępczy zawartości 2"/>
-          <p:cNvSpPr>
-            <a:spLocks noGrp="1"/>
-          </p:cNvSpPr>
-          <p:nvPr>
-            <p:ph sz="quarter" idx="1"/>
-          </p:nvPr>
-        </p:nvSpPr>
-        <p:spPr/>
-        <p:txBody>
-          <a:bodyPr/>
-          <a:lstStyle/>
-          <a:p>
-            <a:r>
-              <a:rPr lang="pl-PL" smtClean="0"/>
-              <a:t>Data Alignment Module</a:t>
-            </a:r>
-          </a:p>
-          <a:p>
-            <a:pPr lvl="1"/>
-            <a:r>
-              <a:rPr lang="pl-PL" smtClean="0"/>
-              <a:t>Some info + </a:t>
-            </a:r>
-            <a:r>
-              <a:rPr lang="pl-PL" smtClean="0"/>
-              <a:t>maybe a figure before/after</a:t>
-            </a:r>
-            <a:endParaRPr lang="pl-PL" smtClean="0"/>
-          </a:p>
-          <a:p>
-            <a:r>
-              <a:rPr lang="pl-PL" smtClean="0"/>
-              <a:t>Data Analysis Module</a:t>
-            </a:r>
-            <a:endParaRPr lang="pl-PL" smtClean="0"/>
-          </a:p>
-          <a:p>
-            <a:pPr lvl="1"/>
-            <a:r>
-              <a:rPr lang="pl-PL" smtClean="0"/>
-              <a:t>Some info</a:t>
-            </a:r>
-            <a:endParaRPr lang="pl-PL"/>
-          </a:p>
-        </p:txBody>
-      </p:sp>
+      <p:pic>
+        <p:nvPicPr>
+          <p:cNvPr id="1026" name="Picture 2" descr="C:\Users\Marcin\Desktop\startscreen.png"/>
+          <p:cNvPicPr>
+            <a:picLocks noChangeAspect="1" noChangeArrowheads="1"/>
+          </p:cNvPicPr>
+          <p:nvPr/>
+        </p:nvPicPr>
+        <p:blipFill>
+          <a:blip r:embed="rId2"/>
+          <a:srcRect/>
+          <a:stretch>
+            <a:fillRect/>
+          </a:stretch>
+        </p:blipFill>
+        <p:spPr bwMode="auto">
+          <a:xfrm>
+            <a:off x="1643042" y="1643050"/>
+            <a:ext cx="5927725" cy="4516438"/>
+          </a:xfrm>
+          <a:prstGeom prst="rect">
+            <a:avLst/>
+          </a:prstGeom>
+          <a:noFill/>
+        </p:spPr>
+      </p:pic>
     </p:spTree>
   </p:cSld>
   <p:clrMapOvr>
@@ -7299,7 +7059,7 @@
           <a:p>
             <a:r>
               <a:rPr lang="pl-PL" smtClean="0"/>
-              <a:t>Extensions</a:t>
+              <a:t>The Application</a:t>
             </a:r>
             <a:endParaRPr lang="pl-PL"/>
           </a:p>
@@ -7322,7 +7082,13 @@
           <a:p>
             <a:r>
               <a:rPr lang="pl-PL" smtClean="0"/>
-              <a:t>Machine learning</a:t>
+              <a:t>Screenshots?</a:t>
+            </a:r>
+          </a:p>
+          <a:p>
+            <a:r>
+              <a:rPr lang="pl-PL" smtClean="0"/>
+              <a:t>Features</a:t>
             </a:r>
             <a:endParaRPr lang="pl-PL"/>
           </a:p>
@@ -7333,6 +7099,13 @@
   <p:clrMapOvr>
     <a:masterClrMapping/>
   </p:clrMapOvr>
+  <p:timing>
+    <p:tnLst>
+      <p:par>
+        <p:cTn id="1" dur="indefinite" restart="never" nodeType="tmRoot"/>
+      </p:par>
+    </p:tnLst>
+  </p:timing>
 </p:sld>
 </file>
 
@@ -7370,7 +7143,7 @@
           <a:p>
             <a:r>
               <a:rPr lang="pl-PL" smtClean="0"/>
-              <a:t>Limitations</a:t>
+              <a:t>The Application</a:t>
             </a:r>
             <a:endParaRPr lang="pl-PL"/>
           </a:p>
@@ -7391,6 +7164,16 @@
           <a:bodyPr/>
           <a:lstStyle/>
           <a:p>
+            <a:r>
+              <a:rPr lang="pl-PL" smtClean="0"/>
+              <a:t>Screenshots?</a:t>
+            </a:r>
+          </a:p>
+          <a:p>
+            <a:r>
+              <a:rPr lang="pl-PL" smtClean="0"/>
+              <a:t>Features</a:t>
+            </a:r>
             <a:endParaRPr lang="pl-PL"/>
           </a:p>
         </p:txBody>
@@ -7400,6 +7183,13 @@
   <p:clrMapOvr>
     <a:masterClrMapping/>
   </p:clrMapOvr>
+  <p:timing>
+    <p:tnLst>
+      <p:par>
+        <p:cTn id="1" dur="indefinite" restart="never" nodeType="tmRoot"/>
+      </p:par>
+    </p:tnLst>
+  </p:timing>
 </p:sld>
 </file>
 
@@ -7437,7 +7227,7 @@
           <a:p>
             <a:r>
               <a:rPr lang="pl-PL" smtClean="0"/>
-              <a:t>Summary</a:t>
+              <a:t>Extensions</a:t>
             </a:r>
             <a:endParaRPr lang="pl-PL"/>
           </a:p>
@@ -7458,6 +7248,10 @@
           <a:bodyPr/>
           <a:lstStyle/>
           <a:p>
+            <a:r>
+              <a:rPr lang="pl-PL" smtClean="0"/>
+              <a:t>Machine learning</a:t>
+            </a:r>
             <a:endParaRPr lang="pl-PL"/>
           </a:p>
         </p:txBody>
@@ -7467,6 +7261,228 @@
   <p:clrMapOvr>
     <a:masterClrMapping/>
   </p:clrMapOvr>
+  <p:timing>
+    <p:tnLst>
+      <p:par>
+        <p:cTn id="1" dur="indefinite" restart="never" nodeType="tmRoot"/>
+      </p:par>
+    </p:tnLst>
+  </p:timing>
+</p:sld>
+</file>
+
+<file path=ppt/slides/slide16.xml><?xml version="1.0" encoding="utf-8"?>
+<p:sld xmlns:a="http://schemas.openxmlformats.org/drawingml/2006/main" xmlns:r="http://schemas.openxmlformats.org/officeDocument/2006/relationships" xmlns:p="http://schemas.openxmlformats.org/presentationml/2006/main">
+  <p:cSld>
+    <p:spTree>
+      <p:nvGrpSpPr>
+        <p:cNvPr id="1" name=""/>
+        <p:cNvGrpSpPr/>
+        <p:nvPr/>
+      </p:nvGrpSpPr>
+      <p:grpSpPr>
+        <a:xfrm>
+          <a:off x="0" y="0"/>
+          <a:ext cx="0" cy="0"/>
+          <a:chOff x="0" y="0"/>
+          <a:chExt cx="0" cy="0"/>
+        </a:xfrm>
+      </p:grpSpPr>
+      <p:sp>
+        <p:nvSpPr>
+          <p:cNvPr id="2" name="Tytuł 1"/>
+          <p:cNvSpPr>
+            <a:spLocks noGrp="1"/>
+          </p:cNvSpPr>
+          <p:nvPr>
+            <p:ph type="title"/>
+          </p:nvPr>
+        </p:nvSpPr>
+        <p:spPr/>
+        <p:txBody>
+          <a:bodyPr/>
+          <a:lstStyle/>
+          <a:p>
+            <a:r>
+              <a:rPr lang="pl-PL" smtClean="0"/>
+              <a:t>Limitations</a:t>
+            </a:r>
+            <a:endParaRPr lang="pl-PL"/>
+          </a:p>
+        </p:txBody>
+      </p:sp>
+      <p:sp>
+        <p:nvSpPr>
+          <p:cNvPr id="3" name="Symbol zastępczy zawartości 2"/>
+          <p:cNvSpPr>
+            <a:spLocks noGrp="1"/>
+          </p:cNvSpPr>
+          <p:nvPr>
+            <p:ph sz="quarter" idx="1"/>
+          </p:nvPr>
+        </p:nvSpPr>
+        <p:spPr/>
+        <p:txBody>
+          <a:bodyPr/>
+          <a:lstStyle/>
+          <a:p>
+            <a:endParaRPr lang="pl-PL"/>
+          </a:p>
+        </p:txBody>
+      </p:sp>
+    </p:spTree>
+  </p:cSld>
+  <p:clrMapOvr>
+    <a:masterClrMapping/>
+  </p:clrMapOvr>
+  <p:timing>
+    <p:tnLst>
+      <p:par>
+        <p:cTn id="1" dur="indefinite" restart="never" nodeType="tmRoot"/>
+      </p:par>
+    </p:tnLst>
+  </p:timing>
+</p:sld>
+</file>
+
+<file path=ppt/slides/slide17.xml><?xml version="1.0" encoding="utf-8"?>
+<p:sld xmlns:a="http://schemas.openxmlformats.org/drawingml/2006/main" xmlns:r="http://schemas.openxmlformats.org/officeDocument/2006/relationships" xmlns:p="http://schemas.openxmlformats.org/presentationml/2006/main">
+  <p:cSld>
+    <p:spTree>
+      <p:nvGrpSpPr>
+        <p:cNvPr id="1" name=""/>
+        <p:cNvGrpSpPr/>
+        <p:nvPr/>
+      </p:nvGrpSpPr>
+      <p:grpSpPr>
+        <a:xfrm>
+          <a:off x="0" y="0"/>
+          <a:ext cx="0" cy="0"/>
+          <a:chOff x="0" y="0"/>
+          <a:chExt cx="0" cy="0"/>
+        </a:xfrm>
+      </p:grpSpPr>
+      <p:sp>
+        <p:nvSpPr>
+          <p:cNvPr id="2" name="Tytuł 1"/>
+          <p:cNvSpPr>
+            <a:spLocks noGrp="1"/>
+          </p:cNvSpPr>
+          <p:nvPr>
+            <p:ph type="title"/>
+          </p:nvPr>
+        </p:nvSpPr>
+        <p:spPr/>
+        <p:txBody>
+          <a:bodyPr/>
+          <a:lstStyle/>
+          <a:p>
+            <a:r>
+              <a:rPr lang="pl-PL" smtClean="0"/>
+              <a:t>Commercial Aspect</a:t>
+            </a:r>
+            <a:endParaRPr lang="pl-PL"/>
+          </a:p>
+        </p:txBody>
+      </p:sp>
+      <p:sp>
+        <p:nvSpPr>
+          <p:cNvPr id="3" name="Symbol zastępczy zawartości 2"/>
+          <p:cNvSpPr>
+            <a:spLocks noGrp="1"/>
+          </p:cNvSpPr>
+          <p:nvPr>
+            <p:ph sz="quarter" idx="1"/>
+          </p:nvPr>
+        </p:nvSpPr>
+        <p:spPr/>
+        <p:txBody>
+          <a:bodyPr/>
+          <a:lstStyle/>
+          <a:p>
+            <a:endParaRPr lang="pl-PL"/>
+          </a:p>
+        </p:txBody>
+      </p:sp>
+    </p:spTree>
+  </p:cSld>
+  <p:clrMapOvr>
+    <a:masterClrMapping/>
+  </p:clrMapOvr>
+</p:sld>
+</file>
+
+<file path=ppt/slides/slide18.xml><?xml version="1.0" encoding="utf-8"?>
+<p:sld xmlns:a="http://schemas.openxmlformats.org/drawingml/2006/main" xmlns:r="http://schemas.openxmlformats.org/officeDocument/2006/relationships" xmlns:p="http://schemas.openxmlformats.org/presentationml/2006/main">
+  <p:cSld>
+    <p:spTree>
+      <p:nvGrpSpPr>
+        <p:cNvPr id="1" name=""/>
+        <p:cNvGrpSpPr/>
+        <p:nvPr/>
+      </p:nvGrpSpPr>
+      <p:grpSpPr>
+        <a:xfrm>
+          <a:off x="0" y="0"/>
+          <a:ext cx="0" cy="0"/>
+          <a:chOff x="0" y="0"/>
+          <a:chExt cx="0" cy="0"/>
+        </a:xfrm>
+      </p:grpSpPr>
+      <p:sp>
+        <p:nvSpPr>
+          <p:cNvPr id="2" name="Tytuł 1"/>
+          <p:cNvSpPr>
+            <a:spLocks noGrp="1"/>
+          </p:cNvSpPr>
+          <p:nvPr>
+            <p:ph type="title"/>
+          </p:nvPr>
+        </p:nvSpPr>
+        <p:spPr/>
+        <p:txBody>
+          <a:bodyPr/>
+          <a:lstStyle/>
+          <a:p>
+            <a:r>
+              <a:rPr lang="pl-PL" smtClean="0"/>
+              <a:t>Summary</a:t>
+            </a:r>
+            <a:endParaRPr lang="pl-PL"/>
+          </a:p>
+        </p:txBody>
+      </p:sp>
+      <p:sp>
+        <p:nvSpPr>
+          <p:cNvPr id="3" name="Symbol zastępczy zawartości 2"/>
+          <p:cNvSpPr>
+            <a:spLocks noGrp="1"/>
+          </p:cNvSpPr>
+          <p:nvPr>
+            <p:ph sz="quarter" idx="1"/>
+          </p:nvPr>
+        </p:nvSpPr>
+        <p:spPr/>
+        <p:txBody>
+          <a:bodyPr/>
+          <a:lstStyle/>
+          <a:p>
+            <a:endParaRPr lang="pl-PL"/>
+          </a:p>
+        </p:txBody>
+      </p:sp>
+    </p:spTree>
+  </p:cSld>
+  <p:clrMapOvr>
+    <a:masterClrMapping/>
+  </p:clrMapOvr>
+  <p:timing>
+    <p:tnLst>
+      <p:par>
+        <p:cTn id="1" dur="indefinite" restart="never" nodeType="tmRoot"/>
+      </p:par>
+    </p:tnLst>
+  </p:timing>
 </p:sld>
 </file>
 
@@ -7559,7 +7575,6 @@
               <a:rPr lang="pl-PL" smtClean="0"/>
               <a:t>other</a:t>
             </a:r>
-            <a:endParaRPr lang="pl-PL" smtClean="0"/>
           </a:p>
           <a:p>
             <a:r>
@@ -7718,9 +7733,16 @@
             <p:ph sz="quarter" idx="1"/>
           </p:nvPr>
         </p:nvSpPr>
-        <p:spPr/>
-        <p:txBody>
-          <a:bodyPr/>
+        <p:spPr>
+          <a:xfrm>
+            <a:off x="301752" y="1527048"/>
+            <a:ext cx="8503920" cy="4688034"/>
+          </a:xfrm>
+        </p:spPr>
+        <p:txBody>
+          <a:bodyPr>
+            <a:normAutofit/>
+          </a:bodyPr>
           <a:lstStyle/>
           <a:p>
             <a:r>
@@ -7731,26 +7753,51 @@
           <a:p>
             <a:r>
               <a:rPr lang="pl-PL" smtClean="0"/>
-              <a:t>Evaluation</a:t>
-            </a:r>
-          </a:p>
-          <a:p>
-            <a:r>
-              <a:rPr lang="pl-PL" smtClean="0"/>
-              <a:t>The Application</a:t>
-            </a:r>
-          </a:p>
-          <a:p>
-            <a:r>
-              <a:rPr lang="pl-PL" smtClean="0"/>
-              <a:t>Features</a:t>
-            </a:r>
-          </a:p>
-          <a:p>
-            <a:r>
-              <a:rPr lang="pl-PL" smtClean="0"/>
-              <a:t>Algorithms</a:t>
-            </a:r>
+              <a:t>Evaluation of Kinect, OpenNI and NiTE</a:t>
+            </a:r>
+            <a:endParaRPr lang="pl-PL" smtClean="0"/>
+          </a:p>
+          <a:p>
+            <a:r>
+              <a:rPr lang="pl-PL" smtClean="0"/>
+              <a:t>Automatic Scoring System</a:t>
+            </a:r>
+          </a:p>
+          <a:p>
+            <a:pPr lvl="1"/>
+            <a:r>
+              <a:rPr lang="pl-PL" smtClean="0"/>
+              <a:t>Motionless Activity Detector</a:t>
+            </a:r>
+          </a:p>
+          <a:p>
+            <a:pPr lvl="1"/>
+            <a:r>
+              <a:rPr lang="pl-PL" smtClean="0"/>
+              <a:t>Translation Module</a:t>
+            </a:r>
+          </a:p>
+          <a:p>
+            <a:pPr lvl="1"/>
+            <a:r>
+              <a:rPr lang="pl-PL" smtClean="0"/>
+              <a:t>Data Alignment Module</a:t>
+            </a:r>
+          </a:p>
+          <a:p>
+            <a:pPr lvl="1"/>
+            <a:r>
+              <a:rPr lang="pl-PL" smtClean="0"/>
+              <a:t>Data Analysis Module</a:t>
+            </a:r>
+            <a:endParaRPr lang="pl-PL" smtClean="0"/>
+          </a:p>
+          <a:p>
+            <a:r>
+              <a:rPr lang="pl-PL" smtClean="0"/>
+              <a:t>Application and its features</a:t>
+            </a:r>
+            <a:endParaRPr lang="pl-PL" smtClean="0"/>
           </a:p>
           <a:p>
             <a:r>
@@ -7759,7 +7806,11 @@
             </a:r>
           </a:p>
           <a:p>
-            <a:endParaRPr lang="pl-PL"/>
+            <a:r>
+              <a:rPr lang="pl-PL" smtClean="0"/>
+              <a:t>Commercial Aspect</a:t>
+            </a:r>
+            <a:endParaRPr lang="pl-PL" smtClean="0"/>
           </a:p>
         </p:txBody>
       </p:sp>
@@ -7859,7 +7910,15 @@
           <a:p>
             <a:r>
               <a:rPr lang="pl-PL" smtClean="0"/>
-              <a:t>Create algorithms for automatic recognition of errors and comparing two dance movements</a:t>
+              <a:t>Create algorithms for automatic recognition of errors and </a:t>
+            </a:r>
+            <a:r>
+              <a:rPr lang="pl-PL" smtClean="0"/>
+              <a:t>comparison of </a:t>
+            </a:r>
+            <a:r>
+              <a:rPr lang="pl-PL" smtClean="0"/>
+              <a:t>two dance movements</a:t>
             </a:r>
           </a:p>
           <a:p>
@@ -7971,8 +8030,13 @@
             <a:pPr lvl="1"/>
             <a:r>
               <a:rPr lang="pl-PL" smtClean="0"/>
-              <a:t>410 cm – stops tracking</a:t>
-            </a:r>
+              <a:t>410 cm – stops </a:t>
+            </a:r>
+            <a:r>
+              <a:rPr lang="pl-PL" smtClean="0"/>
+              <a:t>tracking</a:t>
+            </a:r>
+            <a:endParaRPr lang="pl-PL" smtClean="0"/>
           </a:p>
           <a:p>
             <a:r>
@@ -7990,11 +8054,7 @@
           <a:p>
             <a:r>
               <a:rPr lang="pl-PL" smtClean="0"/>
-              <a:t>Velocity </a:t>
-            </a:r>
-            <a:r>
-              <a:rPr lang="pl-PL" smtClean="0"/>
-              <a:t>of movement</a:t>
+              <a:t>Velocity of movement</a:t>
             </a:r>
           </a:p>
           <a:p>
@@ -8014,17 +8074,8 @@
             <a:pPr lvl="1"/>
             <a:r>
               <a:rPr lang="pl-PL" smtClean="0"/>
-              <a:t>If a person stands at a 90° to the camera, it can lose tracking of the limbs which are covered by </a:t>
-            </a:r>
-            <a:r>
-              <a:rPr lang="pl-PL" smtClean="0"/>
-              <a:t>the </a:t>
-            </a:r>
-            <a:r>
-              <a:rPr lang="pl-PL" smtClean="0"/>
-              <a:t>body</a:t>
-            </a:r>
-            <a:endParaRPr lang="pl-PL" smtClean="0"/>
+              <a:t>If a person stands at a 90° to the camera, it can lose tracking of the limbs which are covered by the body</a:t>
+            </a:r>
           </a:p>
         </p:txBody>
       </p:sp>
@@ -8107,36 +8158,20 @@
           <a:p>
             <a:r>
               <a:rPr lang="pl-PL" smtClean="0"/>
-              <a:t>Interference </a:t>
-            </a:r>
-            <a:r>
-              <a:rPr lang="pl-PL" smtClean="0"/>
-              <a:t>between multiple cameras</a:t>
+              <a:t>Interference between multiple cameras</a:t>
             </a:r>
           </a:p>
           <a:p>
             <a:pPr lvl="1"/>
             <a:r>
               <a:rPr lang="pl-PL" smtClean="0"/>
-              <a:t>Careful placement of cameras can minimise </a:t>
-            </a:r>
-            <a:r>
-              <a:rPr lang="pl-PL" smtClean="0"/>
-              <a:t>the </a:t>
-            </a:r>
-            <a:r>
-              <a:rPr lang="pl-PL" smtClean="0"/>
-              <a:t>interference</a:t>
-            </a:r>
-          </a:p>
-          <a:p>
-            <a:r>
-              <a:rPr lang="pl-PL" smtClean="0"/>
-              <a:t>Occlusion </a:t>
-            </a:r>
-            <a:r>
-              <a:rPr lang="pl-PL" smtClean="0"/>
-              <a:t>in front of the camera</a:t>
+              <a:t>Careful placement of cameras can minimise the interference</a:t>
+            </a:r>
+          </a:p>
+          <a:p>
+            <a:r>
+              <a:rPr lang="pl-PL" smtClean="0"/>
+              <a:t>Occlusion in front of the camera</a:t>
             </a:r>
           </a:p>
           <a:p>
@@ -8149,19 +8184,7 @@
           <a:p>
             <a:r>
               <a:rPr lang="pl-PL" smtClean="0"/>
-              <a:t>Number </a:t>
-            </a:r>
-            <a:r>
-              <a:rPr lang="pl-PL" smtClean="0"/>
-              <a:t>of </a:t>
-            </a:r>
-            <a:r>
-              <a:rPr lang="pl-PL" smtClean="0"/>
-              <a:t>tracked </a:t>
-            </a:r>
-            <a:r>
-              <a:rPr lang="pl-PL" smtClean="0"/>
-              <a:t>people</a:t>
+              <a:t>Number of tracked people</a:t>
             </a:r>
           </a:p>
           <a:p>
@@ -8177,7 +8200,6 @@
               <a:rPr lang="pl-PL" smtClean="0"/>
               <a:t>In practise, inevitable occlusion between multiple people limits the number to about 2</a:t>
             </a:r>
-            <a:endParaRPr lang="pl-PL" smtClean="0"/>
           </a:p>
         </p:txBody>
       </p:sp>
@@ -8230,7 +8252,11 @@
           <a:p>
             <a:r>
               <a:rPr lang="pl-PL" smtClean="0"/>
-              <a:t>The Application</a:t>
+              <a:t>Automatic Dance Scoring - </a:t>
+            </a:r>
+            <a:r>
+              <a:rPr lang="pl-PL" smtClean="0"/>
+              <a:t>System</a:t>
             </a:r>
             <a:endParaRPr lang="pl-PL"/>
           </a:p>
@@ -8246,25 +8272,446 @@
             <p:ph sz="quarter" idx="1"/>
           </p:nvPr>
         </p:nvSpPr>
-        <p:spPr/>
+        <p:spPr>
+          <a:xfrm>
+            <a:off x="301752" y="4071942"/>
+            <a:ext cx="8503920" cy="2027106"/>
+          </a:xfrm>
+        </p:spPr>
         <p:txBody>
           <a:bodyPr/>
           <a:lstStyle/>
           <a:p>
             <a:r>
               <a:rPr lang="pl-PL" smtClean="0"/>
-              <a:t>Screenshots?</a:t>
-            </a:r>
-          </a:p>
-          <a:p>
-            <a:r>
-              <a:rPr lang="pl-PL" smtClean="0"/>
-              <a:t>Features</a:t>
+              <a:t>Main purpose of the system – compare and score the student’s performance with respect to the teacher’s</a:t>
+            </a:r>
+          </a:p>
+          <a:p>
+            <a:r>
+              <a:rPr lang="pl-PL" smtClean="0"/>
+              <a:t>Divided into four manageable modules, where the output of the former is the input of the latter</a:t>
             </a:r>
             <a:endParaRPr lang="pl-PL"/>
           </a:p>
         </p:txBody>
       </p:sp>
+      <p:sp>
+        <p:nvSpPr>
+          <p:cNvPr id="28" name="Prostokąt 27"/>
+          <p:cNvSpPr/>
+          <p:nvPr/>
+        </p:nvSpPr>
+        <p:spPr>
+          <a:xfrm>
+            <a:off x="642910" y="2000240"/>
+            <a:ext cx="2000264" cy="642942"/>
+          </a:xfrm>
+          <a:prstGeom prst="rect">
+            <a:avLst/>
+          </a:prstGeom>
+        </p:spPr>
+        <p:style>
+          <a:lnRef idx="1">
+            <a:schemeClr val="accent3"/>
+          </a:lnRef>
+          <a:fillRef idx="2">
+            <a:schemeClr val="accent3"/>
+          </a:fillRef>
+          <a:effectRef idx="1">
+            <a:schemeClr val="accent3"/>
+          </a:effectRef>
+          <a:fontRef idx="minor">
+            <a:schemeClr val="dk1"/>
+          </a:fontRef>
+        </p:style>
+        <p:txBody>
+          <a:bodyPr rtlCol="0" anchor="ctr"/>
+          <a:lstStyle/>
+          <a:p>
+            <a:pPr algn="ctr"/>
+            <a:r>
+              <a:rPr lang="pl-PL" smtClean="0"/>
+              <a:t>Motionless Activity Detector</a:t>
+            </a:r>
+            <a:endParaRPr lang="pl-PL"/>
+          </a:p>
+        </p:txBody>
+      </p:sp>
+      <p:sp>
+        <p:nvSpPr>
+          <p:cNvPr id="29" name="Prostokąt 28"/>
+          <p:cNvSpPr/>
+          <p:nvPr/>
+        </p:nvSpPr>
+        <p:spPr>
+          <a:xfrm>
+            <a:off x="3357554" y="2000240"/>
+            <a:ext cx="1785950" cy="642942"/>
+          </a:xfrm>
+          <a:prstGeom prst="rect">
+            <a:avLst/>
+          </a:prstGeom>
+        </p:spPr>
+        <p:style>
+          <a:lnRef idx="1">
+            <a:schemeClr val="accent3"/>
+          </a:lnRef>
+          <a:fillRef idx="2">
+            <a:schemeClr val="accent3"/>
+          </a:fillRef>
+          <a:effectRef idx="1">
+            <a:schemeClr val="accent3"/>
+          </a:effectRef>
+          <a:fontRef idx="minor">
+            <a:schemeClr val="dk1"/>
+          </a:fontRef>
+        </p:style>
+        <p:txBody>
+          <a:bodyPr rtlCol="0" anchor="ctr"/>
+          <a:lstStyle/>
+          <a:p>
+            <a:pPr algn="ctr"/>
+            <a:r>
+              <a:rPr lang="pl-PL" smtClean="0"/>
+              <a:t>Translation Module</a:t>
+            </a:r>
+            <a:endParaRPr lang="pl-PL"/>
+          </a:p>
+        </p:txBody>
+      </p:sp>
+      <p:sp>
+        <p:nvSpPr>
+          <p:cNvPr id="30" name="Prostokąt 29"/>
+          <p:cNvSpPr/>
+          <p:nvPr/>
+        </p:nvSpPr>
+        <p:spPr>
+          <a:xfrm>
+            <a:off x="6500826" y="3143248"/>
+            <a:ext cx="2000264" cy="642942"/>
+          </a:xfrm>
+          <a:prstGeom prst="rect">
+            <a:avLst/>
+          </a:prstGeom>
+        </p:spPr>
+        <p:style>
+          <a:lnRef idx="1">
+            <a:schemeClr val="accent3"/>
+          </a:lnRef>
+          <a:fillRef idx="2">
+            <a:schemeClr val="accent3"/>
+          </a:fillRef>
+          <a:effectRef idx="1">
+            <a:schemeClr val="accent3"/>
+          </a:effectRef>
+          <a:fontRef idx="minor">
+            <a:schemeClr val="dk1"/>
+          </a:fontRef>
+        </p:style>
+        <p:txBody>
+          <a:bodyPr rtlCol="0" anchor="ctr"/>
+          <a:lstStyle/>
+          <a:p>
+            <a:pPr algn="ctr"/>
+            <a:r>
+              <a:rPr lang="pl-PL" smtClean="0"/>
+              <a:t>Data Analysis Module</a:t>
+            </a:r>
+            <a:endParaRPr lang="pl-PL"/>
+          </a:p>
+        </p:txBody>
+      </p:sp>
+      <p:sp>
+        <p:nvSpPr>
+          <p:cNvPr id="31" name="Prostokąt 30"/>
+          <p:cNvSpPr/>
+          <p:nvPr/>
+        </p:nvSpPr>
+        <p:spPr>
+          <a:xfrm>
+            <a:off x="3786182" y="3143248"/>
+            <a:ext cx="2000264" cy="642942"/>
+          </a:xfrm>
+          <a:prstGeom prst="rect">
+            <a:avLst/>
+          </a:prstGeom>
+        </p:spPr>
+        <p:style>
+          <a:lnRef idx="1">
+            <a:schemeClr val="accent3"/>
+          </a:lnRef>
+          <a:fillRef idx="2">
+            <a:schemeClr val="accent3"/>
+          </a:fillRef>
+          <a:effectRef idx="1">
+            <a:schemeClr val="accent3"/>
+          </a:effectRef>
+          <a:fontRef idx="minor">
+            <a:schemeClr val="dk1"/>
+          </a:fontRef>
+        </p:style>
+        <p:txBody>
+          <a:bodyPr rtlCol="0" anchor="ctr"/>
+          <a:lstStyle/>
+          <a:p>
+            <a:pPr algn="ctr"/>
+            <a:r>
+              <a:rPr lang="pl-PL" smtClean="0"/>
+              <a:t>Data Alignment Module</a:t>
+            </a:r>
+            <a:endParaRPr lang="pl-PL"/>
+          </a:p>
+        </p:txBody>
+      </p:sp>
+      <p:cxnSp>
+        <p:nvCxnSpPr>
+          <p:cNvPr id="33" name="Łącznik łamany 32"/>
+          <p:cNvCxnSpPr>
+            <a:stCxn id="28" idx="3"/>
+            <a:endCxn id="29" idx="1"/>
+          </p:cNvCxnSpPr>
+          <p:nvPr/>
+        </p:nvCxnSpPr>
+        <p:spPr>
+          <a:xfrm>
+            <a:off x="2643174" y="2321711"/>
+            <a:ext cx="714380" cy="1588"/>
+          </a:xfrm>
+          <a:prstGeom prst="bentConnector3">
+            <a:avLst>
+              <a:gd name="adj1" fmla="val 50000"/>
+            </a:avLst>
+          </a:prstGeom>
+          <a:ln w="38100">
+            <a:tailEnd type="arrow"/>
+          </a:ln>
+        </p:spPr>
+        <p:style>
+          <a:lnRef idx="1">
+            <a:schemeClr val="accent3"/>
+          </a:lnRef>
+          <a:fillRef idx="0">
+            <a:schemeClr val="accent3"/>
+          </a:fillRef>
+          <a:effectRef idx="0">
+            <a:schemeClr val="accent3"/>
+          </a:effectRef>
+          <a:fontRef idx="minor">
+            <a:schemeClr val="tx1"/>
+          </a:fontRef>
+        </p:style>
+      </p:cxnSp>
+      <p:cxnSp>
+        <p:nvCxnSpPr>
+          <p:cNvPr id="35" name="Kształt 34"/>
+          <p:cNvCxnSpPr>
+            <a:stCxn id="29" idx="3"/>
+            <a:endCxn id="31" idx="1"/>
+          </p:cNvCxnSpPr>
+          <p:nvPr/>
+        </p:nvCxnSpPr>
+        <p:spPr>
+          <a:xfrm flipH="1">
+            <a:off x="3786182" y="2321711"/>
+            <a:ext cx="1357322" cy="1143008"/>
+          </a:xfrm>
+          <a:prstGeom prst="bentConnector5">
+            <a:avLst>
+              <a:gd name="adj1" fmla="val -16842"/>
+              <a:gd name="adj2" fmla="val 50000"/>
+              <a:gd name="adj3" fmla="val 116842"/>
+            </a:avLst>
+          </a:prstGeom>
+          <a:ln w="38100">
+            <a:tailEnd type="arrow"/>
+          </a:ln>
+        </p:spPr>
+        <p:style>
+          <a:lnRef idx="1">
+            <a:schemeClr val="accent3"/>
+          </a:lnRef>
+          <a:fillRef idx="0">
+            <a:schemeClr val="accent3"/>
+          </a:fillRef>
+          <a:effectRef idx="0">
+            <a:schemeClr val="accent3"/>
+          </a:effectRef>
+          <a:fontRef idx="minor">
+            <a:schemeClr val="tx1"/>
+          </a:fontRef>
+        </p:style>
+      </p:cxnSp>
+      <p:cxnSp>
+        <p:nvCxnSpPr>
+          <p:cNvPr id="37" name="Łącznik łamany 36"/>
+          <p:cNvCxnSpPr>
+            <a:stCxn id="31" idx="3"/>
+            <a:endCxn id="30" idx="1"/>
+          </p:cNvCxnSpPr>
+          <p:nvPr/>
+        </p:nvCxnSpPr>
+        <p:spPr>
+          <a:xfrm>
+            <a:off x="5786446" y="3464719"/>
+            <a:ext cx="714380" cy="1588"/>
+          </a:xfrm>
+          <a:prstGeom prst="bentConnector3">
+            <a:avLst>
+              <a:gd name="adj1" fmla="val 50000"/>
+            </a:avLst>
+          </a:prstGeom>
+          <a:ln w="38100">
+            <a:tailEnd type="arrow"/>
+          </a:ln>
+        </p:spPr>
+        <p:style>
+          <a:lnRef idx="1">
+            <a:schemeClr val="accent3"/>
+          </a:lnRef>
+          <a:fillRef idx="0">
+            <a:schemeClr val="accent3"/>
+          </a:fillRef>
+          <a:effectRef idx="0">
+            <a:schemeClr val="accent3"/>
+          </a:effectRef>
+          <a:fontRef idx="minor">
+            <a:schemeClr val="tx1"/>
+          </a:fontRef>
+        </p:style>
+      </p:cxnSp>
+      <p:sp>
+        <p:nvSpPr>
+          <p:cNvPr id="38" name="pole tekstowe 37"/>
+          <p:cNvSpPr txBox="1"/>
+          <p:nvPr/>
+        </p:nvSpPr>
+        <p:spPr>
+          <a:xfrm>
+            <a:off x="1177200" y="3429000"/>
+            <a:ext cx="928694" cy="369332"/>
+          </a:xfrm>
+          <a:prstGeom prst="rect">
+            <a:avLst/>
+          </a:prstGeom>
+          <a:noFill/>
+        </p:spPr>
+        <p:txBody>
+          <a:bodyPr wrap="square" rtlCol="0">
+            <a:spAutoFit/>
+          </a:bodyPr>
+          <a:lstStyle/>
+          <a:p>
+            <a:r>
+              <a:rPr lang="pl-PL" smtClean="0"/>
+              <a:t> Dance</a:t>
+            </a:r>
+            <a:endParaRPr lang="pl-PL"/>
+          </a:p>
+        </p:txBody>
+      </p:sp>
+      <p:sp>
+        <p:nvSpPr>
+          <p:cNvPr id="39" name="pole tekstowe 38"/>
+          <p:cNvSpPr txBox="1"/>
+          <p:nvPr/>
+        </p:nvSpPr>
+        <p:spPr>
+          <a:xfrm>
+            <a:off x="7110000" y="2000240"/>
+            <a:ext cx="785818" cy="369332"/>
+          </a:xfrm>
+          <a:prstGeom prst="rect">
+            <a:avLst/>
+          </a:prstGeom>
+          <a:noFill/>
+        </p:spPr>
+        <p:txBody>
+          <a:bodyPr wrap="square" rtlCol="0">
+            <a:spAutoFit/>
+          </a:bodyPr>
+          <a:lstStyle/>
+          <a:p>
+            <a:r>
+              <a:rPr lang="pl-PL" smtClean="0"/>
+              <a:t>Score</a:t>
+            </a:r>
+            <a:endParaRPr lang="pl-PL"/>
+          </a:p>
+        </p:txBody>
+      </p:sp>
+      <p:cxnSp>
+        <p:nvCxnSpPr>
+          <p:cNvPr id="41" name="Łącznik prosty ze strzałką 40"/>
+          <p:cNvCxnSpPr>
+            <a:stCxn id="38" idx="0"/>
+            <a:endCxn id="28" idx="2"/>
+          </p:cNvCxnSpPr>
+          <p:nvPr/>
+        </p:nvCxnSpPr>
+        <p:spPr>
+          <a:xfrm rot="5400000" flipH="1" flipV="1">
+            <a:off x="1249385" y="3035344"/>
+            <a:ext cx="785818" cy="1495"/>
+          </a:xfrm>
+          <a:prstGeom prst="straightConnector1">
+            <a:avLst/>
+          </a:prstGeom>
+          <a:ln w="38100">
+            <a:tailEnd type="arrow"/>
+          </a:ln>
+        </p:spPr>
+        <p:style>
+          <a:lnRef idx="1">
+            <a:schemeClr val="accent3"/>
+          </a:lnRef>
+          <a:fillRef idx="0">
+            <a:schemeClr val="accent3"/>
+          </a:fillRef>
+          <a:effectRef idx="0">
+            <a:schemeClr val="accent3"/>
+          </a:effectRef>
+          <a:fontRef idx="minor">
+            <a:schemeClr val="tx1"/>
+          </a:fontRef>
+        </p:style>
+      </p:cxnSp>
+      <p:cxnSp>
+        <p:nvCxnSpPr>
+          <p:cNvPr id="52" name="Łącznik prosty ze strzałką 51"/>
+          <p:cNvCxnSpPr>
+            <a:stCxn id="30" idx="0"/>
+            <a:endCxn id="39" idx="2"/>
+          </p:cNvCxnSpPr>
+          <p:nvPr/>
+        </p:nvCxnSpPr>
+        <p:spPr>
+          <a:xfrm rot="5400000" flipH="1" flipV="1">
+            <a:off x="7115095" y="2755435"/>
+            <a:ext cx="773676" cy="1951"/>
+          </a:xfrm>
+          <a:prstGeom prst="straightConnector1">
+            <a:avLst/>
+          </a:prstGeom>
+          <a:ln w="38100">
+            <a:tailEnd type="arrow"/>
+          </a:ln>
+        </p:spPr>
+        <p:style>
+          <a:lnRef idx="1">
+            <a:schemeClr val="accent3"/>
+          </a:lnRef>
+          <a:fillRef idx="0">
+            <a:schemeClr val="accent3"/>
+          </a:fillRef>
+          <a:effectRef idx="0">
+            <a:schemeClr val="accent3"/>
+          </a:effectRef>
+          <a:fontRef idx="minor">
+            <a:schemeClr val="tx1"/>
+          </a:fontRef>
+        </p:style>
+      </p:cxnSp>
     </p:spTree>
   </p:cSld>
   <p:clrMapOvr>
@@ -8309,46 +8756,91 @@
         </p:nvSpPr>
         <p:spPr/>
         <p:txBody>
+          <a:bodyPr>
+            <a:noAutofit/>
+          </a:bodyPr>
+          <a:lstStyle/>
+          <a:p>
+            <a:r>
+              <a:rPr lang="pl-PL" sz="2600" smtClean="0"/>
+              <a:t>Automatic Dance Scoring – </a:t>
+            </a:r>
+            <a:r>
+              <a:rPr lang="pl-PL" sz="2600" smtClean="0"/>
+              <a:t>Motionless Activity Detector</a:t>
+            </a:r>
+            <a:endParaRPr lang="pl-PL" sz="2600"/>
+          </a:p>
+        </p:txBody>
+      </p:sp>
+      <p:sp>
+        <p:nvSpPr>
+          <p:cNvPr id="3" name="Symbol zastępczy zawartości 2"/>
+          <p:cNvSpPr>
+            <a:spLocks noGrp="1"/>
+          </p:cNvSpPr>
+          <p:nvPr>
+            <p:ph sz="quarter" idx="1"/>
+          </p:nvPr>
+        </p:nvSpPr>
+        <p:spPr>
+          <a:xfrm>
+            <a:off x="301752" y="1527048"/>
+            <a:ext cx="8503920" cy="2044828"/>
+          </a:xfrm>
+        </p:spPr>
+        <p:txBody>
           <a:bodyPr/>
           <a:lstStyle/>
           <a:p>
             <a:r>
               <a:rPr lang="pl-PL" smtClean="0"/>
-              <a:t>The Application</a:t>
-            </a:r>
-            <a:endParaRPr lang="pl-PL"/>
-          </a:p>
-        </p:txBody>
-      </p:sp>
-      <p:sp>
-        <p:nvSpPr>
-          <p:cNvPr id="3" name="Symbol zastępczy zawartości 2"/>
-          <p:cNvSpPr>
-            <a:spLocks noGrp="1"/>
-          </p:cNvSpPr>
-          <p:nvPr>
-            <p:ph sz="quarter" idx="1"/>
-          </p:nvPr>
-        </p:nvSpPr>
-        <p:spPr/>
-        <p:txBody>
-          <a:bodyPr/>
-          <a:lstStyle/>
-          <a:p>
-            <a:r>
-              <a:rPr lang="pl-PL" smtClean="0"/>
-              <a:t>Screenshots?</a:t>
-            </a:r>
-          </a:p>
-          <a:p>
-            <a:r>
-              <a:rPr lang="pl-PL" smtClean="0"/>
-              <a:t>Features</a:t>
-            </a:r>
-            <a:endParaRPr lang="pl-PL"/>
-          </a:p>
-        </p:txBody>
-      </p:sp>
+              <a:t>Motionless Activity Detector</a:t>
+            </a:r>
+          </a:p>
+          <a:p>
+            <a:pPr lvl="1"/>
+            <a:r>
+              <a:rPr lang="pl-PL" smtClean="0"/>
+              <a:t>Before performing any movement, the person needs to stand still for approx. 2 s for the software to calibrate</a:t>
+            </a:r>
+          </a:p>
+          <a:p>
+            <a:pPr lvl="1"/>
+            <a:r>
+              <a:rPr lang="pl-PL" smtClean="0"/>
+              <a:t>Motionless Activity Detector returns a frame number in the recording where the person was not moving</a:t>
+            </a:r>
+            <a:endParaRPr lang="pl-PL" smtClean="0"/>
+          </a:p>
+        </p:txBody>
+      </p:sp>
+      <p:pic>
+        <p:nvPicPr>
+          <p:cNvPr id="2050" name="Picture 2" descr="C:\Users\Marcin\Desktop\Motionless_R_Hand_L_Foot_X.jpg"/>
+          <p:cNvPicPr>
+            <a:picLocks noChangeAspect="1" noChangeArrowheads="1"/>
+          </p:cNvPicPr>
+          <p:nvPr/>
+        </p:nvPicPr>
+        <p:blipFill>
+          <a:blip r:embed="rId2"/>
+          <a:srcRect/>
+          <a:stretch>
+            <a:fillRect/>
+          </a:stretch>
+        </p:blipFill>
+        <p:spPr bwMode="auto">
+          <a:xfrm>
+            <a:off x="500034" y="3714752"/>
+            <a:ext cx="8215370" cy="2593968"/>
+          </a:xfrm>
+          <a:prstGeom prst="rect">
+            <a:avLst/>
+          </a:prstGeom>
+          <a:noFill/>
+        </p:spPr>
+      </p:pic>
     </p:spTree>
   </p:cSld>
   <p:clrMapOvr>
@@ -8393,12 +8885,143 @@
         </p:nvSpPr>
         <p:spPr/>
         <p:txBody>
+          <a:bodyPr>
+            <a:normAutofit fontScale="90000"/>
+          </a:bodyPr>
+          <a:lstStyle/>
+          <a:p>
+            <a:r>
+              <a:rPr lang="pl-PL" smtClean="0"/>
+              <a:t>Automatic Dance Scoring </a:t>
+            </a:r>
+            <a:r>
+              <a:rPr lang="pl-PL" smtClean="0"/>
+              <a:t>– Translation Module</a:t>
+            </a:r>
+            <a:endParaRPr lang="pl-PL"/>
+          </a:p>
+        </p:txBody>
+      </p:sp>
+      <p:sp>
+        <p:nvSpPr>
+          <p:cNvPr id="3" name="Symbol zastępczy zawartości 2"/>
+          <p:cNvSpPr>
+            <a:spLocks noGrp="1"/>
+          </p:cNvSpPr>
+          <p:nvPr>
+            <p:ph sz="quarter" idx="1"/>
+          </p:nvPr>
+        </p:nvSpPr>
+        <p:spPr>
+          <a:xfrm>
+            <a:off x="301752" y="1527048"/>
+            <a:ext cx="8503920" cy="2044828"/>
+          </a:xfrm>
+        </p:spPr>
+        <p:txBody>
           <a:bodyPr/>
           <a:lstStyle/>
           <a:p>
             <a:r>
               <a:rPr lang="pl-PL" smtClean="0"/>
-              <a:t>The Application</a:t>
+              <a:t>Translation Module</a:t>
+            </a:r>
+            <a:endParaRPr lang="pl-PL" smtClean="0"/>
+          </a:p>
+          <a:p>
+            <a:pPr lvl="1"/>
+            <a:r>
+              <a:rPr lang="pl-PL" smtClean="0"/>
+              <a:t>Takes the frame number from the Motionless Activity Detector and discards all the data which happened before this frame</a:t>
+            </a:r>
+          </a:p>
+          <a:p>
+            <a:pPr lvl="1"/>
+            <a:r>
+              <a:rPr lang="pl-PL" smtClean="0"/>
+              <a:t>Additionally, ‘normalises’ the data, such that the exact position of the subject in the camera range not included any more</a:t>
+            </a:r>
+            <a:endParaRPr lang="pl-PL" smtClean="0"/>
+          </a:p>
+        </p:txBody>
+      </p:sp>
+      <p:pic>
+        <p:nvPicPr>
+          <p:cNvPr id="3074" name="Picture 2" descr="C:\Users\Marcin\Desktop\Non_Translated_R_H_Data.jpg"/>
+          <p:cNvPicPr>
+            <a:picLocks noChangeAspect="1" noChangeArrowheads="1"/>
+          </p:cNvPicPr>
+          <p:nvPr/>
+        </p:nvPicPr>
+        <p:blipFill>
+          <a:blip r:embed="rId2" cstate="print"/>
+          <a:srcRect/>
+          <a:stretch>
+            <a:fillRect/>
+          </a:stretch>
+        </p:blipFill>
+        <p:spPr bwMode="auto">
+          <a:xfrm>
+            <a:off x="642910" y="3699328"/>
+            <a:ext cx="3935880" cy="2340000"/>
+          </a:xfrm>
+          <a:prstGeom prst="rect">
+            <a:avLst/>
+          </a:prstGeom>
+          <a:noFill/>
+        </p:spPr>
+      </p:pic>
+      <p:pic>
+        <p:nvPicPr>
+          <p:cNvPr id="3075" name="Picture 3" descr="C:\Users\Marcin\Desktop\R_H_Data_Relative_Torso.jpg"/>
+          <p:cNvPicPr>
+            <a:picLocks noChangeAspect="1" noChangeArrowheads="1"/>
+          </p:cNvPicPr>
+          <p:nvPr/>
+        </p:nvPicPr>
+        <p:blipFill>
+          <a:blip r:embed="rId3" cstate="print"/>
+          <a:srcRect/>
+          <a:stretch>
+            <a:fillRect/>
+          </a:stretch>
+        </p:blipFill>
+        <p:spPr bwMode="auto">
+          <a:xfrm>
+            <a:off x="4714876" y="3700604"/>
+            <a:ext cx="3906370" cy="2340000"/>
+          </a:xfrm>
+          <a:prstGeom prst="rect">
+            <a:avLst/>
+          </a:prstGeom>
+          <a:noFill/>
+        </p:spPr>
+      </p:pic>
+      <p:sp>
+        <p:nvSpPr>
+          <p:cNvPr id="6" name="pole tekstowe 5"/>
+          <p:cNvSpPr txBox="1"/>
+          <p:nvPr/>
+        </p:nvSpPr>
+        <p:spPr>
+          <a:xfrm>
+            <a:off x="2000232" y="6000768"/>
+            <a:ext cx="928694" cy="369332"/>
+          </a:xfrm>
+          <a:prstGeom prst="rect">
+            <a:avLst/>
+          </a:prstGeom>
+          <a:noFill/>
+        </p:spPr>
+        <p:txBody>
+          <a:bodyPr wrap="square" rtlCol="0">
+            <a:spAutoFit/>
+          </a:bodyPr>
+          <a:lstStyle/>
+          <a:p>
+            <a:r>
+              <a:rPr lang="pl-PL" smtClean="0"/>
+              <a:t>Before</a:t>
             </a:r>
             <a:endParaRPr lang="pl-PL"/>
           </a:p>
@@ -8406,28 +9029,29 @@
       </p:sp>
       <p:sp>
         <p:nvSpPr>
-          <p:cNvPr id="3" name="Symbol zastępczy zawartości 2"/>
-          <p:cNvSpPr>
-            <a:spLocks noGrp="1"/>
-          </p:cNvSpPr>
-          <p:nvPr>
-            <p:ph sz="quarter" idx="1"/>
-          </p:nvPr>
-        </p:nvSpPr>
-        <p:spPr/>
-        <p:txBody>
-          <a:bodyPr/>
-          <a:lstStyle/>
-          <a:p>
-            <a:r>
-              <a:rPr lang="pl-PL" smtClean="0"/>
-              <a:t>Screenshots?</a:t>
-            </a:r>
-          </a:p>
-          <a:p>
-            <a:r>
-              <a:rPr lang="pl-PL" smtClean="0"/>
-              <a:t>Features</a:t>
+          <p:cNvPr id="7" name="pole tekstowe 6"/>
+          <p:cNvSpPr txBox="1"/>
+          <p:nvPr/>
+        </p:nvSpPr>
+        <p:spPr>
+          <a:xfrm>
+            <a:off x="6429388" y="6000768"/>
+            <a:ext cx="928694" cy="369332"/>
+          </a:xfrm>
+          <a:prstGeom prst="rect">
+            <a:avLst/>
+          </a:prstGeom>
+          <a:noFill/>
+        </p:spPr>
+        <p:txBody>
+          <a:bodyPr wrap="square" rtlCol="0">
+            <a:spAutoFit/>
+          </a:bodyPr>
+          <a:lstStyle/>
+          <a:p>
+            <a:r>
+              <a:rPr lang="pl-PL" smtClean="0"/>
+              <a:t>After</a:t>
             </a:r>
             <a:endParaRPr lang="pl-PL"/>
           </a:p>

--- a/Presentation/Computerized Dance Classroom.pptx
+++ b/Presentation/Computerized Dance Classroom.pptx
@@ -6541,7 +6541,6 @@
               <a:rPr lang="pl-PL" sz="2400" smtClean="0"/>
               <a:t>Using kinect to evaluate dance performances</a:t>
             </a:r>
-            <a:endParaRPr lang="pl-PL" sz="2400" smtClean="0"/>
           </a:p>
           <a:p>
             <a:endParaRPr lang="pl-PL" smtClean="0"/>
@@ -6575,7 +6574,6 @@
               <a:rPr lang="pl-PL" smtClean="0"/>
               <a:t>Zeping xue</a:t>
             </a:r>
-            <a:endParaRPr lang="pl-PL" smtClean="0"/>
           </a:p>
           <a:p>
             <a:r>
@@ -6664,15 +6662,7 @@
           <a:p>
             <a:r>
               <a:rPr lang="pl-PL" sz="2800" smtClean="0"/>
-              <a:t>Automatic Dance Scoring </a:t>
-            </a:r>
-            <a:r>
-              <a:rPr lang="pl-PL" sz="2800" smtClean="0"/>
-              <a:t>– </a:t>
-            </a:r>
-            <a:r>
-              <a:rPr lang="pl-PL" sz="2800" smtClean="0"/>
-              <a:t>Data Alignment Module</a:t>
+              <a:t>Automatic Dance Scoring – Data Alignment Module</a:t>
             </a:r>
             <a:endParaRPr lang="pl-PL" sz="2800"/>
           </a:p>
@@ -6722,14 +6712,14 @@
       </p:sp>
       <p:pic>
         <p:nvPicPr>
-          <p:cNvPr id="4098" name="Picture 2" descr="C:\Users\Marcin\Desktop\Initial_Frame_Det_Before.jpg"/>
+          <p:cNvPr id="8" name="Picture 2" descr="E:\Imperial\Projects\KinectProject\Presentation\Translated_signals.png"/>
           <p:cNvPicPr>
             <a:picLocks noChangeAspect="1" noChangeArrowheads="1"/>
           </p:cNvPicPr>
           <p:nvPr/>
         </p:nvPicPr>
         <p:blipFill>
-          <a:blip r:embed="rId2" cstate="print"/>
+          <a:blip r:embed="rId2"/>
           <a:srcRect/>
           <a:stretch>
             <a:fillRect/>
@@ -6737,8 +6727,8 @@
         </p:blipFill>
         <p:spPr bwMode="auto">
           <a:xfrm>
-            <a:off x="500065" y="3643314"/>
-            <a:ext cx="3975048" cy="2376000"/>
+            <a:off x="500034" y="3929066"/>
+            <a:ext cx="3941981" cy="1908000"/>
           </a:xfrm>
           <a:prstGeom prst="rect">
             <a:avLst/>
@@ -6748,14 +6738,14 @@
       </p:pic>
       <p:pic>
         <p:nvPicPr>
-          <p:cNvPr id="4099" name="Picture 3" descr="C:\Users\Marcin\Desktop\Initial_Frame_Det_After.jpg"/>
+          <p:cNvPr id="3074" name="Picture 2" descr="E:\Imperial\Projects\KinectProject\Presentation\Aligned_signals.png"/>
           <p:cNvPicPr>
             <a:picLocks noChangeAspect="1" noChangeArrowheads="1"/>
           </p:cNvPicPr>
           <p:nvPr/>
         </p:nvPicPr>
         <p:blipFill>
-          <a:blip r:embed="rId3" cstate="print"/>
+          <a:blip r:embed="rId3"/>
           <a:srcRect/>
           <a:stretch>
             <a:fillRect/>
@@ -6763,8 +6753,8 @@
         </p:blipFill>
         <p:spPr bwMode="auto">
           <a:xfrm>
-            <a:off x="4714875" y="3643314"/>
-            <a:ext cx="4033062" cy="2376000"/>
+            <a:off x="4572000" y="3929066"/>
+            <a:ext cx="4042999" cy="1908000"/>
           </a:xfrm>
           <a:prstGeom prst="rect">
             <a:avLst/>
@@ -6774,13 +6764,13 @@
       </p:pic>
       <p:sp>
         <p:nvSpPr>
-          <p:cNvPr id="6" name="pole tekstowe 5"/>
+          <p:cNvPr id="10" name="pole tekstowe 9"/>
           <p:cNvSpPr txBox="1"/>
           <p:nvPr/>
         </p:nvSpPr>
         <p:spPr>
           <a:xfrm>
-            <a:off x="6429388" y="6000768"/>
+            <a:off x="2000232" y="6000768"/>
             <a:ext cx="928694" cy="369332"/>
           </a:xfrm>
           <a:prstGeom prst="rect">
@@ -6796,7 +6786,7 @@
           <a:p>
             <a:r>
               <a:rPr lang="pl-PL" smtClean="0"/>
-              <a:t>After</a:t>
+              <a:t>Input</a:t>
             </a:r>
             <a:endParaRPr lang="pl-PL"/>
           </a:p>
@@ -6804,13 +6794,13 @@
       </p:sp>
       <p:sp>
         <p:nvSpPr>
-          <p:cNvPr id="7" name="pole tekstowe 6"/>
+          <p:cNvPr id="11" name="pole tekstowe 10"/>
           <p:cNvSpPr txBox="1"/>
           <p:nvPr/>
         </p:nvSpPr>
         <p:spPr>
           <a:xfrm>
-            <a:off x="2000232" y="6000768"/>
+            <a:off x="6429388" y="6000768"/>
             <a:ext cx="928694" cy="369332"/>
           </a:xfrm>
           <a:prstGeom prst="rect">
@@ -6826,7 +6816,7 @@
           <a:p>
             <a:r>
               <a:rPr lang="pl-PL" smtClean="0"/>
-              <a:t>Before</a:t>
+              <a:t>Output</a:t>
             </a:r>
             <a:endParaRPr lang="pl-PL"/>
           </a:p>
@@ -6883,15 +6873,7 @@
           <a:p>
             <a:r>
               <a:rPr lang="pl-PL" sz="2800" smtClean="0"/>
-              <a:t>Automatic Dance Scoring – </a:t>
-            </a:r>
-            <a:r>
-              <a:rPr lang="pl-PL" sz="2800" smtClean="0"/>
-              <a:t>Data </a:t>
-            </a:r>
-            <a:r>
-              <a:rPr lang="pl-PL" sz="2800" smtClean="0"/>
-              <a:t>Analysis Module</a:t>
+              <a:t>Automatic Dance Scoring – Data Analysis Module</a:t>
             </a:r>
             <a:endParaRPr lang="pl-PL" sz="2800"/>
           </a:p>
@@ -6916,15 +6898,7 @@
           <a:p>
             <a:r>
               <a:rPr lang="pl-PL" smtClean="0"/>
-              <a:t>Data </a:t>
-            </a:r>
-            <a:r>
-              <a:rPr lang="pl-PL" smtClean="0"/>
-              <a:t>Analysis </a:t>
-            </a:r>
-            <a:r>
-              <a:rPr lang="pl-PL" smtClean="0"/>
-              <a:t>Module</a:t>
+              <a:t>Data Analysis Module</a:t>
             </a:r>
           </a:p>
         </p:txBody>
@@ -7409,6 +7383,13 @@
   <p:clrMapOvr>
     <a:masterClrMapping/>
   </p:clrMapOvr>
+  <p:timing>
+    <p:tnLst>
+      <p:par>
+        <p:cTn id="1" dur="indefinite" restart="never" nodeType="tmRoot"/>
+      </p:par>
+    </p:tnLst>
+  </p:timing>
 </p:sld>
 </file>
 
@@ -7755,7 +7736,6 @@
               <a:rPr lang="pl-PL" smtClean="0"/>
               <a:t>Evaluation of Kinect, OpenNI and NiTE</a:t>
             </a:r>
-            <a:endParaRPr lang="pl-PL" smtClean="0"/>
           </a:p>
           <a:p>
             <a:r>
@@ -7790,14 +7770,12 @@
               <a:rPr lang="pl-PL" smtClean="0"/>
               <a:t>Data Analysis Module</a:t>
             </a:r>
-            <a:endParaRPr lang="pl-PL" smtClean="0"/>
           </a:p>
           <a:p>
             <a:r>
               <a:rPr lang="pl-PL" smtClean="0"/>
               <a:t>Application and its features</a:t>
             </a:r>
-            <a:endParaRPr lang="pl-PL" smtClean="0"/>
           </a:p>
           <a:p>
             <a:r>
@@ -7810,7 +7788,6 @@
               <a:rPr lang="pl-PL" smtClean="0"/>
               <a:t>Commercial Aspect</a:t>
             </a:r>
-            <a:endParaRPr lang="pl-PL" smtClean="0"/>
           </a:p>
         </p:txBody>
       </p:sp>
@@ -7910,15 +7887,7 @@
           <a:p>
             <a:r>
               <a:rPr lang="pl-PL" smtClean="0"/>
-              <a:t>Create algorithms for automatic recognition of errors and </a:t>
-            </a:r>
-            <a:r>
-              <a:rPr lang="pl-PL" smtClean="0"/>
-              <a:t>comparison of </a:t>
-            </a:r>
-            <a:r>
-              <a:rPr lang="pl-PL" smtClean="0"/>
-              <a:t>two dance movements</a:t>
+              <a:t>Create algorithms for automatic recognition of errors and comparison of two dance movements</a:t>
             </a:r>
           </a:p>
           <a:p>
@@ -8030,13 +7999,8 @@
             <a:pPr lvl="1"/>
             <a:r>
               <a:rPr lang="pl-PL" smtClean="0"/>
-              <a:t>410 cm – stops </a:t>
-            </a:r>
-            <a:r>
-              <a:rPr lang="pl-PL" smtClean="0"/>
-              <a:t>tracking</a:t>
-            </a:r>
-            <a:endParaRPr lang="pl-PL" smtClean="0"/>
+              <a:t>410 cm – stops tracking</a:t>
+            </a:r>
           </a:p>
           <a:p>
             <a:r>
@@ -8252,11 +8216,7 @@
           <a:p>
             <a:r>
               <a:rPr lang="pl-PL" smtClean="0"/>
-              <a:t>Automatic Dance Scoring - </a:t>
-            </a:r>
-            <a:r>
-              <a:rPr lang="pl-PL" smtClean="0"/>
-              <a:t>System</a:t>
+              <a:t>Automatic Dance Scoring - System</a:t>
             </a:r>
             <a:endParaRPr lang="pl-PL"/>
           </a:p>
@@ -8763,11 +8723,7 @@
           <a:p>
             <a:r>
               <a:rPr lang="pl-PL" sz="2600" smtClean="0"/>
-              <a:t>Automatic Dance Scoring – </a:t>
-            </a:r>
-            <a:r>
-              <a:rPr lang="pl-PL" sz="2600" smtClean="0"/>
-              <a:t>Motionless Activity Detector</a:t>
+              <a:t>Automatic Dance Scoring – Motionless Activity Detector</a:t>
             </a:r>
             <a:endParaRPr lang="pl-PL" sz="2600"/>
           </a:p>
@@ -8811,13 +8767,12 @@
               <a:rPr lang="pl-PL" smtClean="0"/>
               <a:t>Motionless Activity Detector returns a frame number in the recording where the person was not moving</a:t>
             </a:r>
-            <a:endParaRPr lang="pl-PL" smtClean="0"/>
           </a:p>
         </p:txBody>
       </p:sp>
       <p:pic>
         <p:nvPicPr>
-          <p:cNvPr id="2050" name="Picture 2" descr="C:\Users\Marcin\Desktop\Motionless_R_Hand_L_Foot_X.jpg"/>
+          <p:cNvPr id="1026" name="Picture 2" descr="E:\Imperial\Projects\KinectProject\Presentation\Raw_signals.png"/>
           <p:cNvPicPr>
             <a:picLocks noChangeAspect="1" noChangeArrowheads="1"/>
           </p:cNvPicPr>
@@ -8832,8 +8787,8 @@
         </p:blipFill>
         <p:spPr bwMode="auto">
           <a:xfrm>
-            <a:off x="500034" y="3714752"/>
-            <a:ext cx="8215370" cy="2593968"/>
+            <a:off x="500034" y="3929066"/>
+            <a:ext cx="4047663" cy="1908000"/>
           </a:xfrm>
           <a:prstGeom prst="rect">
             <a:avLst/>
@@ -8841,6 +8796,92 @@
           <a:noFill/>
         </p:spPr>
       </p:pic>
+      <p:pic>
+        <p:nvPicPr>
+          <p:cNvPr id="1027" name="Picture 3" descr="E:\Imperial\Projects\KinectProject\Presentation\Motionless_signals.png"/>
+          <p:cNvPicPr>
+            <a:picLocks noChangeAspect="1" noChangeArrowheads="1"/>
+          </p:cNvPicPr>
+          <p:nvPr/>
+        </p:nvPicPr>
+        <p:blipFill>
+          <a:blip r:embed="rId3"/>
+          <a:srcRect/>
+          <a:stretch>
+            <a:fillRect/>
+          </a:stretch>
+        </p:blipFill>
+        <p:spPr bwMode="auto">
+          <a:xfrm>
+            <a:off x="4643438" y="3929066"/>
+            <a:ext cx="4109037" cy="1908000"/>
+          </a:xfrm>
+          <a:prstGeom prst="rect">
+            <a:avLst/>
+          </a:prstGeom>
+          <a:noFill/>
+        </p:spPr>
+      </p:pic>
+      <p:sp>
+        <p:nvSpPr>
+          <p:cNvPr id="7" name="pole tekstowe 6"/>
+          <p:cNvSpPr txBox="1"/>
+          <p:nvPr/>
+        </p:nvSpPr>
+        <p:spPr>
+          <a:xfrm>
+            <a:off x="2000232" y="6000768"/>
+            <a:ext cx="928694" cy="369332"/>
+          </a:xfrm>
+          <a:prstGeom prst="rect">
+            <a:avLst/>
+          </a:prstGeom>
+          <a:noFill/>
+        </p:spPr>
+        <p:txBody>
+          <a:bodyPr wrap="square" rtlCol="0">
+            <a:spAutoFit/>
+          </a:bodyPr>
+          <a:lstStyle/>
+          <a:p>
+            <a:r>
+              <a:rPr lang="pl-PL" smtClean="0"/>
+              <a:t>Input</a:t>
+            </a:r>
+            <a:endParaRPr lang="pl-PL"/>
+          </a:p>
+        </p:txBody>
+      </p:sp>
+      <p:sp>
+        <p:nvSpPr>
+          <p:cNvPr id="8" name="pole tekstowe 7"/>
+          <p:cNvSpPr txBox="1"/>
+          <p:nvPr/>
+        </p:nvSpPr>
+        <p:spPr>
+          <a:xfrm>
+            <a:off x="6429388" y="6000768"/>
+            <a:ext cx="928694" cy="369332"/>
+          </a:xfrm>
+          <a:prstGeom prst="rect">
+            <a:avLst/>
+          </a:prstGeom>
+          <a:noFill/>
+        </p:spPr>
+        <p:txBody>
+          <a:bodyPr wrap="square" rtlCol="0">
+            <a:spAutoFit/>
+          </a:bodyPr>
+          <a:lstStyle/>
+          <a:p>
+            <a:r>
+              <a:rPr lang="pl-PL" smtClean="0"/>
+              <a:t>Output</a:t>
+            </a:r>
+            <a:endParaRPr lang="pl-PL"/>
+          </a:p>
+        </p:txBody>
+      </p:sp>
     </p:spTree>
   </p:cSld>
   <p:clrMapOvr>
@@ -8892,11 +8933,7 @@
           <a:p>
             <a:r>
               <a:rPr lang="pl-PL" smtClean="0"/>
-              <a:t>Automatic Dance Scoring </a:t>
-            </a:r>
-            <a:r>
-              <a:rPr lang="pl-PL" smtClean="0"/>
-              <a:t>– Translation Module</a:t>
+              <a:t>Automatic Dance Scoring – Translation Module</a:t>
             </a:r>
             <a:endParaRPr lang="pl-PL"/>
           </a:p>
@@ -8926,7 +8963,6 @@
               <a:rPr lang="pl-PL" smtClean="0"/>
               <a:t>Translation Module</a:t>
             </a:r>
-            <a:endParaRPr lang="pl-PL" smtClean="0"/>
           </a:p>
           <a:p>
             <a:pPr lvl="1"/>
@@ -8941,20 +8977,79 @@
               <a:rPr lang="pl-PL" smtClean="0"/>
               <a:t>Additionally, ‘normalises’ the data, such that the exact position of the subject in the camera range not included any more</a:t>
             </a:r>
-            <a:endParaRPr lang="pl-PL" smtClean="0"/>
+          </a:p>
+        </p:txBody>
+      </p:sp>
+      <p:sp>
+        <p:nvSpPr>
+          <p:cNvPr id="6" name="pole tekstowe 5"/>
+          <p:cNvSpPr txBox="1"/>
+          <p:nvPr/>
+        </p:nvSpPr>
+        <p:spPr>
+          <a:xfrm>
+            <a:off x="2000232" y="6000768"/>
+            <a:ext cx="928694" cy="369332"/>
+          </a:xfrm>
+          <a:prstGeom prst="rect">
+            <a:avLst/>
+          </a:prstGeom>
+          <a:noFill/>
+        </p:spPr>
+        <p:txBody>
+          <a:bodyPr wrap="square" rtlCol="0">
+            <a:spAutoFit/>
+          </a:bodyPr>
+          <a:lstStyle/>
+          <a:p>
+            <a:r>
+              <a:rPr lang="pl-PL" smtClean="0"/>
+              <a:t>Input</a:t>
+            </a:r>
+            <a:endParaRPr lang="pl-PL"/>
+          </a:p>
+        </p:txBody>
+      </p:sp>
+      <p:sp>
+        <p:nvSpPr>
+          <p:cNvPr id="7" name="pole tekstowe 6"/>
+          <p:cNvSpPr txBox="1"/>
+          <p:nvPr/>
+        </p:nvSpPr>
+        <p:spPr>
+          <a:xfrm>
+            <a:off x="6429388" y="6000768"/>
+            <a:ext cx="928694" cy="369332"/>
+          </a:xfrm>
+          <a:prstGeom prst="rect">
+            <a:avLst/>
+          </a:prstGeom>
+          <a:noFill/>
+        </p:spPr>
+        <p:txBody>
+          <a:bodyPr wrap="square" rtlCol="0">
+            <a:spAutoFit/>
+          </a:bodyPr>
+          <a:lstStyle/>
+          <a:p>
+            <a:r>
+              <a:rPr lang="pl-PL" smtClean="0"/>
+              <a:t>Output</a:t>
+            </a:r>
+            <a:endParaRPr lang="pl-PL"/>
           </a:p>
         </p:txBody>
       </p:sp>
       <p:pic>
         <p:nvPicPr>
-          <p:cNvPr id="3074" name="Picture 2" descr="C:\Users\Marcin\Desktop\Non_Translated_R_H_Data.jpg"/>
+          <p:cNvPr id="8" name="Picture 3" descr="E:\Imperial\Projects\KinectProject\Presentation\Motionless_signals.png"/>
           <p:cNvPicPr>
             <a:picLocks noChangeAspect="1" noChangeArrowheads="1"/>
           </p:cNvPicPr>
           <p:nvPr/>
         </p:nvPicPr>
         <p:blipFill>
-          <a:blip r:embed="rId2" cstate="print"/>
+          <a:blip r:embed="rId2"/>
           <a:srcRect/>
           <a:stretch>
             <a:fillRect/>
@@ -8962,8 +9057,8 @@
         </p:blipFill>
         <p:spPr bwMode="auto">
           <a:xfrm>
-            <a:off x="642910" y="3699328"/>
-            <a:ext cx="3935880" cy="2340000"/>
+            <a:off x="500034" y="4000504"/>
+            <a:ext cx="4109037" cy="1908000"/>
           </a:xfrm>
           <a:prstGeom prst="rect">
             <a:avLst/>
@@ -8973,14 +9068,14 @@
       </p:pic>
       <p:pic>
         <p:nvPicPr>
-          <p:cNvPr id="3075" name="Picture 3" descr="C:\Users\Marcin\Desktop\R_H_Data_Relative_Torso.jpg"/>
+          <p:cNvPr id="2050" name="Picture 2" descr="E:\Imperial\Projects\KinectProject\Presentation\Translated_signals.png"/>
           <p:cNvPicPr>
             <a:picLocks noChangeAspect="1" noChangeArrowheads="1"/>
           </p:cNvPicPr>
           <p:nvPr/>
         </p:nvPicPr>
         <p:blipFill>
-          <a:blip r:embed="rId3" cstate="print"/>
+          <a:blip r:embed="rId3"/>
           <a:srcRect/>
           <a:stretch>
             <a:fillRect/>
@@ -8988,8 +9083,8 @@
         </p:blipFill>
         <p:spPr bwMode="auto">
           <a:xfrm>
-            <a:off x="4714876" y="3700604"/>
-            <a:ext cx="3906370" cy="2340000"/>
+            <a:off x="4714876" y="4000504"/>
+            <a:ext cx="3941981" cy="1908000"/>
           </a:xfrm>
           <a:prstGeom prst="rect">
             <a:avLst/>
@@ -8997,66 +9092,6 @@
           <a:noFill/>
         </p:spPr>
       </p:pic>
-      <p:sp>
-        <p:nvSpPr>
-          <p:cNvPr id="6" name="pole tekstowe 5"/>
-          <p:cNvSpPr txBox="1"/>
-          <p:nvPr/>
-        </p:nvSpPr>
-        <p:spPr>
-          <a:xfrm>
-            <a:off x="2000232" y="6000768"/>
-            <a:ext cx="928694" cy="369332"/>
-          </a:xfrm>
-          <a:prstGeom prst="rect">
-            <a:avLst/>
-          </a:prstGeom>
-          <a:noFill/>
-        </p:spPr>
-        <p:txBody>
-          <a:bodyPr wrap="square" rtlCol="0">
-            <a:spAutoFit/>
-          </a:bodyPr>
-          <a:lstStyle/>
-          <a:p>
-            <a:r>
-              <a:rPr lang="pl-PL" smtClean="0"/>
-              <a:t>Before</a:t>
-            </a:r>
-            <a:endParaRPr lang="pl-PL"/>
-          </a:p>
-        </p:txBody>
-      </p:sp>
-      <p:sp>
-        <p:nvSpPr>
-          <p:cNvPr id="7" name="pole tekstowe 6"/>
-          <p:cNvSpPr txBox="1"/>
-          <p:nvPr/>
-        </p:nvSpPr>
-        <p:spPr>
-          <a:xfrm>
-            <a:off x="6429388" y="6000768"/>
-            <a:ext cx="928694" cy="369332"/>
-          </a:xfrm>
-          <a:prstGeom prst="rect">
-            <a:avLst/>
-          </a:prstGeom>
-          <a:noFill/>
-        </p:spPr>
-        <p:txBody>
-          <a:bodyPr wrap="square" rtlCol="0">
-            <a:spAutoFit/>
-          </a:bodyPr>
-          <a:lstStyle/>
-          <a:p>
-            <a:r>
-              <a:rPr lang="pl-PL" smtClean="0"/>
-              <a:t>After</a:t>
-            </a:r>
-            <a:endParaRPr lang="pl-PL"/>
-          </a:p>
-        </p:txBody>
-      </p:sp>
     </p:spTree>
   </p:cSld>
   <p:clrMapOvr>

--- a/Presentation/Computerized Dance Classroom.pptx
+++ b/Presentation/Computerized Dance Classroom.pptx
@@ -6719,7 +6719,7 @@
           <p:nvPr/>
         </p:nvPicPr>
         <p:blipFill>
-          <a:blip r:embed="rId2"/>
+          <a:blip r:embed="rId2" cstate="print"/>
           <a:srcRect/>
           <a:stretch>
             <a:fillRect/>
@@ -6745,7 +6745,7 @@
           <p:nvPr/>
         </p:nvPicPr>
         <p:blipFill>
-          <a:blip r:embed="rId3"/>
+          <a:blip r:embed="rId3" cstate="print"/>
           <a:srcRect/>
           <a:stretch>
             <a:fillRect/>
@@ -6967,7 +6967,7 @@
           <p:nvPr/>
         </p:nvPicPr>
         <p:blipFill>
-          <a:blip r:embed="rId2"/>
+          <a:blip r:embed="rId2" cstate="print"/>
           <a:srcRect/>
           <a:stretch>
             <a:fillRect/>
@@ -7200,10 +7200,10 @@
           <a:lstStyle/>
           <a:p>
             <a:r>
-              <a:rPr lang="pl-PL" smtClean="0"/>
+              <a:rPr lang="pl-PL" dirty="0" smtClean="0"/>
               <a:t>Extensions</a:t>
             </a:r>
-            <a:endParaRPr lang="pl-PL"/>
+            <a:endParaRPr lang="pl-PL" dirty="0"/>
           </a:p>
         </p:txBody>
       </p:sp>
@@ -7223,10 +7223,57 @@
           <a:lstStyle/>
           <a:p>
             <a:r>
-              <a:rPr lang="pl-PL" smtClean="0"/>
-              <a:t>Machine learning</a:t>
-            </a:r>
-            <a:endParaRPr lang="pl-PL"/>
+              <a:rPr lang="en-US" dirty="0" smtClean="0"/>
+              <a:t>Teacher-defined level of importance for each part of the student’s body during a dance</a:t>
+            </a:r>
+          </a:p>
+          <a:p>
+            <a:pPr lvl="1"/>
+            <a:r>
+              <a:rPr lang="en-US" dirty="0" smtClean="0"/>
+              <a:t>Already implemented and integrated in the application</a:t>
+            </a:r>
+            <a:endParaRPr lang="en-US" dirty="0" smtClean="0"/>
+          </a:p>
+          <a:p>
+            <a:r>
+              <a:rPr lang="en-US" dirty="0" smtClean="0"/>
+              <a:t>Use of a machine learning algorithm to derive a scoring scheme based on dance instructors’ metric</a:t>
+            </a:r>
+          </a:p>
+          <a:p>
+            <a:pPr lvl="1"/>
+            <a:r>
+              <a:rPr lang="en-US" dirty="0" smtClean="0"/>
+              <a:t>Prototype implemented and tested in </a:t>
+            </a:r>
+            <a:r>
+              <a:rPr lang="en-US" dirty="0" err="1" smtClean="0"/>
+              <a:t>Matlab</a:t>
+            </a:r>
+            <a:endParaRPr lang="en-US" dirty="0" smtClean="0"/>
+          </a:p>
+          <a:p>
+            <a:r>
+              <a:rPr lang="en-US" dirty="0" smtClean="0"/>
+              <a:t>Use of multiple cameras to improve the overall accuracy</a:t>
+            </a:r>
+          </a:p>
+          <a:p>
+            <a:pPr lvl="1"/>
+            <a:r>
+              <a:rPr lang="en-US" dirty="0" smtClean="0"/>
+              <a:t>Substantial obstacles due to calibration </a:t>
+            </a:r>
+            <a:r>
+              <a:rPr lang="en-US" smtClean="0"/>
+              <a:t>and tracking </a:t>
+            </a:r>
+            <a:r>
+              <a:rPr lang="en-US" dirty="0" smtClean="0"/>
+              <a:t>overhead</a:t>
+            </a:r>
+            <a:endParaRPr lang="pl-PL" dirty="0"/>
           </a:p>
         </p:txBody>
       </p:sp>
@@ -7580,7 +7627,7 @@
           <p:nvPr/>
         </p:nvPicPr>
         <p:blipFill>
-          <a:blip r:embed="rId3"/>
+          <a:blip r:embed="rId3" cstate="print"/>
           <a:srcRect/>
           <a:stretch>
             <a:fillRect/>
@@ -7632,7 +7679,7 @@
           <p:nvPr/>
         </p:nvPicPr>
         <p:blipFill>
-          <a:blip r:embed="rId5"/>
+          <a:blip r:embed="rId5" cstate="print"/>
           <a:srcRect/>
           <a:stretch>
             <a:fillRect/>
@@ -8779,7 +8826,7 @@
           <p:nvPr/>
         </p:nvPicPr>
         <p:blipFill>
-          <a:blip r:embed="rId2"/>
+          <a:blip r:embed="rId2" cstate="print"/>
           <a:srcRect/>
           <a:stretch>
             <a:fillRect/>
@@ -8805,7 +8852,7 @@
           <p:nvPr/>
         </p:nvPicPr>
         <p:blipFill>
-          <a:blip r:embed="rId3"/>
+          <a:blip r:embed="rId3" cstate="print"/>
           <a:srcRect/>
           <a:stretch>
             <a:fillRect/>
@@ -9049,7 +9096,7 @@
           <p:nvPr/>
         </p:nvPicPr>
         <p:blipFill>
-          <a:blip r:embed="rId2"/>
+          <a:blip r:embed="rId2" cstate="print"/>
           <a:srcRect/>
           <a:stretch>
             <a:fillRect/>
@@ -9075,7 +9122,7 @@
           <p:nvPr/>
         </p:nvPicPr>
         <p:blipFill>
-          <a:blip r:embed="rId3"/>
+          <a:blip r:embed="rId3" cstate="print"/>
           <a:srcRect/>
           <a:stretch>
             <a:fillRect/>

--- a/Presentation/Computerized Dance Classroom.pptx
+++ b/Presentation/Computerized Dance Classroom.pptx
@@ -5,7 +5,7 @@
     <p:sldMasterId id="2147483660" r:id="rId1"/>
   </p:sldMasterIdLst>
   <p:notesMasterIdLst>
-    <p:notesMasterId r:id="rId20"/>
+    <p:notesMasterId r:id="rId21"/>
   </p:notesMasterIdLst>
   <p:sldIdLst>
     <p:sldId id="256" r:id="rId2"/>
@@ -25,7 +25,8 @@
     <p:sldId id="268" r:id="rId16"/>
     <p:sldId id="269" r:id="rId17"/>
     <p:sldId id="273" r:id="rId18"/>
-    <p:sldId id="270" r:id="rId19"/>
+    <p:sldId id="274" r:id="rId19"/>
+    <p:sldId id="270" r:id="rId20"/>
   </p:sldIdLst>
   <p:sldSz cx="9144000" cy="6858000" type="screen4x3"/>
   <p:notesSz cx="6858000" cy="9144000"/>
@@ -210,7 +211,7 @@
             <a:fld id="{3DF9662E-6279-423E-BA9D-7B4883F81E9B}" type="datetimeFigureOut">
               <a:rPr lang="pl-PL" smtClean="0"/>
               <a:pPr/>
-              <a:t>2013-06-12</a:t>
+              <a:t>2013-06-13</a:t>
             </a:fld>
             <a:endParaRPr lang="pl-PL"/>
           </a:p>
@@ -567,6 +568,240 @@
 </p:notes>
 </file>
 
+<file path=ppt/notesSlides/notesSlide2.xml><?xml version="1.0" encoding="utf-8"?>
+<p:notes xmlns:a="http://schemas.openxmlformats.org/drawingml/2006/main" xmlns:r="http://schemas.openxmlformats.org/officeDocument/2006/relationships" xmlns:p="http://schemas.openxmlformats.org/presentationml/2006/main">
+  <p:cSld>
+    <p:spTree>
+      <p:nvGrpSpPr>
+        <p:cNvPr id="1" name=""/>
+        <p:cNvGrpSpPr/>
+        <p:nvPr/>
+      </p:nvGrpSpPr>
+      <p:grpSpPr>
+        <a:xfrm>
+          <a:off x="0" y="0"/>
+          <a:ext cx="0" cy="0"/>
+          <a:chOff x="0" y="0"/>
+          <a:chExt cx="0" cy="0"/>
+        </a:xfrm>
+      </p:grpSpPr>
+      <p:sp>
+        <p:nvSpPr>
+          <p:cNvPr id="2" name="Slide Image Placeholder 1"/>
+          <p:cNvSpPr>
+            <a:spLocks noGrp="1" noRot="1" noChangeAspect="1"/>
+          </p:cNvSpPr>
+          <p:nvPr>
+            <p:ph type="sldImg"/>
+          </p:nvPr>
+        </p:nvSpPr>
+        <p:spPr/>
+      </p:sp>
+      <p:sp>
+        <p:nvSpPr>
+          <p:cNvPr id="3" name="Notes Placeholder 2"/>
+          <p:cNvSpPr>
+            <a:spLocks noGrp="1"/>
+          </p:cNvSpPr>
+          <p:nvPr>
+            <p:ph type="body" idx="1"/>
+          </p:nvPr>
+        </p:nvSpPr>
+        <p:spPr/>
+        <p:txBody>
+          <a:bodyPr>
+            <a:normAutofit/>
+          </a:bodyPr>
+          <a:lstStyle/>
+          <a:p>
+            <a:r>
+              <a:rPr lang="en-US" dirty="0" smtClean="0"/>
+              <a:t>Problem</a:t>
+            </a:r>
+            <a:r>
+              <a:rPr lang="en-US" baseline="0" dirty="0" smtClean="0"/>
+              <a:t> definition: teacher – students ratio.</a:t>
+            </a:r>
+          </a:p>
+          <a:p>
+            <a:r>
+              <a:rPr lang="en-US" baseline="0" dirty="0" smtClean="0"/>
+              <a:t>- Approach a ratio of 1</a:t>
+            </a:r>
+          </a:p>
+          <a:p>
+            <a:r>
+              <a:rPr lang="en-US" baseline="0" dirty="0" smtClean="0"/>
+              <a:t>- More accurate student-specific and dance-specific (see weightings) feedback</a:t>
+            </a:r>
+          </a:p>
+          <a:p>
+            <a:r>
+              <a:rPr lang="en-US" baseline="0" dirty="0" smtClean="0"/>
+              <a:t>- Homework</a:t>
+            </a:r>
+          </a:p>
+          <a:p>
+            <a:r>
+              <a:rPr lang="en-US" baseline="0" dirty="0" smtClean="0"/>
+              <a:t>- Possible to revolutionize dance classrooms</a:t>
+            </a:r>
+          </a:p>
+          <a:p>
+            <a:pPr>
+              <a:buFontTx/>
+              <a:buChar char="-"/>
+            </a:pPr>
+            <a:r>
+              <a:rPr lang="en-US" baseline="0" dirty="0" smtClean="0"/>
+              <a:t>Possible extension to online courses (</a:t>
+            </a:r>
+            <a:r>
+              <a:rPr lang="en-US" baseline="0" dirty="0" err="1" smtClean="0"/>
+              <a:t>eg</a:t>
+            </a:r>
+            <a:r>
+              <a:rPr lang="en-US" baseline="0" dirty="0" smtClean="0"/>
+              <a:t> online guitar courses)</a:t>
+            </a:r>
+          </a:p>
+          <a:p>
+            <a:pPr>
+              <a:buFontTx/>
+              <a:buChar char="-"/>
+            </a:pPr>
+            <a:r>
+              <a:rPr lang="en-US" baseline="0" dirty="0" smtClean="0"/>
+              <a:t> Automated, reliable marking (trained by professionals)</a:t>
+            </a:r>
+            <a:endParaRPr lang="en-GB" baseline="0" dirty="0" smtClean="0"/>
+          </a:p>
+          <a:p>
+            <a:pPr>
+              <a:buFontTx/>
+              <a:buNone/>
+            </a:pPr>
+            <a:r>
+              <a:rPr lang="en-US" baseline="0" dirty="0" smtClean="0"/>
+              <a:t>- Can be extended to other activities (martial arts, aerobics, etc)</a:t>
+            </a:r>
+          </a:p>
+        </p:txBody>
+      </p:sp>
+      <p:sp>
+        <p:nvSpPr>
+          <p:cNvPr id="4" name="Slide Number Placeholder 3"/>
+          <p:cNvSpPr>
+            <a:spLocks noGrp="1"/>
+          </p:cNvSpPr>
+          <p:nvPr>
+            <p:ph type="sldNum" sz="quarter" idx="10"/>
+          </p:nvPr>
+        </p:nvSpPr>
+        <p:spPr/>
+        <p:txBody>
+          <a:bodyPr/>
+          <a:lstStyle/>
+          <a:p>
+            <a:fld id="{285B1C79-F169-4419-B9CE-18B4D58C4430}" type="slidenum">
+              <a:rPr lang="pl-PL" smtClean="0"/>
+              <a:pPr/>
+              <a:t>17</a:t>
+            </a:fld>
+            <a:endParaRPr lang="pl-PL"/>
+          </a:p>
+        </p:txBody>
+      </p:sp>
+    </p:spTree>
+  </p:cSld>
+  <p:clrMapOvr>
+    <a:masterClrMapping/>
+  </p:clrMapOvr>
+</p:notes>
+</file>
+
+<file path=ppt/notesSlides/notesSlide3.xml><?xml version="1.0" encoding="utf-8"?>
+<p:notes xmlns:a="http://schemas.openxmlformats.org/drawingml/2006/main" xmlns:r="http://schemas.openxmlformats.org/officeDocument/2006/relationships" xmlns:p="http://schemas.openxmlformats.org/presentationml/2006/main">
+  <p:cSld>
+    <p:spTree>
+      <p:nvGrpSpPr>
+        <p:cNvPr id="1" name=""/>
+        <p:cNvGrpSpPr/>
+        <p:nvPr/>
+      </p:nvGrpSpPr>
+      <p:grpSpPr>
+        <a:xfrm>
+          <a:off x="0" y="0"/>
+          <a:ext cx="0" cy="0"/>
+          <a:chOff x="0" y="0"/>
+          <a:chExt cx="0" cy="0"/>
+        </a:xfrm>
+      </p:grpSpPr>
+      <p:sp>
+        <p:nvSpPr>
+          <p:cNvPr id="2" name="Slide Image Placeholder 1"/>
+          <p:cNvSpPr>
+            <a:spLocks noGrp="1" noRot="1" noChangeAspect="1"/>
+          </p:cNvSpPr>
+          <p:nvPr>
+            <p:ph type="sldImg"/>
+          </p:nvPr>
+        </p:nvSpPr>
+        <p:spPr/>
+      </p:sp>
+      <p:sp>
+        <p:nvSpPr>
+          <p:cNvPr id="3" name="Notes Placeholder 2"/>
+          <p:cNvSpPr>
+            <a:spLocks noGrp="1"/>
+          </p:cNvSpPr>
+          <p:nvPr>
+            <p:ph type="body" idx="1"/>
+          </p:nvPr>
+        </p:nvSpPr>
+        <p:spPr/>
+        <p:txBody>
+          <a:bodyPr>
+            <a:normAutofit/>
+          </a:bodyPr>
+          <a:lstStyle/>
+          <a:p>
+            <a:endParaRPr lang="en-US" baseline="0" dirty="0" smtClean="0"/>
+          </a:p>
+        </p:txBody>
+      </p:sp>
+      <p:sp>
+        <p:nvSpPr>
+          <p:cNvPr id="4" name="Slide Number Placeholder 3"/>
+          <p:cNvSpPr>
+            <a:spLocks noGrp="1"/>
+          </p:cNvSpPr>
+          <p:nvPr>
+            <p:ph type="sldNum" sz="quarter" idx="10"/>
+          </p:nvPr>
+        </p:nvSpPr>
+        <p:spPr/>
+        <p:txBody>
+          <a:bodyPr/>
+          <a:lstStyle/>
+          <a:p>
+            <a:fld id="{285B1C79-F169-4419-B9CE-18B4D58C4430}" type="slidenum">
+              <a:rPr lang="pl-PL" smtClean="0"/>
+              <a:pPr/>
+              <a:t>18</a:t>
+            </a:fld>
+            <a:endParaRPr lang="pl-PL"/>
+          </a:p>
+        </p:txBody>
+      </p:sp>
+    </p:spTree>
+  </p:cSld>
+  <p:clrMapOvr>
+    <a:masterClrMapping/>
+  </p:clrMapOvr>
+</p:notes>
+</file>
+
 <file path=ppt/slideLayouts/slideLayout1.xml><?xml version="1.0" encoding="utf-8"?>
 <p:sldLayout xmlns:a="http://schemas.openxmlformats.org/drawingml/2006/main" xmlns:r="http://schemas.openxmlformats.org/officeDocument/2006/relationships" xmlns:p="http://schemas.openxmlformats.org/presentationml/2006/main" showMasterSp="0" type="title" preserve="1">
   <p:cSld name="Slajd tytułowy">
@@ -848,7 +1083,7 @@
             <a:fld id="{7EDB9D31-E5E3-4CF9-AD05-005813C66478}" type="datetimeFigureOut">
               <a:rPr lang="pl-PL" smtClean="0"/>
               <a:pPr/>
-              <a:t>2013-06-12</a:t>
+              <a:t>2013-06-13</a:t>
             </a:fld>
             <a:endParaRPr lang="pl-PL"/>
           </a:p>
@@ -1243,7 +1478,7 @@
             <a:fld id="{7EDB9D31-E5E3-4CF9-AD05-005813C66478}" type="datetimeFigureOut">
               <a:rPr lang="pl-PL" smtClean="0"/>
               <a:pPr/>
-              <a:t>2013-06-12</a:t>
+              <a:t>2013-06-13</a:t>
             </a:fld>
             <a:endParaRPr lang="pl-PL"/>
           </a:p>
@@ -1778,7 +2013,7 @@
             <a:fld id="{7EDB9D31-E5E3-4CF9-AD05-005813C66478}" type="datetimeFigureOut">
               <a:rPr lang="pl-PL" smtClean="0"/>
               <a:pPr/>
-              <a:t>2013-06-12</a:t>
+              <a:t>2013-06-13</a:t>
             </a:fld>
             <a:endParaRPr lang="pl-PL"/>
           </a:p>
@@ -1912,7 +2147,7 @@
             <a:fld id="{7EDB9D31-E5E3-4CF9-AD05-005813C66478}" type="datetimeFigureOut">
               <a:rPr lang="pl-PL" smtClean="0"/>
               <a:pPr/>
-              <a:t>2013-06-12</a:t>
+              <a:t>2013-06-13</a:t>
             </a:fld>
             <a:endParaRPr lang="pl-PL"/>
           </a:p>
@@ -2457,7 +2692,7 @@
             <a:fld id="{7EDB9D31-E5E3-4CF9-AD05-005813C66478}" type="datetimeFigureOut">
               <a:rPr lang="pl-PL" smtClean="0"/>
               <a:pPr/>
-              <a:t>2013-06-12</a:t>
+              <a:t>2013-06-13</a:t>
             </a:fld>
             <a:endParaRPr lang="pl-PL"/>
           </a:p>
@@ -2754,7 +2989,7 @@
             <a:fld id="{7EDB9D31-E5E3-4CF9-AD05-005813C66478}" type="datetimeFigureOut">
               <a:rPr lang="pl-PL" smtClean="0"/>
               <a:pPr/>
-              <a:t>2013-06-12</a:t>
+              <a:t>2013-06-13</a:t>
             </a:fld>
             <a:endParaRPr lang="pl-PL"/>
           </a:p>
@@ -3415,7 +3650,7 @@
             <a:fld id="{7EDB9D31-E5E3-4CF9-AD05-005813C66478}" type="datetimeFigureOut">
               <a:rPr lang="pl-PL" smtClean="0"/>
               <a:pPr/>
-              <a:t>2013-06-12</a:t>
+              <a:t>2013-06-13</a:t>
             </a:fld>
             <a:endParaRPr lang="pl-PL"/>
           </a:p>
@@ -3853,7 +4088,7 @@
             <a:fld id="{7EDB9D31-E5E3-4CF9-AD05-005813C66478}" type="datetimeFigureOut">
               <a:rPr lang="pl-PL" smtClean="0"/>
               <a:pPr/>
-              <a:t>2013-06-12</a:t>
+              <a:t>2013-06-13</a:t>
             </a:fld>
             <a:endParaRPr lang="pl-PL"/>
           </a:p>
@@ -4168,7 +4403,7 @@
             <a:fld id="{7EDB9D31-E5E3-4CF9-AD05-005813C66478}" type="datetimeFigureOut">
               <a:rPr lang="pl-PL" smtClean="0"/>
               <a:pPr/>
-              <a:t>2013-06-12</a:t>
+              <a:t>2013-06-13</a:t>
             </a:fld>
             <a:endParaRPr lang="pl-PL"/>
           </a:p>
@@ -4903,7 +5138,7 @@
             <a:fld id="{7EDB9D31-E5E3-4CF9-AD05-005813C66478}" type="datetimeFigureOut">
               <a:rPr lang="pl-PL" smtClean="0"/>
               <a:pPr/>
-              <a:t>2013-06-12</a:t>
+              <a:t>2013-06-13</a:t>
             </a:fld>
             <a:endParaRPr lang="pl-PL"/>
           </a:p>
@@ -5569,7 +5804,7 @@
             <a:fld id="{7EDB9D31-E5E3-4CF9-AD05-005813C66478}" type="datetimeFigureOut">
               <a:rPr lang="pl-PL" smtClean="0"/>
               <a:pPr/>
-              <a:t>2013-06-12</a:t>
+              <a:t>2013-06-13</a:t>
             </a:fld>
             <a:endParaRPr lang="pl-PL"/>
           </a:p>
@@ -5843,7 +6078,7 @@
             <a:fld id="{7EDB9D31-E5E3-4CF9-AD05-005813C66478}" type="datetimeFigureOut">
               <a:rPr lang="pl-PL" smtClean="0"/>
               <a:pPr/>
-              <a:t>2013-06-12</a:t>
+              <a:t>2013-06-13</a:t>
             </a:fld>
             <a:endParaRPr lang="pl-PL"/>
           </a:p>
@@ -7233,7 +7468,6 @@
               <a:rPr lang="en-US" dirty="0" smtClean="0"/>
               <a:t>Already implemented and integrated in the application</a:t>
             </a:r>
-            <a:endParaRPr lang="en-US" dirty="0" smtClean="0"/>
           </a:p>
           <a:p>
             <a:r>
@@ -7347,7 +7581,60 @@
           <a:bodyPr/>
           <a:lstStyle/>
           <a:p>
-            <a:endParaRPr lang="pl-PL"/>
+            <a:r>
+              <a:rPr lang="en-US" dirty="0" smtClean="0"/>
+              <a:t>Tracking limitations of </a:t>
+            </a:r>
+            <a:r>
+              <a:rPr lang="en-US" dirty="0" err="1" smtClean="0"/>
+              <a:t>Kinect</a:t>
+            </a:r>
+            <a:r>
+              <a:rPr lang="en-US" dirty="0" smtClean="0"/>
+              <a:t>, </a:t>
+            </a:r>
+            <a:r>
+              <a:rPr lang="en-US" dirty="0" err="1" smtClean="0"/>
+              <a:t>OpenNI</a:t>
+            </a:r>
+            <a:r>
+              <a:rPr lang="en-US" dirty="0" smtClean="0"/>
+              <a:t> and </a:t>
+            </a:r>
+            <a:r>
+              <a:rPr lang="en-US" dirty="0" err="1" smtClean="0"/>
+              <a:t>NiTE</a:t>
+            </a:r>
+            <a:endParaRPr lang="en-US" dirty="0" smtClean="0"/>
+          </a:p>
+          <a:p>
+            <a:r>
+              <a:rPr lang="en-US" dirty="0" smtClean="0"/>
+              <a:t>Partner dances not supported</a:t>
+            </a:r>
+          </a:p>
+          <a:p>
+            <a:r>
+              <a:rPr lang="en-US" dirty="0" smtClean="0"/>
+              <a:t>Extreme height differences</a:t>
+            </a:r>
+          </a:p>
+          <a:p>
+            <a:r>
+              <a:rPr lang="en-US" dirty="0" smtClean="0"/>
+              <a:t>Constant w</a:t>
+            </a:r>
+            <a:r>
+              <a:rPr lang="en-US" dirty="0" smtClean="0"/>
+              <a:t>indow size</a:t>
+            </a:r>
+          </a:p>
+          <a:p>
+            <a:r>
+              <a:rPr lang="en-US" dirty="0" smtClean="0"/>
+              <a:t>Portability</a:t>
+            </a:r>
+            <a:endParaRPr lang="pl-PL" dirty="0"/>
           </a:p>
         </p:txBody>
       </p:sp>
@@ -7399,10 +7686,14 @@
           <a:lstStyle/>
           <a:p>
             <a:r>
-              <a:rPr lang="pl-PL" smtClean="0"/>
-              <a:t>Commercial Aspect</a:t>
-            </a:r>
-            <a:endParaRPr lang="pl-PL"/>
+              <a:rPr lang="pl-PL" dirty="0" smtClean="0"/>
+              <a:t>Commercial </a:t>
+            </a:r>
+            <a:r>
+              <a:rPr lang="pl-PL" dirty="0" smtClean="0"/>
+              <a:t>Aspect</a:t>
+            </a:r>
+            <a:endParaRPr lang="pl-PL" dirty="0"/>
           </a:p>
         </p:txBody>
       </p:sp>
@@ -7421,7 +7712,7 @@
           <a:bodyPr/>
           <a:lstStyle/>
           <a:p>
-            <a:endParaRPr lang="pl-PL"/>
+            <a:endParaRPr lang="pl-PL" dirty="0"/>
           </a:p>
         </p:txBody>
       </p:sp>
@@ -7441,6 +7732,84 @@
 </file>
 
 <file path=ppt/slides/slide18.xml><?xml version="1.0" encoding="utf-8"?>
+<p:sld xmlns:a="http://schemas.openxmlformats.org/drawingml/2006/main" xmlns:r="http://schemas.openxmlformats.org/officeDocument/2006/relationships" xmlns:p="http://schemas.openxmlformats.org/presentationml/2006/main">
+  <p:cSld>
+    <p:spTree>
+      <p:nvGrpSpPr>
+        <p:cNvPr id="1" name=""/>
+        <p:cNvGrpSpPr/>
+        <p:nvPr/>
+      </p:nvGrpSpPr>
+      <p:grpSpPr>
+        <a:xfrm>
+          <a:off x="0" y="0"/>
+          <a:ext cx="0" cy="0"/>
+          <a:chOff x="0" y="0"/>
+          <a:chExt cx="0" cy="0"/>
+        </a:xfrm>
+      </p:grpSpPr>
+      <p:sp>
+        <p:nvSpPr>
+          <p:cNvPr id="2" name="Tytuł 1"/>
+          <p:cNvSpPr>
+            <a:spLocks noGrp="1"/>
+          </p:cNvSpPr>
+          <p:nvPr>
+            <p:ph type="title"/>
+          </p:nvPr>
+        </p:nvSpPr>
+        <p:spPr/>
+        <p:txBody>
+          <a:bodyPr/>
+          <a:lstStyle/>
+          <a:p>
+            <a:r>
+              <a:rPr lang="pl-PL" dirty="0" smtClean="0"/>
+              <a:t>Commercial </a:t>
+            </a:r>
+            <a:r>
+              <a:rPr lang="pl-PL" dirty="0" smtClean="0"/>
+              <a:t>Aspect</a:t>
+            </a:r>
+            <a:endParaRPr lang="pl-PL" dirty="0"/>
+          </a:p>
+        </p:txBody>
+      </p:sp>
+      <p:sp>
+        <p:nvSpPr>
+          <p:cNvPr id="3" name="Symbol zastępczy zawartości 2"/>
+          <p:cNvSpPr>
+            <a:spLocks noGrp="1"/>
+          </p:cNvSpPr>
+          <p:nvPr>
+            <p:ph sz="quarter" idx="1"/>
+          </p:nvPr>
+        </p:nvSpPr>
+        <p:spPr/>
+        <p:txBody>
+          <a:bodyPr/>
+          <a:lstStyle/>
+          <a:p>
+            <a:endParaRPr lang="pl-PL" dirty="0"/>
+          </a:p>
+        </p:txBody>
+      </p:sp>
+    </p:spTree>
+  </p:cSld>
+  <p:clrMapOvr>
+    <a:masterClrMapping/>
+  </p:clrMapOvr>
+  <p:timing>
+    <p:tnLst>
+      <p:par>
+        <p:cTn id="1" dur="indefinite" restart="never" nodeType="tmRoot"/>
+      </p:par>
+    </p:tnLst>
+  </p:timing>
+</p:sld>
+</file>
+
+<file path=ppt/slides/slide19.xml><?xml version="1.0" encoding="utf-8"?>
 <p:sld xmlns:a="http://schemas.openxmlformats.org/drawingml/2006/main" xmlns:r="http://schemas.openxmlformats.org/officeDocument/2006/relationships" xmlns:p="http://schemas.openxmlformats.org/presentationml/2006/main">
   <p:cSld>
     <p:spTree>

--- a/Presentation/Computerized Dance Classroom.pptx
+++ b/Presentation/Computerized Dance Classroom.pptx
@@ -5,7 +5,7 @@
     <p:sldMasterId id="2147483660" r:id="rId1"/>
   </p:sldMasterIdLst>
   <p:notesMasterIdLst>
-    <p:notesMasterId r:id="rId21"/>
+    <p:notesMasterId r:id="rId19"/>
   </p:notesMasterIdLst>
   <p:sldIdLst>
     <p:sldId id="256" r:id="rId2"/>
@@ -20,13 +20,11 @@
     <p:sldId id="271" r:id="rId11"/>
     <p:sldId id="272" r:id="rId12"/>
     <p:sldId id="262" r:id="rId13"/>
-    <p:sldId id="263" r:id="rId14"/>
-    <p:sldId id="264" r:id="rId15"/>
-    <p:sldId id="268" r:id="rId16"/>
-    <p:sldId id="269" r:id="rId17"/>
-    <p:sldId id="273" r:id="rId18"/>
-    <p:sldId id="274" r:id="rId19"/>
-    <p:sldId id="270" r:id="rId20"/>
+    <p:sldId id="268" r:id="rId14"/>
+    <p:sldId id="269" r:id="rId15"/>
+    <p:sldId id="273" r:id="rId16"/>
+    <p:sldId id="274" r:id="rId17"/>
+    <p:sldId id="270" r:id="rId18"/>
   </p:sldIdLst>
   <p:sldSz cx="9144000" cy="6858000" type="screen4x3"/>
   <p:notesSz cx="6858000" cy="9144000"/>
@@ -653,8 +651,16 @@
               <a:buChar char="-"/>
             </a:pPr>
             <a:r>
+              <a:rPr lang="pl-PL" baseline="0" smtClean="0"/>
+              <a:t> </a:t>
+            </a:r>
+            <a:r>
+              <a:rPr lang="en-US" baseline="0" smtClean="0"/>
+              <a:t>Possible </a:t>
+            </a:r>
+            <a:r>
               <a:rPr lang="en-US" baseline="0" dirty="0" smtClean="0"/>
-              <a:t>Possible extension to online courses (</a:t>
+              <a:t>extension to online courses (</a:t>
             </a:r>
             <a:r>
               <a:rPr lang="en-US" baseline="0" dirty="0" err="1" smtClean="0"/>
@@ -706,7 +712,7 @@
             <a:fld id="{285B1C79-F169-4419-B9CE-18B4D58C4430}" type="slidenum">
               <a:rPr lang="pl-PL" smtClean="0"/>
               <a:pPr/>
-              <a:t>17</a:t>
+              <a:t>15</a:t>
             </a:fld>
             <a:endParaRPr lang="pl-PL"/>
           </a:p>
@@ -788,7 +794,7 @@
             <a:fld id="{285B1C79-F169-4419-B9CE-18B4D58C4430}" type="slidenum">
               <a:rPr lang="pl-PL" smtClean="0"/>
               <a:pPr/>
-              <a:t>18</a:t>
+              <a:t>16</a:t>
             </a:fld>
             <a:endParaRPr lang="pl-PL"/>
           </a:p>
@@ -7124,7 +7130,12 @@
             <p:ph sz="quarter" idx="1"/>
           </p:nvPr>
         </p:nvSpPr>
-        <p:spPr/>
+        <p:spPr>
+          <a:xfrm>
+            <a:off x="301752" y="1527048"/>
+            <a:ext cx="8556528" cy="2402018"/>
+          </a:xfrm>
+        </p:spPr>
         <p:txBody>
           <a:bodyPr>
             <a:normAutofit/>
@@ -7136,8 +7147,141 @@
               <a:t>Data Analysis Module</a:t>
             </a:r>
           </a:p>
-        </p:txBody>
-      </p:sp>
+          <a:p>
+            <a:pPr lvl="1"/>
+            <a:r>
+              <a:rPr lang="pl-PL" smtClean="0"/>
+              <a:t>Takes two aligned signals and produces a score as the output</a:t>
+            </a:r>
+          </a:p>
+          <a:p>
+            <a:pPr lvl="1"/>
+            <a:r>
+              <a:rPr lang="pl-PL" smtClean="0"/>
+              <a:t>Produces an average score for the entire dance as well as a windowed score for each of the 10 parts of the dance, each of equal duration</a:t>
+            </a:r>
+          </a:p>
+          <a:p>
+            <a:pPr lvl="1"/>
+            <a:r>
+              <a:rPr lang="pl-PL" smtClean="0"/>
+              <a:t>The scores are calculated for each coordinate and joint</a:t>
+            </a:r>
+          </a:p>
+        </p:txBody>
+      </p:sp>
+      <p:pic>
+        <p:nvPicPr>
+          <p:cNvPr id="1026" name="Picture 2" descr="C:\Users\Marcin\Desktop\Data_Analysis_Window_Score.jpg"/>
+          <p:cNvPicPr>
+            <a:picLocks noChangeAspect="1" noChangeArrowheads="1"/>
+          </p:cNvPicPr>
+          <p:nvPr/>
+        </p:nvPicPr>
+        <p:blipFill>
+          <a:blip r:embed="rId2"/>
+          <a:srcRect/>
+          <a:stretch>
+            <a:fillRect/>
+          </a:stretch>
+        </p:blipFill>
+        <p:spPr bwMode="auto">
+          <a:xfrm>
+            <a:off x="5286380" y="4000504"/>
+            <a:ext cx="3135374" cy="1908000"/>
+          </a:xfrm>
+          <a:prstGeom prst="rect">
+            <a:avLst/>
+          </a:prstGeom>
+          <a:noFill/>
+        </p:spPr>
+      </p:pic>
+      <p:sp>
+        <p:nvSpPr>
+          <p:cNvPr id="5" name="pole tekstowe 4"/>
+          <p:cNvSpPr txBox="1"/>
+          <p:nvPr/>
+        </p:nvSpPr>
+        <p:spPr>
+          <a:xfrm>
+            <a:off x="2000232" y="6000768"/>
+            <a:ext cx="928694" cy="369332"/>
+          </a:xfrm>
+          <a:prstGeom prst="rect">
+            <a:avLst/>
+          </a:prstGeom>
+          <a:noFill/>
+        </p:spPr>
+        <p:txBody>
+          <a:bodyPr wrap="square" rtlCol="0">
+            <a:spAutoFit/>
+          </a:bodyPr>
+          <a:lstStyle/>
+          <a:p>
+            <a:r>
+              <a:rPr lang="pl-PL" smtClean="0"/>
+              <a:t>Input</a:t>
+            </a:r>
+            <a:endParaRPr lang="pl-PL"/>
+          </a:p>
+        </p:txBody>
+      </p:sp>
+      <p:sp>
+        <p:nvSpPr>
+          <p:cNvPr id="6" name="pole tekstowe 5"/>
+          <p:cNvSpPr txBox="1"/>
+          <p:nvPr/>
+        </p:nvSpPr>
+        <p:spPr>
+          <a:xfrm>
+            <a:off x="6429388" y="6000768"/>
+            <a:ext cx="928694" cy="369332"/>
+          </a:xfrm>
+          <a:prstGeom prst="rect">
+            <a:avLst/>
+          </a:prstGeom>
+          <a:noFill/>
+        </p:spPr>
+        <p:txBody>
+          <a:bodyPr wrap="square" rtlCol="0">
+            <a:spAutoFit/>
+          </a:bodyPr>
+          <a:lstStyle/>
+          <a:p>
+            <a:r>
+              <a:rPr lang="pl-PL" smtClean="0"/>
+              <a:t>Output</a:t>
+            </a:r>
+            <a:endParaRPr lang="pl-PL"/>
+          </a:p>
+        </p:txBody>
+      </p:sp>
+      <p:pic>
+        <p:nvPicPr>
+          <p:cNvPr id="7" name="Picture 2" descr="E:\Imperial\Projects\KinectProject\Presentation\Aligned_signals.png"/>
+          <p:cNvPicPr>
+            <a:picLocks noChangeAspect="1" noChangeArrowheads="1"/>
+          </p:cNvPicPr>
+          <p:nvPr/>
+        </p:nvPicPr>
+        <p:blipFill>
+          <a:blip r:embed="rId3" cstate="print"/>
+          <a:srcRect/>
+          <a:stretch>
+            <a:fillRect/>
+          </a:stretch>
+        </p:blipFill>
+        <p:spPr bwMode="auto">
+          <a:xfrm>
+            <a:off x="428596" y="4000504"/>
+            <a:ext cx="4042999" cy="1908000"/>
+          </a:xfrm>
+          <a:prstGeom prst="rect">
+            <a:avLst/>
+          </a:prstGeom>
+          <a:noFill/>
+        </p:spPr>
+      </p:pic>
     </p:spTree>
   </p:cSld>
   <p:clrMapOvr>
@@ -7267,10 +7411,10 @@
           <a:lstStyle/>
           <a:p>
             <a:r>
-              <a:rPr lang="pl-PL" smtClean="0"/>
-              <a:t>The Application</a:t>
-            </a:r>
-            <a:endParaRPr lang="pl-PL"/>
+              <a:rPr lang="pl-PL" dirty="0" smtClean="0"/>
+              <a:t>Extensions</a:t>
+            </a:r>
+            <a:endParaRPr lang="pl-PL" dirty="0"/>
           </a:p>
         </p:txBody>
       </p:sp>
@@ -7290,16 +7434,56 @@
           <a:lstStyle/>
           <a:p>
             <a:r>
-              <a:rPr lang="pl-PL" smtClean="0"/>
-              <a:t>Screenshots?</a:t>
-            </a:r>
-          </a:p>
-          <a:p>
-            <a:r>
-              <a:rPr lang="pl-PL" smtClean="0"/>
-              <a:t>Features</a:t>
-            </a:r>
-            <a:endParaRPr lang="pl-PL"/>
+              <a:rPr lang="en-US" dirty="0" smtClean="0"/>
+              <a:t>Teacher-defined level of importance for each part of the student’s body during a dance</a:t>
+            </a:r>
+          </a:p>
+          <a:p>
+            <a:pPr lvl="1"/>
+            <a:r>
+              <a:rPr lang="en-US" dirty="0" smtClean="0"/>
+              <a:t>Already implemented and integrated in the application</a:t>
+            </a:r>
+          </a:p>
+          <a:p>
+            <a:r>
+              <a:rPr lang="en-US" dirty="0" smtClean="0"/>
+              <a:t>Use of a machine learning algorithm to derive a scoring scheme based on dance instructors’ metric</a:t>
+            </a:r>
+          </a:p>
+          <a:p>
+            <a:pPr lvl="1"/>
+            <a:r>
+              <a:rPr lang="en-US" dirty="0" smtClean="0"/>
+              <a:t>Prototype implemented and tested in </a:t>
+            </a:r>
+            <a:r>
+              <a:rPr lang="en-US" dirty="0" err="1" smtClean="0"/>
+              <a:t>Matlab</a:t>
+            </a:r>
+            <a:endParaRPr lang="en-US" dirty="0" smtClean="0"/>
+          </a:p>
+          <a:p>
+            <a:r>
+              <a:rPr lang="en-US" dirty="0" smtClean="0"/>
+              <a:t>Use of multiple cameras to improve the overall accuracy</a:t>
+            </a:r>
+          </a:p>
+          <a:p>
+            <a:pPr lvl="1"/>
+            <a:r>
+              <a:rPr lang="en-US" dirty="0" smtClean="0"/>
+              <a:t>Substantial obstacles due to calibration </a:t>
+            </a:r>
+            <a:r>
+              <a:rPr lang="en-US" smtClean="0"/>
+              <a:t>and tracking </a:t>
+            </a:r>
+            <a:r>
+              <a:rPr lang="en-US" dirty="0" smtClean="0"/>
+              <a:t>overhead</a:t>
+            </a:r>
+            <a:endParaRPr lang="pl-PL" dirty="0"/>
           </a:p>
         </p:txBody>
       </p:sp>
@@ -7352,7 +7536,7 @@
           <a:p>
             <a:r>
               <a:rPr lang="pl-PL" smtClean="0"/>
-              <a:t>The Application</a:t>
+              <a:t>Limitations</a:t>
             </a:r>
             <a:endParaRPr lang="pl-PL"/>
           </a:p>
@@ -7374,16 +7558,95 @@
           <a:lstStyle/>
           <a:p>
             <a:r>
-              <a:rPr lang="pl-PL" smtClean="0"/>
-              <a:t>Screenshots?</a:t>
-            </a:r>
-          </a:p>
-          <a:p>
-            <a:r>
-              <a:rPr lang="pl-PL" smtClean="0"/>
-              <a:t>Features</a:t>
-            </a:r>
-            <a:endParaRPr lang="pl-PL"/>
+              <a:rPr lang="en-US" dirty="0" smtClean="0"/>
+              <a:t>Tracking limitations of </a:t>
+            </a:r>
+            <a:r>
+              <a:rPr lang="en-US" dirty="0" err="1" smtClean="0"/>
+              <a:t>Kinect</a:t>
+            </a:r>
+            <a:r>
+              <a:rPr lang="en-US" dirty="0" smtClean="0"/>
+              <a:t>, </a:t>
+            </a:r>
+            <a:r>
+              <a:rPr lang="en-US" dirty="0" err="1" smtClean="0"/>
+              <a:t>OpenNI</a:t>
+            </a:r>
+            <a:r>
+              <a:rPr lang="en-US" dirty="0" smtClean="0"/>
+              <a:t> </a:t>
+            </a:r>
+            <a:r>
+              <a:rPr lang="en-US" smtClean="0"/>
+              <a:t>and NiTE</a:t>
+            </a:r>
+            <a:endParaRPr lang="pl-PL" smtClean="0"/>
+          </a:p>
+          <a:p>
+            <a:pPr lvl="1"/>
+            <a:r>
+              <a:rPr lang="pl-PL" smtClean="0"/>
+              <a:t>Range, velocity of movement, time for calibration</a:t>
+            </a:r>
+          </a:p>
+          <a:p>
+            <a:pPr lvl="1"/>
+            <a:r>
+              <a:rPr lang="pl-PL" smtClean="0"/>
+              <a:t>OpenNI supports only one camera on one computer</a:t>
+            </a:r>
+            <a:endParaRPr lang="en-US" dirty="0" smtClean="0"/>
+          </a:p>
+          <a:p>
+            <a:r>
+              <a:rPr lang="en-US" dirty="0" smtClean="0"/>
+              <a:t>Partner dances </a:t>
+            </a:r>
+            <a:r>
+              <a:rPr lang="en-US" smtClean="0"/>
+              <a:t>not supported</a:t>
+            </a:r>
+            <a:endParaRPr lang="pl-PL" smtClean="0"/>
+          </a:p>
+          <a:p>
+            <a:pPr lvl="1"/>
+            <a:r>
+              <a:rPr lang="pl-PL" smtClean="0"/>
+              <a:t>Due to inevitable occlusion which distorts the data</a:t>
+            </a:r>
+            <a:endParaRPr lang="en-US" dirty="0" smtClean="0"/>
+          </a:p>
+          <a:p>
+            <a:r>
+              <a:rPr lang="pl-PL" smtClean="0"/>
+              <a:t>H</a:t>
+            </a:r>
+            <a:r>
+              <a:rPr lang="en-US" smtClean="0"/>
+              <a:t>eight differences</a:t>
+            </a:r>
+            <a:endParaRPr lang="pl-PL" smtClean="0"/>
+          </a:p>
+          <a:p>
+            <a:pPr lvl="1"/>
+            <a:r>
+              <a:rPr lang="pl-PL" smtClean="0"/>
+              <a:t>Significant differences in height increase the error</a:t>
+            </a:r>
+          </a:p>
+          <a:p>
+            <a:r>
+              <a:rPr lang="pl-PL" smtClean="0"/>
+              <a:t>Specific instructions must be followed by the user</a:t>
+            </a:r>
+          </a:p>
+          <a:p>
+            <a:pPr lvl="1"/>
+            <a:r>
+              <a:rPr lang="pl-PL" smtClean="0"/>
+              <a:t>e.g. the dancer needs to stand still for approx. 2 s before dancing</a:t>
+            </a:r>
           </a:p>
         </p:txBody>
       </p:sp>
@@ -7429,85 +7692,86 @@
             <p:ph type="title"/>
           </p:nvPr>
         </p:nvSpPr>
+        <p:spPr>
+          <a:xfrm>
+            <a:off x="285720" y="285728"/>
+            <a:ext cx="8534400" cy="758952"/>
+          </a:xfrm>
+        </p:spPr>
+        <p:txBody>
+          <a:bodyPr>
+            <a:normAutofit/>
+          </a:bodyPr>
+          <a:lstStyle/>
+          <a:p>
+            <a:r>
+              <a:rPr lang="pl-PL" smtClean="0"/>
+              <a:t>Commercial Aspect – solving the problem</a:t>
+            </a:r>
+            <a:endParaRPr lang="pl-PL" dirty="0"/>
+          </a:p>
+        </p:txBody>
+      </p:sp>
+      <p:sp>
+        <p:nvSpPr>
+          <p:cNvPr id="3" name="Symbol zastępczy zawartości 2"/>
+          <p:cNvSpPr>
+            <a:spLocks noGrp="1"/>
+          </p:cNvSpPr>
+          <p:nvPr>
+            <p:ph sz="quarter" idx="1"/>
+          </p:nvPr>
+        </p:nvSpPr>
         <p:spPr/>
         <p:txBody>
           <a:bodyPr/>
           <a:lstStyle/>
           <a:p>
             <a:r>
-              <a:rPr lang="pl-PL" dirty="0" smtClean="0"/>
-              <a:t>Extensions</a:t>
-            </a:r>
-            <a:endParaRPr lang="pl-PL" dirty="0"/>
-          </a:p>
-        </p:txBody>
-      </p:sp>
-      <p:sp>
-        <p:nvSpPr>
-          <p:cNvPr id="3" name="Symbol zastępczy zawartości 2"/>
-          <p:cNvSpPr>
-            <a:spLocks noGrp="1"/>
-          </p:cNvSpPr>
-          <p:nvPr>
-            <p:ph sz="quarter" idx="1"/>
-          </p:nvPr>
-        </p:nvSpPr>
-        <p:spPr/>
-        <p:txBody>
-          <a:bodyPr/>
-          <a:lstStyle/>
-          <a:p>
-            <a:r>
-              <a:rPr lang="en-US" dirty="0" smtClean="0"/>
-              <a:t>Teacher-defined level of importance for each part of the student’s body during a dance</a:t>
+              <a:rPr lang="pl-PL" smtClean="0"/>
+              <a:t>Lack of specific feedback for students in large groups</a:t>
             </a:r>
           </a:p>
           <a:p>
             <a:pPr lvl="1"/>
             <a:r>
-              <a:rPr lang="en-US" dirty="0" smtClean="0"/>
-              <a:t>Already implemented and integrated in the application</a:t>
-            </a:r>
-          </a:p>
-          <a:p>
-            <a:r>
-              <a:rPr lang="en-US" dirty="0" smtClean="0"/>
-              <a:t>Use of a machine learning algorithm to derive a scoring scheme based on dance instructors’ metric</a:t>
+              <a:rPr lang="pl-PL" smtClean="0"/>
+              <a:t>The application provides student-specific feedback and can keep track of the student’s progress</a:t>
+            </a:r>
+          </a:p>
+          <a:p>
+            <a:r>
+              <a:rPr lang="pl-PL" smtClean="0"/>
+              <a:t>Must travel to a physical destination to practise</a:t>
             </a:r>
           </a:p>
           <a:p>
             <a:pPr lvl="1"/>
             <a:r>
-              <a:rPr lang="en-US" dirty="0" smtClean="0"/>
-              <a:t>Prototype implemented and tested in </a:t>
-            </a:r>
-            <a:r>
-              <a:rPr lang="en-US" dirty="0" err="1" smtClean="0"/>
-              <a:t>Matlab</a:t>
-            </a:r>
-            <a:endParaRPr lang="en-US" dirty="0" smtClean="0"/>
-          </a:p>
-          <a:p>
-            <a:r>
-              <a:rPr lang="en-US" dirty="0" smtClean="0"/>
-              <a:t>Use of multiple cameras to improve the overall accuracy</a:t>
+              <a:rPr lang="pl-PL" smtClean="0"/>
+              <a:t>The application allows to practise at any time and in any place, therefore </a:t>
+            </a:r>
+            <a:r>
+              <a:rPr lang="en-US" smtClean="0"/>
+              <a:t>beneficial</a:t>
+            </a:r>
+            <a:r>
+              <a:rPr lang="pl-PL" smtClean="0"/>
+              <a:t> for both students and teachers</a:t>
+            </a:r>
+          </a:p>
+          <a:p>
+            <a:r>
+              <a:rPr lang="pl-PL" smtClean="0"/>
+              <a:t>Expensive</a:t>
             </a:r>
           </a:p>
           <a:p>
             <a:pPr lvl="1"/>
             <a:r>
-              <a:rPr lang="en-US" dirty="0" smtClean="0"/>
-              <a:t>Substantial obstacles due to calibration </a:t>
-            </a:r>
-            <a:r>
-              <a:rPr lang="en-US" smtClean="0"/>
-              <a:t>and tracking </a:t>
-            </a:r>
-            <a:r>
-              <a:rPr lang="en-US" dirty="0" smtClean="0"/>
-              <a:t>overhead</a:t>
-            </a:r>
-            <a:endParaRPr lang="pl-PL" dirty="0"/>
+              <a:rPr lang="pl-PL" smtClean="0"/>
+              <a:t>By increasing the number of students per teacher and decreasing the time that needs to be devoted physically to each student, the application can significantly reduce the cost of learning to dance</a:t>
+            </a:r>
           </a:p>
         </p:txBody>
       </p:sp>
@@ -7553,16 +7817,21 @@
             <p:ph type="title"/>
           </p:nvPr>
         </p:nvSpPr>
-        <p:spPr/>
+        <p:spPr>
+          <a:xfrm>
+            <a:off x="301752" y="228600"/>
+            <a:ext cx="8534400" cy="758952"/>
+          </a:xfrm>
+        </p:spPr>
         <p:txBody>
           <a:bodyPr/>
           <a:lstStyle/>
           <a:p>
             <a:r>
               <a:rPr lang="pl-PL" smtClean="0"/>
-              <a:t>Limitations</a:t>
-            </a:r>
-            <a:endParaRPr lang="pl-PL"/>
+              <a:t>Commercial Aspect – business model</a:t>
+            </a:r>
+            <a:endParaRPr lang="pl-PL" dirty="0"/>
           </a:p>
         </p:txBody>
       </p:sp>
@@ -7576,65 +7845,69 @@
             <p:ph sz="quarter" idx="1"/>
           </p:nvPr>
         </p:nvSpPr>
-        <p:spPr/>
+        <p:spPr>
+          <a:xfrm>
+            <a:off x="301752" y="1527048"/>
+            <a:ext cx="8503920" cy="4572000"/>
+          </a:xfrm>
+        </p:spPr>
         <p:txBody>
           <a:bodyPr/>
           <a:lstStyle/>
           <a:p>
             <a:r>
-              <a:rPr lang="en-US" dirty="0" smtClean="0"/>
-              <a:t>Tracking limitations of </a:t>
-            </a:r>
-            <a:r>
-              <a:rPr lang="en-US" dirty="0" err="1" smtClean="0"/>
-              <a:t>Kinect</a:t>
-            </a:r>
-            <a:r>
-              <a:rPr lang="en-US" dirty="0" smtClean="0"/>
-              <a:t>, </a:t>
-            </a:r>
-            <a:r>
-              <a:rPr lang="en-US" dirty="0" err="1" smtClean="0"/>
-              <a:t>OpenNI</a:t>
-            </a:r>
-            <a:r>
-              <a:rPr lang="en-US" dirty="0" smtClean="0"/>
-              <a:t> and </a:t>
-            </a:r>
-            <a:r>
-              <a:rPr lang="en-US" dirty="0" err="1" smtClean="0"/>
-              <a:t>NiTE</a:t>
-            </a:r>
-            <a:endParaRPr lang="en-US" dirty="0" smtClean="0"/>
-          </a:p>
-          <a:p>
-            <a:r>
-              <a:rPr lang="en-US" dirty="0" smtClean="0"/>
-              <a:t>Partner dances not supported</a:t>
-            </a:r>
-          </a:p>
-          <a:p>
-            <a:r>
-              <a:rPr lang="en-US" dirty="0" smtClean="0"/>
-              <a:t>Extreme height differences</a:t>
-            </a:r>
-          </a:p>
-          <a:p>
-            <a:r>
-              <a:rPr lang="en-US" dirty="0" smtClean="0"/>
-              <a:t>Constant w</a:t>
-            </a:r>
-            <a:r>
-              <a:rPr lang="en-US" dirty="0" smtClean="0"/>
-              <a:t>indow size</a:t>
-            </a:r>
-          </a:p>
-          <a:p>
-            <a:r>
-              <a:rPr lang="en-US" dirty="0" smtClean="0"/>
-              <a:t>Portability</a:t>
-            </a:r>
-            <a:endParaRPr lang="pl-PL" dirty="0"/>
+              <a:rPr lang="pl-PL" smtClean="0"/>
+              <a:t>The core version of the software acquired by teachers and students for a fixed </a:t>
+            </a:r>
+            <a:r>
+              <a:rPr lang="pl-PL" smtClean="0"/>
+              <a:t>price </a:t>
+            </a:r>
+            <a:r>
+              <a:rPr lang="pl-PL" smtClean="0"/>
+              <a:t>- </a:t>
+            </a:r>
+            <a:r>
+              <a:rPr lang="pl-PL" smtClean="0"/>
+              <a:t>£100</a:t>
+            </a:r>
+            <a:endParaRPr lang="pl-PL" smtClean="0"/>
+          </a:p>
+          <a:p>
+            <a:r>
+              <a:rPr lang="pl-PL" smtClean="0"/>
+              <a:t>Teachers have access to </a:t>
+            </a:r>
+            <a:r>
+              <a:rPr lang="pl-PL" smtClean="0"/>
+              <a:t>a cloud space </a:t>
+            </a:r>
+            <a:r>
+              <a:rPr lang="pl-PL" smtClean="0"/>
+              <a:t>where they can upload their </a:t>
+            </a:r>
+            <a:r>
+              <a:rPr lang="pl-PL" smtClean="0"/>
+              <a:t>videos</a:t>
+            </a:r>
+            <a:endParaRPr lang="pl-PL" smtClean="0"/>
+          </a:p>
+          <a:p>
+            <a:r>
+              <a:rPr lang="pl-PL" smtClean="0"/>
+              <a:t>Students can obtain the dances from the online store where they can choose to download their teacher’s videos or videos uploaded by others for a small </a:t>
+            </a:r>
+            <a:r>
+              <a:rPr lang="pl-PL" smtClean="0"/>
+              <a:t>fee</a:t>
+            </a:r>
+          </a:p>
+          <a:p>
+            <a:r>
+              <a:rPr lang="pl-PL" smtClean="0"/>
+              <a:t>The software needs initially 3 people for maintenance purposes – 2 developers and 1 customer support</a:t>
+            </a:r>
+            <a:endParaRPr lang="pl-PL" smtClean="0"/>
           </a:p>
         </p:txBody>
       </p:sp>
@@ -7686,14 +7959,10 @@
           <a:lstStyle/>
           <a:p>
             <a:r>
-              <a:rPr lang="pl-PL" dirty="0" smtClean="0"/>
-              <a:t>Commercial </a:t>
-            </a:r>
-            <a:r>
-              <a:rPr lang="pl-PL" dirty="0" smtClean="0"/>
-              <a:t>Aspect</a:t>
-            </a:r>
-            <a:endParaRPr lang="pl-PL" dirty="0"/>
+              <a:rPr lang="pl-PL" smtClean="0"/>
+              <a:t>Conclusion</a:t>
+            </a:r>
+            <a:endParaRPr lang="pl-PL"/>
           </a:p>
         </p:txBody>
       </p:sp>
@@ -7712,159 +7981,58 @@
           <a:bodyPr/>
           <a:lstStyle/>
           <a:p>
-            <a:endParaRPr lang="pl-PL" dirty="0"/>
-          </a:p>
-        </p:txBody>
-      </p:sp>
-    </p:spTree>
-  </p:cSld>
-  <p:clrMapOvr>
-    <a:masterClrMapping/>
-  </p:clrMapOvr>
-  <p:timing>
-    <p:tnLst>
-      <p:par>
-        <p:cTn id="1" dur="indefinite" restart="never" nodeType="tmRoot"/>
-      </p:par>
-    </p:tnLst>
-  </p:timing>
-</p:sld>
-</file>
-
-<file path=ppt/slides/slide18.xml><?xml version="1.0" encoding="utf-8"?>
-<p:sld xmlns:a="http://schemas.openxmlformats.org/drawingml/2006/main" xmlns:r="http://schemas.openxmlformats.org/officeDocument/2006/relationships" xmlns:p="http://schemas.openxmlformats.org/presentationml/2006/main">
-  <p:cSld>
-    <p:spTree>
-      <p:nvGrpSpPr>
-        <p:cNvPr id="1" name=""/>
-        <p:cNvGrpSpPr/>
-        <p:nvPr/>
-      </p:nvGrpSpPr>
-      <p:grpSpPr>
-        <a:xfrm>
-          <a:off x="0" y="0"/>
-          <a:ext cx="0" cy="0"/>
-          <a:chOff x="0" y="0"/>
-          <a:chExt cx="0" cy="0"/>
-        </a:xfrm>
-      </p:grpSpPr>
-      <p:sp>
-        <p:nvSpPr>
-          <p:cNvPr id="2" name="Tytuł 1"/>
-          <p:cNvSpPr>
-            <a:spLocks noGrp="1"/>
-          </p:cNvSpPr>
-          <p:nvPr>
-            <p:ph type="title"/>
-          </p:nvPr>
-        </p:nvSpPr>
-        <p:spPr/>
-        <p:txBody>
-          <a:bodyPr/>
-          <a:lstStyle/>
-          <a:p>
-            <a:r>
-              <a:rPr lang="pl-PL" dirty="0" smtClean="0"/>
-              <a:t>Commercial </a:t>
-            </a:r>
-            <a:r>
-              <a:rPr lang="pl-PL" dirty="0" smtClean="0"/>
-              <a:t>Aspect</a:t>
-            </a:r>
-            <a:endParaRPr lang="pl-PL" dirty="0"/>
-          </a:p>
-        </p:txBody>
-      </p:sp>
-      <p:sp>
-        <p:nvSpPr>
-          <p:cNvPr id="3" name="Symbol zastępczy zawartości 2"/>
-          <p:cNvSpPr>
-            <a:spLocks noGrp="1"/>
-          </p:cNvSpPr>
-          <p:nvPr>
-            <p:ph sz="quarter" idx="1"/>
-          </p:nvPr>
-        </p:nvSpPr>
-        <p:spPr/>
-        <p:txBody>
-          <a:bodyPr/>
-          <a:lstStyle/>
-          <a:p>
-            <a:endParaRPr lang="pl-PL" dirty="0"/>
-          </a:p>
-        </p:txBody>
-      </p:sp>
-    </p:spTree>
-  </p:cSld>
-  <p:clrMapOvr>
-    <a:masterClrMapping/>
-  </p:clrMapOvr>
-  <p:timing>
-    <p:tnLst>
-      <p:par>
-        <p:cTn id="1" dur="indefinite" restart="never" nodeType="tmRoot"/>
-      </p:par>
-    </p:tnLst>
-  </p:timing>
-</p:sld>
-</file>
-
-<file path=ppt/slides/slide19.xml><?xml version="1.0" encoding="utf-8"?>
-<p:sld xmlns:a="http://schemas.openxmlformats.org/drawingml/2006/main" xmlns:r="http://schemas.openxmlformats.org/officeDocument/2006/relationships" xmlns:p="http://schemas.openxmlformats.org/presentationml/2006/main">
-  <p:cSld>
-    <p:spTree>
-      <p:nvGrpSpPr>
-        <p:cNvPr id="1" name=""/>
-        <p:cNvGrpSpPr/>
-        <p:nvPr/>
-      </p:nvGrpSpPr>
-      <p:grpSpPr>
-        <a:xfrm>
-          <a:off x="0" y="0"/>
-          <a:ext cx="0" cy="0"/>
-          <a:chOff x="0" y="0"/>
-          <a:chExt cx="0" cy="0"/>
-        </a:xfrm>
-      </p:grpSpPr>
-      <p:sp>
-        <p:nvSpPr>
-          <p:cNvPr id="2" name="Tytuł 1"/>
-          <p:cNvSpPr>
-            <a:spLocks noGrp="1"/>
-          </p:cNvSpPr>
-          <p:nvPr>
-            <p:ph type="title"/>
-          </p:nvPr>
-        </p:nvSpPr>
-        <p:spPr/>
-        <p:txBody>
-          <a:bodyPr/>
-          <a:lstStyle/>
-          <a:p>
-            <a:r>
-              <a:rPr lang="pl-PL" smtClean="0"/>
-              <a:t>Summary</a:t>
-            </a:r>
-            <a:endParaRPr lang="pl-PL"/>
-          </a:p>
-        </p:txBody>
-      </p:sp>
-      <p:sp>
-        <p:nvSpPr>
-          <p:cNvPr id="3" name="Symbol zastępczy zawartości 2"/>
-          <p:cNvSpPr>
-            <a:spLocks noGrp="1"/>
-          </p:cNvSpPr>
-          <p:nvPr>
-            <p:ph sz="quarter" idx="1"/>
-          </p:nvPr>
-        </p:nvSpPr>
-        <p:spPr/>
-        <p:txBody>
-          <a:bodyPr/>
-          <a:lstStyle/>
-          <a:p>
-            <a:endParaRPr lang="pl-PL"/>
+            <a:r>
+              <a:rPr lang="pl-PL" smtClean="0"/>
+              <a:t>Available hardware (Kinect) and software (OpenNI, NiTE) can be successfully used, subject to limitations</a:t>
+            </a:r>
+          </a:p>
+          <a:p>
+            <a:r>
+              <a:rPr lang="pl-PL" smtClean="0"/>
+              <a:t>The prototype application includes:</a:t>
+            </a:r>
+          </a:p>
+          <a:p>
+            <a:pPr lvl="1"/>
+            <a:r>
+              <a:rPr lang="pl-PL" smtClean="0"/>
+              <a:t>Recording of dance movements</a:t>
+            </a:r>
+          </a:p>
+          <a:p>
+            <a:pPr lvl="1"/>
+            <a:r>
+              <a:rPr lang="pl-PL" smtClean="0"/>
+              <a:t>Playback of the recorded videos</a:t>
+            </a:r>
+          </a:p>
+          <a:p>
+            <a:pPr lvl="1"/>
+            <a:r>
+              <a:rPr lang="pl-PL" smtClean="0"/>
+              <a:t>Recognising and overlaying skeletons on each other</a:t>
+            </a:r>
+          </a:p>
+          <a:p>
+            <a:pPr lvl="1"/>
+            <a:r>
+              <a:rPr lang="pl-PL" smtClean="0"/>
+              <a:t>Automatically scoring two </a:t>
+            </a:r>
+            <a:r>
+              <a:rPr lang="pl-PL" smtClean="0"/>
+              <a:t>dance </a:t>
+            </a:r>
+            <a:r>
+              <a:rPr lang="pl-PL" smtClean="0"/>
+              <a:t>moves</a:t>
+            </a:r>
+          </a:p>
+          <a:p>
+            <a:r>
+              <a:rPr lang="pl-PL" smtClean="0"/>
+              <a:t>We believe that the product can be successfully commercialised after beta testing in the real environment</a:t>
+            </a:r>
           </a:p>
         </p:txBody>
       </p:sp>

--- a/Presentation/Computerized Dance Classroom.pptx
+++ b/Presentation/Computerized Dance Classroom.pptx
@@ -10,8 +10,8 @@
   <p:sldIdLst>
     <p:sldId id="256" r:id="rId2"/>
     <p:sldId id="259" r:id="rId3"/>
-    <p:sldId id="257" r:id="rId4"/>
-    <p:sldId id="258" r:id="rId5"/>
+    <p:sldId id="258" r:id="rId4"/>
+    <p:sldId id="257" r:id="rId5"/>
     <p:sldId id="260" r:id="rId6"/>
     <p:sldId id="261" r:id="rId7"/>
     <p:sldId id="265" r:id="rId8"/>
@@ -209,7 +209,7 @@
             <a:fld id="{3DF9662E-6279-423E-BA9D-7B4883F81E9B}" type="datetimeFigureOut">
               <a:rPr lang="pl-PL" smtClean="0"/>
               <a:pPr/>
-              <a:t>2013-06-13</a:t>
+              <a:t>2013-06-14</a:t>
             </a:fld>
             <a:endParaRPr lang="pl-PL"/>
           </a:p>
@@ -1089,7 +1089,7 @@
             <a:fld id="{7EDB9D31-E5E3-4CF9-AD05-005813C66478}" type="datetimeFigureOut">
               <a:rPr lang="pl-PL" smtClean="0"/>
               <a:pPr/>
-              <a:t>2013-06-13</a:t>
+              <a:t>2013-06-14</a:t>
             </a:fld>
             <a:endParaRPr lang="pl-PL"/>
           </a:p>
@@ -1484,7 +1484,7 @@
             <a:fld id="{7EDB9D31-E5E3-4CF9-AD05-005813C66478}" type="datetimeFigureOut">
               <a:rPr lang="pl-PL" smtClean="0"/>
               <a:pPr/>
-              <a:t>2013-06-13</a:t>
+              <a:t>2013-06-14</a:t>
             </a:fld>
             <a:endParaRPr lang="pl-PL"/>
           </a:p>
@@ -2019,7 +2019,7 @@
             <a:fld id="{7EDB9D31-E5E3-4CF9-AD05-005813C66478}" type="datetimeFigureOut">
               <a:rPr lang="pl-PL" smtClean="0"/>
               <a:pPr/>
-              <a:t>2013-06-13</a:t>
+              <a:t>2013-06-14</a:t>
             </a:fld>
             <a:endParaRPr lang="pl-PL"/>
           </a:p>
@@ -2153,7 +2153,7 @@
             <a:fld id="{7EDB9D31-E5E3-4CF9-AD05-005813C66478}" type="datetimeFigureOut">
               <a:rPr lang="pl-PL" smtClean="0"/>
               <a:pPr/>
-              <a:t>2013-06-13</a:t>
+              <a:t>2013-06-14</a:t>
             </a:fld>
             <a:endParaRPr lang="pl-PL"/>
           </a:p>
@@ -2698,7 +2698,7 @@
             <a:fld id="{7EDB9D31-E5E3-4CF9-AD05-005813C66478}" type="datetimeFigureOut">
               <a:rPr lang="pl-PL" smtClean="0"/>
               <a:pPr/>
-              <a:t>2013-06-13</a:t>
+              <a:t>2013-06-14</a:t>
             </a:fld>
             <a:endParaRPr lang="pl-PL"/>
           </a:p>
@@ -2995,7 +2995,7 @@
             <a:fld id="{7EDB9D31-E5E3-4CF9-AD05-005813C66478}" type="datetimeFigureOut">
               <a:rPr lang="pl-PL" smtClean="0"/>
               <a:pPr/>
-              <a:t>2013-06-13</a:t>
+              <a:t>2013-06-14</a:t>
             </a:fld>
             <a:endParaRPr lang="pl-PL"/>
           </a:p>
@@ -3656,7 +3656,7 @@
             <a:fld id="{7EDB9D31-E5E3-4CF9-AD05-005813C66478}" type="datetimeFigureOut">
               <a:rPr lang="pl-PL" smtClean="0"/>
               <a:pPr/>
-              <a:t>2013-06-13</a:t>
+              <a:t>2013-06-14</a:t>
             </a:fld>
             <a:endParaRPr lang="pl-PL"/>
           </a:p>
@@ -4094,7 +4094,7 @@
             <a:fld id="{7EDB9D31-E5E3-4CF9-AD05-005813C66478}" type="datetimeFigureOut">
               <a:rPr lang="pl-PL" smtClean="0"/>
               <a:pPr/>
-              <a:t>2013-06-13</a:t>
+              <a:t>2013-06-14</a:t>
             </a:fld>
             <a:endParaRPr lang="pl-PL"/>
           </a:p>
@@ -4409,7 +4409,7 @@
             <a:fld id="{7EDB9D31-E5E3-4CF9-AD05-005813C66478}" type="datetimeFigureOut">
               <a:rPr lang="pl-PL" smtClean="0"/>
               <a:pPr/>
-              <a:t>2013-06-13</a:t>
+              <a:t>2013-06-14</a:t>
             </a:fld>
             <a:endParaRPr lang="pl-PL"/>
           </a:p>
@@ -5144,7 +5144,7 @@
             <a:fld id="{7EDB9D31-E5E3-4CF9-AD05-005813C66478}" type="datetimeFigureOut">
               <a:rPr lang="pl-PL" smtClean="0"/>
               <a:pPr/>
-              <a:t>2013-06-13</a:t>
+              <a:t>2013-06-14</a:t>
             </a:fld>
             <a:endParaRPr lang="pl-PL"/>
           </a:p>
@@ -5810,7 +5810,7 @@
             <a:fld id="{7EDB9D31-E5E3-4CF9-AD05-005813C66478}" type="datetimeFigureOut">
               <a:rPr lang="pl-PL" smtClean="0"/>
               <a:pPr/>
-              <a:t>2013-06-13</a:t>
+              <a:t>2013-06-14</a:t>
             </a:fld>
             <a:endParaRPr lang="pl-PL"/>
           </a:p>
@@ -6084,7 +6084,7 @@
             <a:fld id="{7EDB9D31-E5E3-4CF9-AD05-005813C66478}" type="datetimeFigureOut">
               <a:rPr lang="pl-PL" smtClean="0"/>
               <a:pPr/>
-              <a:t>2013-06-13</a:t>
+              <a:t>2013-06-14</a:t>
             </a:fld>
             <a:endParaRPr lang="pl-PL"/>
           </a:p>
@@ -6938,7 +6938,7 @@
             <a:pPr lvl="1"/>
             <a:r>
               <a:rPr lang="pl-PL" smtClean="0"/>
-              <a:t>Even after translation, there is still a possibility of misalignment between the data of two dance moves</a:t>
+              <a:t>Even after previous processing, there is still a possibility of misalignment between the data of two dance moves</a:t>
             </a:r>
           </a:p>
           <a:p>
@@ -7857,49 +7857,19 @@
           <a:p>
             <a:r>
               <a:rPr lang="pl-PL" smtClean="0"/>
-              <a:t>The core version of the software acquired by teachers and students for a fixed </a:t>
-            </a:r>
-            <a:r>
-              <a:rPr lang="pl-PL" smtClean="0"/>
-              <a:t>price </a:t>
-            </a:r>
-            <a:r>
-              <a:rPr lang="pl-PL" smtClean="0"/>
-              <a:t>- </a:t>
-            </a:r>
-            <a:r>
-              <a:rPr lang="pl-PL" smtClean="0"/>
-              <a:t>£100</a:t>
-            </a:r>
-            <a:endParaRPr lang="pl-PL" smtClean="0"/>
-          </a:p>
-          <a:p>
-            <a:r>
-              <a:rPr lang="pl-PL" smtClean="0"/>
-              <a:t>Teachers have access to </a:t>
-            </a:r>
-            <a:r>
-              <a:rPr lang="pl-PL" smtClean="0"/>
-              <a:t>a cloud space </a:t>
-            </a:r>
-            <a:r>
-              <a:rPr lang="pl-PL" smtClean="0"/>
-              <a:t>where they can upload their </a:t>
-            </a:r>
-            <a:r>
-              <a:rPr lang="pl-PL" smtClean="0"/>
-              <a:t>videos</a:t>
-            </a:r>
-            <a:endParaRPr lang="pl-PL" smtClean="0"/>
-          </a:p>
-          <a:p>
-            <a:r>
-              <a:rPr lang="pl-PL" smtClean="0"/>
-              <a:t>Students can obtain the dances from the online store where they can choose to download their teacher’s videos or videos uploaded by others for a small </a:t>
-            </a:r>
-            <a:r>
-              <a:rPr lang="pl-PL" smtClean="0"/>
-              <a:t>fee</a:t>
+              <a:t>The core version of the software acquired by teachers and students for a fixed price - £100</a:t>
+            </a:r>
+          </a:p>
+          <a:p>
+            <a:r>
+              <a:rPr lang="pl-PL" smtClean="0"/>
+              <a:t>Teachers have access to a cloud space where they can upload their videos</a:t>
+            </a:r>
+          </a:p>
+          <a:p>
+            <a:r>
+              <a:rPr lang="pl-PL" smtClean="0"/>
+              <a:t>Students can obtain the dances from the online store where they can choose to download their teacher’s videos or videos uploaded by others for a small fee</a:t>
             </a:r>
           </a:p>
           <a:p>
@@ -7907,7 +7877,6 @@
               <a:rPr lang="pl-PL" smtClean="0"/>
               <a:t>The software needs initially 3 people for maintenance purposes – 2 developers and 1 customer support</a:t>
             </a:r>
-            <a:endParaRPr lang="pl-PL" smtClean="0"/>
           </a:p>
         </p:txBody>
       </p:sp>
@@ -8017,15 +7986,7 @@
             <a:pPr lvl="1"/>
             <a:r>
               <a:rPr lang="pl-PL" smtClean="0"/>
-              <a:t>Automatically scoring two </a:t>
-            </a:r>
-            <a:r>
-              <a:rPr lang="pl-PL" smtClean="0"/>
-              <a:t>dance </a:t>
-            </a:r>
-            <a:r>
-              <a:rPr lang="pl-PL" smtClean="0"/>
-              <a:t>moves</a:t>
+              <a:t>Automatically scoring two dance moves</a:t>
             </a:r>
           </a:p>
           <a:p>
@@ -8282,7 +8243,7 @@
           <a:p>
             <a:r>
               <a:rPr lang="pl-PL" smtClean="0"/>
-              <a:t>Outline</a:t>
+              <a:t>Project Aims</a:t>
             </a:r>
             <a:endParaRPr lang="pl-PL"/>
           </a:p>
@@ -8298,80 +8259,46 @@
             <p:ph sz="quarter" idx="1"/>
           </p:nvPr>
         </p:nvSpPr>
-        <p:spPr>
-          <a:xfrm>
-            <a:off x="301752" y="1527048"/>
-            <a:ext cx="8503920" cy="4688034"/>
-          </a:xfrm>
-        </p:spPr>
-        <p:txBody>
-          <a:bodyPr>
-            <a:normAutofit/>
-          </a:bodyPr>
-          <a:lstStyle/>
-          <a:p>
-            <a:r>
-              <a:rPr lang="pl-PL" smtClean="0"/>
-              <a:t>Project Aims</a:t>
-            </a:r>
-          </a:p>
-          <a:p>
-            <a:r>
-              <a:rPr lang="pl-PL" smtClean="0"/>
-              <a:t>Evaluation of Kinect, OpenNI and NiTE</a:t>
-            </a:r>
-          </a:p>
-          <a:p>
-            <a:r>
-              <a:rPr lang="pl-PL" smtClean="0"/>
-              <a:t>Automatic Scoring System</a:t>
-            </a:r>
-          </a:p>
-          <a:p>
-            <a:pPr lvl="1"/>
-            <a:r>
-              <a:rPr lang="pl-PL" smtClean="0"/>
-              <a:t>Motionless Activity Detector</a:t>
-            </a:r>
-          </a:p>
-          <a:p>
-            <a:pPr lvl="1"/>
-            <a:r>
-              <a:rPr lang="pl-PL" smtClean="0"/>
-              <a:t>Translation Module</a:t>
-            </a:r>
-          </a:p>
-          <a:p>
-            <a:pPr lvl="1"/>
-            <a:r>
-              <a:rPr lang="pl-PL" smtClean="0"/>
-              <a:t>Data Alignment Module</a:t>
-            </a:r>
-          </a:p>
-          <a:p>
-            <a:pPr lvl="1"/>
-            <a:r>
-              <a:rPr lang="pl-PL" smtClean="0"/>
-              <a:t>Data Analysis Module</a:t>
-            </a:r>
-          </a:p>
-          <a:p>
-            <a:r>
-              <a:rPr lang="pl-PL" smtClean="0"/>
-              <a:t>Application and its features</a:t>
-            </a:r>
-          </a:p>
-          <a:p>
-            <a:r>
-              <a:rPr lang="pl-PL" smtClean="0"/>
-              <a:t>Extensions</a:t>
-            </a:r>
-          </a:p>
-          <a:p>
-            <a:r>
-              <a:rPr lang="pl-PL" smtClean="0"/>
-              <a:t>Commercial Aspect</a:t>
-            </a:r>
+        <p:spPr/>
+        <p:txBody>
+          <a:bodyPr/>
+          <a:lstStyle/>
+          <a:p>
+            <a:pPr algn="ctr">
+              <a:buNone/>
+            </a:pPr>
+            <a:r>
+              <a:rPr lang="pl-PL" sz="3200" smtClean="0"/>
+              <a:t>Bring Kinect technology to a dance classroom</a:t>
+            </a:r>
+          </a:p>
+          <a:p>
+            <a:endParaRPr lang="pl-PL" smtClean="0"/>
+          </a:p>
+          <a:p>
+            <a:r>
+              <a:rPr lang="pl-PL" smtClean="0"/>
+              <a:t>Evaluate tracking capabilities of Kinect, OpenNI and NiTE</a:t>
+            </a:r>
+          </a:p>
+          <a:p>
+            <a:r>
+              <a:rPr lang="pl-PL" smtClean="0"/>
+              <a:t>Develop software for recording dance performances</a:t>
+            </a:r>
+          </a:p>
+          <a:p>
+            <a:r>
+              <a:rPr lang="pl-PL" smtClean="0"/>
+              <a:t>Create algorithms for automatic recognition of errors and comparison of two dance movements</a:t>
+            </a:r>
+          </a:p>
+          <a:p>
+            <a:r>
+              <a:rPr lang="pl-PL" smtClean="0"/>
+              <a:t>Make the application user friendly</a:t>
+            </a:r>
+            <a:endParaRPr lang="pl-PL"/>
           </a:p>
         </p:txBody>
       </p:sp>
@@ -8424,7 +8351,7 @@
           <a:p>
             <a:r>
               <a:rPr lang="pl-PL" smtClean="0"/>
-              <a:t>Project Aims</a:t>
+              <a:t>Outline</a:t>
             </a:r>
             <a:endParaRPr lang="pl-PL"/>
           </a:p>
@@ -8440,46 +8367,79 @@
             <p:ph sz="quarter" idx="1"/>
           </p:nvPr>
         </p:nvSpPr>
-        <p:spPr/>
-        <p:txBody>
-          <a:bodyPr/>
-          <a:lstStyle/>
-          <a:p>
-            <a:pPr algn="ctr">
-              <a:buNone/>
-            </a:pPr>
-            <a:r>
-              <a:rPr lang="pl-PL" sz="3200" smtClean="0"/>
-              <a:t>Bring Kinect technology to a dance classroom</a:t>
-            </a:r>
-          </a:p>
-          <a:p>
+        <p:spPr>
+          <a:xfrm>
+            <a:off x="301752" y="1527048"/>
+            <a:ext cx="8503920" cy="4688034"/>
+          </a:xfrm>
+        </p:spPr>
+        <p:txBody>
+          <a:bodyPr>
+            <a:normAutofit/>
+          </a:bodyPr>
+          <a:lstStyle/>
+          <a:p>
+            <a:r>
+              <a:rPr lang="pl-PL" smtClean="0"/>
+              <a:t>Evaluation of Kinect, OpenNI and NiTE</a:t>
+            </a:r>
+          </a:p>
+          <a:p>
+            <a:r>
+              <a:rPr lang="pl-PL" smtClean="0"/>
+              <a:t>Automatic Scoring System</a:t>
+            </a:r>
+          </a:p>
+          <a:p>
+            <a:pPr lvl="1"/>
+            <a:r>
+              <a:rPr lang="pl-PL" smtClean="0"/>
+              <a:t>Motionless Activity Detector</a:t>
+            </a:r>
+          </a:p>
+          <a:p>
+            <a:pPr lvl="1"/>
+            <a:r>
+              <a:rPr lang="pl-PL" smtClean="0"/>
+              <a:t>Translation Module</a:t>
+            </a:r>
+          </a:p>
+          <a:p>
+            <a:pPr lvl="1"/>
+            <a:r>
+              <a:rPr lang="pl-PL" smtClean="0"/>
+              <a:t>Data Alignment Module</a:t>
+            </a:r>
+          </a:p>
+          <a:p>
+            <a:pPr lvl="1"/>
+            <a:r>
+              <a:rPr lang="pl-PL" smtClean="0"/>
+              <a:t>Data Analysis Module</a:t>
+            </a:r>
+          </a:p>
+          <a:p>
+            <a:r>
+              <a:rPr lang="pl-PL" smtClean="0"/>
+              <a:t>Application and its features</a:t>
+            </a:r>
+          </a:p>
+          <a:p>
+            <a:r>
+              <a:rPr lang="pl-PL" smtClean="0"/>
+              <a:t>Extensions and </a:t>
+            </a:r>
+            <a:r>
+              <a:rPr lang="pl-PL" smtClean="0"/>
+              <a:t>Limitations</a:t>
+            </a:r>
             <a:endParaRPr lang="pl-PL" smtClean="0"/>
           </a:p>
           <a:p>
             <a:r>
               <a:rPr lang="pl-PL" smtClean="0"/>
-              <a:t>Evaluate tracking capabilities of Kinect, OpenNI and NiTE</a:t>
-            </a:r>
-          </a:p>
-          <a:p>
-            <a:r>
-              <a:rPr lang="pl-PL" smtClean="0"/>
-              <a:t>Develop software for recording dance performances</a:t>
-            </a:r>
-          </a:p>
-          <a:p>
-            <a:r>
-              <a:rPr lang="pl-PL" smtClean="0"/>
-              <a:t>Create algorithms for automatic recognition of errors and comparison of two dance movements</a:t>
-            </a:r>
-          </a:p>
-          <a:p>
-            <a:r>
-              <a:rPr lang="pl-PL" smtClean="0"/>
-              <a:t>Make the application user friendly</a:t>
-            </a:r>
-            <a:endParaRPr lang="pl-PL"/>
+              <a:t>Commercial Aspect</a:t>
+            </a:r>
           </a:p>
         </p:txBody>
       </p:sp>

--- a/Presentation/Computerized Dance Classroom.pptx
+++ b/Presentation/Computerized Dance Classroom.pptx
@@ -209,7 +209,7 @@
             <a:fld id="{3DF9662E-6279-423E-BA9D-7B4883F81E9B}" type="datetimeFigureOut">
               <a:rPr lang="pl-PL" smtClean="0"/>
               <a:pPr/>
-              <a:t>2013-06-14</a:t>
+              <a:t>2013-06-17</a:t>
             </a:fld>
             <a:endParaRPr lang="pl-PL"/>
           </a:p>
@@ -523,14 +523,9 @@
           <a:p>
             <a:r>
               <a:rPr lang="pl-PL" smtClean="0"/>
-              <a:t>An emergence of RGB-D cameras, such as Microsoft Kinect or Asus Xtion, has lead a development of applications with a completely new type of user interaction</a:t>
-            </a:r>
-          </a:p>
-          <a:p>
-            <a:r>
-              <a:rPr lang="pl-PL" smtClean="0"/>
-              <a:t>With an RGB-D camera, users are not required to hold any controllers in their hands, but perform gestures in front of the camera, which are automatically interpreted by the device</a:t>
-            </a:r>
+              <a:t>Marcin</a:t>
+            </a:r>
+            <a:endParaRPr lang="pl-PL"/>
           </a:p>
         </p:txBody>
       </p:sp>
@@ -552,7 +547,726 @@
             <a:fld id="{285B1C79-F169-4419-B9CE-18B4D58C4430}" type="slidenum">
               <a:rPr lang="pl-PL" smtClean="0"/>
               <a:pPr/>
-              <a:t>2</a:t>
+              <a:t>1</a:t>
+            </a:fld>
+            <a:endParaRPr lang="pl-PL"/>
+          </a:p>
+        </p:txBody>
+      </p:sp>
+    </p:spTree>
+  </p:cSld>
+  <p:clrMapOvr>
+    <a:masterClrMapping/>
+  </p:clrMapOvr>
+</p:notes>
+</file>
+
+<file path=ppt/notesSlides/notesSlide10.xml><?xml version="1.0" encoding="utf-8"?>
+<p:notes xmlns:a="http://schemas.openxmlformats.org/drawingml/2006/main" xmlns:r="http://schemas.openxmlformats.org/officeDocument/2006/relationships" xmlns:p="http://schemas.openxmlformats.org/presentationml/2006/main">
+  <p:cSld>
+    <p:spTree>
+      <p:nvGrpSpPr>
+        <p:cNvPr id="1" name=""/>
+        <p:cNvGrpSpPr/>
+        <p:nvPr/>
+      </p:nvGrpSpPr>
+      <p:grpSpPr>
+        <a:xfrm>
+          <a:off x="0" y="0"/>
+          <a:ext cx="0" cy="0"/>
+          <a:chOff x="0" y="0"/>
+          <a:chExt cx="0" cy="0"/>
+        </a:xfrm>
+      </p:grpSpPr>
+      <p:sp>
+        <p:nvSpPr>
+          <p:cNvPr id="2" name="Symbol zastępczy obrazu slajdu 1"/>
+          <p:cNvSpPr>
+            <a:spLocks noGrp="1" noRot="1" noChangeAspect="1"/>
+          </p:cNvSpPr>
+          <p:nvPr>
+            <p:ph type="sldImg"/>
+          </p:nvPr>
+        </p:nvSpPr>
+        <p:spPr/>
+      </p:sp>
+      <p:sp>
+        <p:nvSpPr>
+          <p:cNvPr id="3" name="Symbol zastępczy notatek 2"/>
+          <p:cNvSpPr>
+            <a:spLocks noGrp="1"/>
+          </p:cNvSpPr>
+          <p:nvPr>
+            <p:ph type="body" idx="1"/>
+          </p:nvPr>
+        </p:nvSpPr>
+        <p:spPr/>
+        <p:txBody>
+          <a:bodyPr>
+            <a:normAutofit/>
+          </a:bodyPr>
+          <a:lstStyle/>
+          <a:p>
+            <a:r>
+              <a:rPr lang="pl-PL" smtClean="0"/>
+              <a:t>Theo</a:t>
+            </a:r>
+            <a:endParaRPr lang="pl-PL"/>
+          </a:p>
+        </p:txBody>
+      </p:sp>
+      <p:sp>
+        <p:nvSpPr>
+          <p:cNvPr id="4" name="Symbol zastępczy numeru slajdu 3"/>
+          <p:cNvSpPr>
+            <a:spLocks noGrp="1"/>
+          </p:cNvSpPr>
+          <p:nvPr>
+            <p:ph type="sldNum" sz="quarter" idx="10"/>
+          </p:nvPr>
+        </p:nvSpPr>
+        <p:spPr/>
+        <p:txBody>
+          <a:bodyPr/>
+          <a:lstStyle/>
+          <a:p>
+            <a:fld id="{285B1C79-F169-4419-B9CE-18B4D58C4430}" type="slidenum">
+              <a:rPr lang="pl-PL" smtClean="0"/>
+              <a:pPr/>
+              <a:t>11</a:t>
+            </a:fld>
+            <a:endParaRPr lang="pl-PL"/>
+          </a:p>
+        </p:txBody>
+      </p:sp>
+    </p:spTree>
+  </p:cSld>
+  <p:clrMapOvr>
+    <a:masterClrMapping/>
+  </p:clrMapOvr>
+</p:notes>
+</file>
+
+<file path=ppt/notesSlides/notesSlide11.xml><?xml version="1.0" encoding="utf-8"?>
+<p:notes xmlns:a="http://schemas.openxmlformats.org/drawingml/2006/main" xmlns:r="http://schemas.openxmlformats.org/officeDocument/2006/relationships" xmlns:p="http://schemas.openxmlformats.org/presentationml/2006/main">
+  <p:cSld>
+    <p:spTree>
+      <p:nvGrpSpPr>
+        <p:cNvPr id="1" name=""/>
+        <p:cNvGrpSpPr/>
+        <p:nvPr/>
+      </p:nvGrpSpPr>
+      <p:grpSpPr>
+        <a:xfrm>
+          <a:off x="0" y="0"/>
+          <a:ext cx="0" cy="0"/>
+          <a:chOff x="0" y="0"/>
+          <a:chExt cx="0" cy="0"/>
+        </a:xfrm>
+      </p:grpSpPr>
+      <p:sp>
+        <p:nvSpPr>
+          <p:cNvPr id="2" name="Symbol zastępczy obrazu slajdu 1"/>
+          <p:cNvSpPr>
+            <a:spLocks noGrp="1" noRot="1" noChangeAspect="1"/>
+          </p:cNvSpPr>
+          <p:nvPr>
+            <p:ph type="sldImg"/>
+          </p:nvPr>
+        </p:nvSpPr>
+        <p:spPr/>
+      </p:sp>
+      <p:sp>
+        <p:nvSpPr>
+          <p:cNvPr id="3" name="Symbol zastępczy notatek 2"/>
+          <p:cNvSpPr>
+            <a:spLocks noGrp="1"/>
+          </p:cNvSpPr>
+          <p:nvPr>
+            <p:ph type="body" idx="1"/>
+          </p:nvPr>
+        </p:nvSpPr>
+        <p:spPr/>
+        <p:txBody>
+          <a:bodyPr>
+            <a:normAutofit/>
+          </a:bodyPr>
+          <a:lstStyle/>
+          <a:p>
+            <a:r>
+              <a:rPr lang="pl-PL" smtClean="0"/>
+              <a:t>Demo</a:t>
+            </a:r>
+            <a:endParaRPr lang="pl-PL"/>
+          </a:p>
+        </p:txBody>
+      </p:sp>
+      <p:sp>
+        <p:nvSpPr>
+          <p:cNvPr id="4" name="Symbol zastępczy numeru slajdu 3"/>
+          <p:cNvSpPr>
+            <a:spLocks noGrp="1"/>
+          </p:cNvSpPr>
+          <p:nvPr>
+            <p:ph type="sldNum" sz="quarter" idx="10"/>
+          </p:nvPr>
+        </p:nvSpPr>
+        <p:spPr/>
+        <p:txBody>
+          <a:bodyPr/>
+          <a:lstStyle/>
+          <a:p>
+            <a:fld id="{285B1C79-F169-4419-B9CE-18B4D58C4430}" type="slidenum">
+              <a:rPr lang="pl-PL" smtClean="0"/>
+              <a:pPr/>
+              <a:t>12</a:t>
+            </a:fld>
+            <a:endParaRPr lang="pl-PL"/>
+          </a:p>
+        </p:txBody>
+      </p:sp>
+    </p:spTree>
+  </p:cSld>
+  <p:clrMapOvr>
+    <a:masterClrMapping/>
+  </p:clrMapOvr>
+</p:notes>
+</file>
+
+<file path=ppt/notesSlides/notesSlide12.xml><?xml version="1.0" encoding="utf-8"?>
+<p:notes xmlns:a="http://schemas.openxmlformats.org/drawingml/2006/main" xmlns:r="http://schemas.openxmlformats.org/officeDocument/2006/relationships" xmlns:p="http://schemas.openxmlformats.org/presentationml/2006/main">
+  <p:cSld>
+    <p:spTree>
+      <p:nvGrpSpPr>
+        <p:cNvPr id="1" name=""/>
+        <p:cNvGrpSpPr/>
+        <p:nvPr/>
+      </p:nvGrpSpPr>
+      <p:grpSpPr>
+        <a:xfrm>
+          <a:off x="0" y="0"/>
+          <a:ext cx="0" cy="0"/>
+          <a:chOff x="0" y="0"/>
+          <a:chExt cx="0" cy="0"/>
+        </a:xfrm>
+      </p:grpSpPr>
+      <p:sp>
+        <p:nvSpPr>
+          <p:cNvPr id="2" name="Symbol zastępczy obrazu slajdu 1"/>
+          <p:cNvSpPr>
+            <a:spLocks noGrp="1" noRot="1" noChangeAspect="1"/>
+          </p:cNvSpPr>
+          <p:nvPr>
+            <p:ph type="sldImg"/>
+          </p:nvPr>
+        </p:nvSpPr>
+        <p:spPr/>
+      </p:sp>
+      <p:sp>
+        <p:nvSpPr>
+          <p:cNvPr id="3" name="Symbol zastępczy notatek 2"/>
+          <p:cNvSpPr>
+            <a:spLocks noGrp="1"/>
+          </p:cNvSpPr>
+          <p:nvPr>
+            <p:ph type="body" idx="1"/>
+          </p:nvPr>
+        </p:nvSpPr>
+        <p:spPr/>
+        <p:txBody>
+          <a:bodyPr>
+            <a:normAutofit/>
+          </a:bodyPr>
+          <a:lstStyle/>
+          <a:p>
+            <a:r>
+              <a:rPr lang="pl-PL" smtClean="0"/>
+              <a:t>Stelios</a:t>
+            </a:r>
+            <a:endParaRPr lang="pl-PL"/>
+          </a:p>
+        </p:txBody>
+      </p:sp>
+      <p:sp>
+        <p:nvSpPr>
+          <p:cNvPr id="4" name="Symbol zastępczy numeru slajdu 3"/>
+          <p:cNvSpPr>
+            <a:spLocks noGrp="1"/>
+          </p:cNvSpPr>
+          <p:nvPr>
+            <p:ph type="sldNum" sz="quarter" idx="10"/>
+          </p:nvPr>
+        </p:nvSpPr>
+        <p:spPr/>
+        <p:txBody>
+          <a:bodyPr/>
+          <a:lstStyle/>
+          <a:p>
+            <a:fld id="{285B1C79-F169-4419-B9CE-18B4D58C4430}" type="slidenum">
+              <a:rPr lang="pl-PL" smtClean="0"/>
+              <a:pPr/>
+              <a:t>13</a:t>
+            </a:fld>
+            <a:endParaRPr lang="pl-PL"/>
+          </a:p>
+        </p:txBody>
+      </p:sp>
+    </p:spTree>
+  </p:cSld>
+  <p:clrMapOvr>
+    <a:masterClrMapping/>
+  </p:clrMapOvr>
+</p:notes>
+</file>
+
+<file path=ppt/notesSlides/notesSlide13.xml><?xml version="1.0" encoding="utf-8"?>
+<p:notes xmlns:a="http://schemas.openxmlformats.org/drawingml/2006/main" xmlns:r="http://schemas.openxmlformats.org/officeDocument/2006/relationships" xmlns:p="http://schemas.openxmlformats.org/presentationml/2006/main">
+  <p:cSld>
+    <p:spTree>
+      <p:nvGrpSpPr>
+        <p:cNvPr id="1" name=""/>
+        <p:cNvGrpSpPr/>
+        <p:nvPr/>
+      </p:nvGrpSpPr>
+      <p:grpSpPr>
+        <a:xfrm>
+          <a:off x="0" y="0"/>
+          <a:ext cx="0" cy="0"/>
+          <a:chOff x="0" y="0"/>
+          <a:chExt cx="0" cy="0"/>
+        </a:xfrm>
+      </p:grpSpPr>
+      <p:sp>
+        <p:nvSpPr>
+          <p:cNvPr id="2" name="Symbol zastępczy obrazu slajdu 1"/>
+          <p:cNvSpPr>
+            <a:spLocks noGrp="1" noRot="1" noChangeAspect="1"/>
+          </p:cNvSpPr>
+          <p:nvPr>
+            <p:ph type="sldImg"/>
+          </p:nvPr>
+        </p:nvSpPr>
+        <p:spPr/>
+      </p:sp>
+      <p:sp>
+        <p:nvSpPr>
+          <p:cNvPr id="3" name="Symbol zastępczy notatek 2"/>
+          <p:cNvSpPr>
+            <a:spLocks noGrp="1"/>
+          </p:cNvSpPr>
+          <p:nvPr>
+            <p:ph type="body" idx="1"/>
+          </p:nvPr>
+        </p:nvSpPr>
+        <p:spPr/>
+        <p:txBody>
+          <a:bodyPr>
+            <a:normAutofit/>
+          </a:bodyPr>
+          <a:lstStyle/>
+          <a:p>
+            <a:r>
+              <a:rPr lang="pl-PL" smtClean="0"/>
+              <a:t>Marcin: As with</a:t>
+            </a:r>
+            <a:r>
+              <a:rPr lang="pl-PL" baseline="0" smtClean="0"/>
+              <a:t> every prototype, there are certain limitations to the current version of the software. The most obvious ones come from the tracking limitations of Kinect, OpenNI and NiTE. The range of the camera is restricted, and the velocity of movement in front of it can make the data reported from Kinect lag behind the movement of the subject. Additionally, a single OpenNI application only supports one camera on one computer, hence it is impossible to use multiple cameras, for improved tracking performance, using only one application and computer.</a:t>
+            </a:r>
+          </a:p>
+          <a:p>
+            <a:endParaRPr lang="pl-PL" baseline="0" smtClean="0"/>
+          </a:p>
+          <a:p>
+            <a:r>
+              <a:rPr lang="pl-PL" smtClean="0"/>
+              <a:t>As mentioned previously,</a:t>
+            </a:r>
+            <a:r>
+              <a:rPr lang="pl-PL" baseline="0" smtClean="0"/>
+              <a:t> occlusion can significantly distort the data. If Kinect loses track of at least one joint during the performance, the data will be corrupted and useless in the automatic scoring system. Therefore, partner dances, during which occlusion is unavoidable, are not supported.</a:t>
+            </a:r>
+          </a:p>
+          <a:p>
+            <a:endParaRPr lang="pl-PL" baseline="0" smtClean="0"/>
+          </a:p>
+          <a:p>
+            <a:r>
+              <a:rPr lang="pl-PL" baseline="0" smtClean="0"/>
+              <a:t>Also, since the algorithm uses the error squared as a primary metric to score the dance, significant height differences between the teacher and the student can potentially make the error bigger than it theoretically should be. However, in most cases this has been proven not to be a problem.</a:t>
+            </a:r>
+          </a:p>
+          <a:p>
+            <a:endParaRPr lang="pl-PL" baseline="0" smtClean="0"/>
+          </a:p>
+          <a:p>
+            <a:r>
+              <a:rPr lang="pl-PL" baseline="0" smtClean="0"/>
+              <a:t>Finally, specific instructions must be followed by the dancer prior to recording. In particular, the dancer needs to stand still in front of the camera for approximately 2 seconds before performing the dance, in order for the software to identify the beginning of the dance.</a:t>
+            </a:r>
+            <a:endParaRPr lang="pl-PL"/>
+          </a:p>
+        </p:txBody>
+      </p:sp>
+      <p:sp>
+        <p:nvSpPr>
+          <p:cNvPr id="4" name="Symbol zastępczy numeru slajdu 3"/>
+          <p:cNvSpPr>
+            <a:spLocks noGrp="1"/>
+          </p:cNvSpPr>
+          <p:nvPr>
+            <p:ph type="sldNum" sz="quarter" idx="10"/>
+          </p:nvPr>
+        </p:nvSpPr>
+        <p:spPr/>
+        <p:txBody>
+          <a:bodyPr/>
+          <a:lstStyle/>
+          <a:p>
+            <a:fld id="{285B1C79-F169-4419-B9CE-18B4D58C4430}" type="slidenum">
+              <a:rPr lang="pl-PL" smtClean="0"/>
+              <a:pPr/>
+              <a:t>14</a:t>
+            </a:fld>
+            <a:endParaRPr lang="pl-PL"/>
+          </a:p>
+        </p:txBody>
+      </p:sp>
+    </p:spTree>
+  </p:cSld>
+  <p:clrMapOvr>
+    <a:masterClrMapping/>
+  </p:clrMapOvr>
+</p:notes>
+</file>
+
+<file path=ppt/notesSlides/notesSlide14.xml><?xml version="1.0" encoding="utf-8"?>
+<p:notes xmlns:a="http://schemas.openxmlformats.org/drawingml/2006/main" xmlns:r="http://schemas.openxmlformats.org/officeDocument/2006/relationships" xmlns:p="http://schemas.openxmlformats.org/presentationml/2006/main">
+  <p:cSld>
+    <p:spTree>
+      <p:nvGrpSpPr>
+        <p:cNvPr id="1" name=""/>
+        <p:cNvGrpSpPr/>
+        <p:nvPr/>
+      </p:nvGrpSpPr>
+      <p:grpSpPr>
+        <a:xfrm>
+          <a:off x="0" y="0"/>
+          <a:ext cx="0" cy="0"/>
+          <a:chOff x="0" y="0"/>
+          <a:chExt cx="0" cy="0"/>
+        </a:xfrm>
+      </p:grpSpPr>
+      <p:sp>
+        <p:nvSpPr>
+          <p:cNvPr id="2" name="Slide Image Placeholder 1"/>
+          <p:cNvSpPr>
+            <a:spLocks noGrp="1" noRot="1" noChangeAspect="1"/>
+          </p:cNvSpPr>
+          <p:nvPr>
+            <p:ph type="sldImg"/>
+          </p:nvPr>
+        </p:nvSpPr>
+        <p:spPr/>
+      </p:sp>
+      <p:sp>
+        <p:nvSpPr>
+          <p:cNvPr id="3" name="Notes Placeholder 2"/>
+          <p:cNvSpPr>
+            <a:spLocks noGrp="1"/>
+          </p:cNvSpPr>
+          <p:nvPr>
+            <p:ph type="body" idx="1"/>
+          </p:nvPr>
+        </p:nvSpPr>
+        <p:spPr/>
+        <p:txBody>
+          <a:bodyPr>
+            <a:normAutofit/>
+          </a:bodyPr>
+          <a:lstStyle/>
+          <a:p>
+            <a:r>
+              <a:rPr lang="pl-PL" smtClean="0"/>
+              <a:t>Theo: </a:t>
+            </a:r>
+            <a:r>
+              <a:rPr lang="en-US" smtClean="0"/>
+              <a:t>Problem</a:t>
+            </a:r>
+            <a:r>
+              <a:rPr lang="en-US" baseline="0" smtClean="0"/>
+              <a:t> </a:t>
+            </a:r>
+            <a:r>
+              <a:rPr lang="en-US" baseline="0" dirty="0" smtClean="0"/>
+              <a:t>definition: teacher – students ratio.</a:t>
+            </a:r>
+          </a:p>
+          <a:p>
+            <a:r>
+              <a:rPr lang="en-US" baseline="0" dirty="0" smtClean="0"/>
+              <a:t>- Approach a ratio of 1</a:t>
+            </a:r>
+          </a:p>
+          <a:p>
+            <a:r>
+              <a:rPr lang="en-US" baseline="0" dirty="0" smtClean="0"/>
+              <a:t>- More accurate student-specific and dance-specific (see weightings) feedback</a:t>
+            </a:r>
+          </a:p>
+          <a:p>
+            <a:r>
+              <a:rPr lang="en-US" baseline="0" dirty="0" smtClean="0"/>
+              <a:t>- Homework</a:t>
+            </a:r>
+          </a:p>
+          <a:p>
+            <a:r>
+              <a:rPr lang="en-US" baseline="0" dirty="0" smtClean="0"/>
+              <a:t>- Possible to revolutionize dance classrooms</a:t>
+            </a:r>
+          </a:p>
+          <a:p>
+            <a:pPr>
+              <a:buFontTx/>
+              <a:buChar char="-"/>
+            </a:pPr>
+            <a:r>
+              <a:rPr lang="pl-PL" baseline="0" smtClean="0"/>
+              <a:t> </a:t>
+            </a:r>
+            <a:r>
+              <a:rPr lang="en-US" baseline="0" smtClean="0"/>
+              <a:t>Possible </a:t>
+            </a:r>
+            <a:r>
+              <a:rPr lang="en-US" baseline="0" dirty="0" smtClean="0"/>
+              <a:t>extension to online courses (</a:t>
+            </a:r>
+            <a:r>
+              <a:rPr lang="en-US" baseline="0" dirty="0" err="1" smtClean="0"/>
+              <a:t>eg</a:t>
+            </a:r>
+            <a:r>
+              <a:rPr lang="en-US" baseline="0" dirty="0" smtClean="0"/>
+              <a:t> online guitar courses)</a:t>
+            </a:r>
+          </a:p>
+          <a:p>
+            <a:pPr>
+              <a:buFontTx/>
+              <a:buChar char="-"/>
+            </a:pPr>
+            <a:r>
+              <a:rPr lang="en-US" baseline="0" dirty="0" smtClean="0"/>
+              <a:t> Automated, reliable marking (trained by professionals)</a:t>
+            </a:r>
+            <a:endParaRPr lang="en-GB" baseline="0" dirty="0" smtClean="0"/>
+          </a:p>
+          <a:p>
+            <a:pPr>
+              <a:buFontTx/>
+              <a:buNone/>
+            </a:pPr>
+            <a:r>
+              <a:rPr lang="en-US" baseline="0" dirty="0" smtClean="0"/>
+              <a:t>- Can be extended to other activities (martial arts, aerobics, etc)</a:t>
+            </a:r>
+          </a:p>
+        </p:txBody>
+      </p:sp>
+      <p:sp>
+        <p:nvSpPr>
+          <p:cNvPr id="4" name="Slide Number Placeholder 3"/>
+          <p:cNvSpPr>
+            <a:spLocks noGrp="1"/>
+          </p:cNvSpPr>
+          <p:nvPr>
+            <p:ph type="sldNum" sz="quarter" idx="10"/>
+          </p:nvPr>
+        </p:nvSpPr>
+        <p:spPr/>
+        <p:txBody>
+          <a:bodyPr/>
+          <a:lstStyle/>
+          <a:p>
+            <a:fld id="{285B1C79-F169-4419-B9CE-18B4D58C4430}" type="slidenum">
+              <a:rPr lang="pl-PL" smtClean="0"/>
+              <a:pPr/>
+              <a:t>15</a:t>
+            </a:fld>
+            <a:endParaRPr lang="pl-PL"/>
+          </a:p>
+        </p:txBody>
+      </p:sp>
+    </p:spTree>
+  </p:cSld>
+  <p:clrMapOvr>
+    <a:masterClrMapping/>
+  </p:clrMapOvr>
+</p:notes>
+</file>
+
+<file path=ppt/notesSlides/notesSlide15.xml><?xml version="1.0" encoding="utf-8"?>
+<p:notes xmlns:a="http://schemas.openxmlformats.org/drawingml/2006/main" xmlns:r="http://schemas.openxmlformats.org/officeDocument/2006/relationships" xmlns:p="http://schemas.openxmlformats.org/presentationml/2006/main">
+  <p:cSld>
+    <p:spTree>
+      <p:nvGrpSpPr>
+        <p:cNvPr id="1" name=""/>
+        <p:cNvGrpSpPr/>
+        <p:nvPr/>
+      </p:nvGrpSpPr>
+      <p:grpSpPr>
+        <a:xfrm>
+          <a:off x="0" y="0"/>
+          <a:ext cx="0" cy="0"/>
+          <a:chOff x="0" y="0"/>
+          <a:chExt cx="0" cy="0"/>
+        </a:xfrm>
+      </p:grpSpPr>
+      <p:sp>
+        <p:nvSpPr>
+          <p:cNvPr id="2" name="Slide Image Placeholder 1"/>
+          <p:cNvSpPr>
+            <a:spLocks noGrp="1" noRot="1" noChangeAspect="1"/>
+          </p:cNvSpPr>
+          <p:nvPr>
+            <p:ph type="sldImg"/>
+          </p:nvPr>
+        </p:nvSpPr>
+        <p:spPr/>
+      </p:sp>
+      <p:sp>
+        <p:nvSpPr>
+          <p:cNvPr id="3" name="Notes Placeholder 2"/>
+          <p:cNvSpPr>
+            <a:spLocks noGrp="1"/>
+          </p:cNvSpPr>
+          <p:nvPr>
+            <p:ph type="body" idx="1"/>
+          </p:nvPr>
+        </p:nvSpPr>
+        <p:spPr/>
+        <p:txBody>
+          <a:bodyPr>
+            <a:normAutofit/>
+          </a:bodyPr>
+          <a:lstStyle/>
+          <a:p>
+            <a:r>
+              <a:rPr lang="pl-PL" baseline="0" smtClean="0"/>
+              <a:t>Theo</a:t>
+            </a:r>
+            <a:endParaRPr lang="en-US" baseline="0" dirty="0" smtClean="0"/>
+          </a:p>
+        </p:txBody>
+      </p:sp>
+      <p:sp>
+        <p:nvSpPr>
+          <p:cNvPr id="4" name="Slide Number Placeholder 3"/>
+          <p:cNvSpPr>
+            <a:spLocks noGrp="1"/>
+          </p:cNvSpPr>
+          <p:nvPr>
+            <p:ph type="sldNum" sz="quarter" idx="10"/>
+          </p:nvPr>
+        </p:nvSpPr>
+        <p:spPr/>
+        <p:txBody>
+          <a:bodyPr/>
+          <a:lstStyle/>
+          <a:p>
+            <a:fld id="{285B1C79-F169-4419-B9CE-18B4D58C4430}" type="slidenum">
+              <a:rPr lang="pl-PL" smtClean="0"/>
+              <a:pPr/>
+              <a:t>16</a:t>
+            </a:fld>
+            <a:endParaRPr lang="pl-PL"/>
+          </a:p>
+        </p:txBody>
+      </p:sp>
+    </p:spTree>
+  </p:cSld>
+  <p:clrMapOvr>
+    <a:masterClrMapping/>
+  </p:clrMapOvr>
+</p:notes>
+</file>
+
+<file path=ppt/notesSlides/notesSlide16.xml><?xml version="1.0" encoding="utf-8"?>
+<p:notes xmlns:a="http://schemas.openxmlformats.org/drawingml/2006/main" xmlns:r="http://schemas.openxmlformats.org/officeDocument/2006/relationships" xmlns:p="http://schemas.openxmlformats.org/presentationml/2006/main">
+  <p:cSld>
+    <p:spTree>
+      <p:nvGrpSpPr>
+        <p:cNvPr id="1" name=""/>
+        <p:cNvGrpSpPr/>
+        <p:nvPr/>
+      </p:nvGrpSpPr>
+      <p:grpSpPr>
+        <a:xfrm>
+          <a:off x="0" y="0"/>
+          <a:ext cx="0" cy="0"/>
+          <a:chOff x="0" y="0"/>
+          <a:chExt cx="0" cy="0"/>
+        </a:xfrm>
+      </p:grpSpPr>
+      <p:sp>
+        <p:nvSpPr>
+          <p:cNvPr id="2" name="Symbol zastępczy obrazu slajdu 1"/>
+          <p:cNvSpPr>
+            <a:spLocks noGrp="1" noRot="1" noChangeAspect="1"/>
+          </p:cNvSpPr>
+          <p:nvPr>
+            <p:ph type="sldImg"/>
+          </p:nvPr>
+        </p:nvSpPr>
+        <p:spPr/>
+      </p:sp>
+      <p:sp>
+        <p:nvSpPr>
+          <p:cNvPr id="3" name="Symbol zastępczy notatek 2"/>
+          <p:cNvSpPr>
+            <a:spLocks noGrp="1"/>
+          </p:cNvSpPr>
+          <p:nvPr>
+            <p:ph type="body" idx="1"/>
+          </p:nvPr>
+        </p:nvSpPr>
+        <p:spPr/>
+        <p:txBody>
+          <a:bodyPr>
+            <a:normAutofit/>
+          </a:bodyPr>
+          <a:lstStyle/>
+          <a:p>
+            <a:r>
+              <a:rPr lang="pl-PL" smtClean="0"/>
+              <a:t>Theo</a:t>
+            </a:r>
+            <a:endParaRPr lang="pl-PL"/>
+          </a:p>
+        </p:txBody>
+      </p:sp>
+      <p:sp>
+        <p:nvSpPr>
+          <p:cNvPr id="4" name="Symbol zastępczy numeru slajdu 3"/>
+          <p:cNvSpPr>
+            <a:spLocks noGrp="1"/>
+          </p:cNvSpPr>
+          <p:nvPr>
+            <p:ph type="sldNum" sz="quarter" idx="10"/>
+          </p:nvPr>
+        </p:nvSpPr>
+        <p:spPr/>
+        <p:txBody>
+          <a:bodyPr/>
+          <a:lstStyle/>
+          <a:p>
+            <a:fld id="{285B1C79-F169-4419-B9CE-18B4D58C4430}" type="slidenum">
+              <a:rPr lang="pl-PL" smtClean="0"/>
+              <a:pPr/>
+              <a:t>17</a:t>
             </a:fld>
             <a:endParaRPr lang="pl-PL"/>
           </a:p>
@@ -585,7 +1299,7 @@
       </p:grpSpPr>
       <p:sp>
         <p:nvSpPr>
-          <p:cNvPr id="2" name="Slide Image Placeholder 1"/>
+          <p:cNvPr id="2" name="Symbol zastępczy obrazu slajdu 1"/>
           <p:cNvSpPr>
             <a:spLocks noGrp="1" noRot="1" noChangeAspect="1"/>
           </p:cNvSpPr>
@@ -597,7 +1311,7 @@
       </p:sp>
       <p:sp>
         <p:nvSpPr>
-          <p:cNvPr id="3" name="Notes Placeholder 2"/>
+          <p:cNvPr id="3" name="Symbol zastępczy notatek 2"/>
           <p:cNvSpPr>
             <a:spLocks noGrp="1"/>
           </p:cNvSpPr>
@@ -613,90 +1327,59 @@
           <a:lstStyle/>
           <a:p>
             <a:r>
-              <a:rPr lang="en-US" dirty="0" smtClean="0"/>
-              <a:t>Problem</a:t>
-            </a:r>
-            <a:r>
-              <a:rPr lang="en-US" baseline="0" dirty="0" smtClean="0"/>
-              <a:t> definition: teacher – students ratio.</a:t>
-            </a:r>
-          </a:p>
-          <a:p>
-            <a:r>
-              <a:rPr lang="en-US" baseline="0" dirty="0" smtClean="0"/>
-              <a:t>- Approach a ratio of 1</a:t>
-            </a:r>
-          </a:p>
-          <a:p>
-            <a:r>
-              <a:rPr lang="en-US" baseline="0" dirty="0" smtClean="0"/>
-              <a:t>- More accurate student-specific and dance-specific (see weightings) feedback</a:t>
-            </a:r>
-          </a:p>
-          <a:p>
-            <a:r>
-              <a:rPr lang="en-US" baseline="0" dirty="0" smtClean="0"/>
-              <a:t>- Homework</a:t>
-            </a:r>
-          </a:p>
-          <a:p>
-            <a:r>
-              <a:rPr lang="en-US" baseline="0" dirty="0" smtClean="0"/>
-              <a:t>- Possible to revolutionize dance classrooms</a:t>
-            </a:r>
-          </a:p>
-          <a:p>
-            <a:pPr>
-              <a:buFontTx/>
-              <a:buChar char="-"/>
-            </a:pPr>
+              <a:rPr lang="pl-PL" smtClean="0"/>
+              <a:t>Marcin:</a:t>
+            </a:r>
             <a:r>
               <a:rPr lang="pl-PL" baseline="0" smtClean="0"/>
               <a:t> </a:t>
             </a:r>
             <a:r>
-              <a:rPr lang="en-US" baseline="0" smtClean="0"/>
-              <a:t>Possible </a:t>
-            </a:r>
-            <a:r>
-              <a:rPr lang="en-US" baseline="0" dirty="0" smtClean="0"/>
-              <a:t>extension to online courses (</a:t>
-            </a:r>
-            <a:r>
-              <a:rPr lang="en-US" baseline="0" dirty="0" err="1" smtClean="0"/>
-              <a:t>eg</a:t>
-            </a:r>
-            <a:r>
-              <a:rPr lang="en-US" baseline="0" dirty="0" smtClean="0"/>
-              <a:t> online guitar courses)</a:t>
-            </a:r>
-          </a:p>
-          <a:p>
-            <a:pPr>
-              <a:buFontTx/>
-              <a:buChar char="-"/>
-            </a:pPr>
-            <a:r>
-              <a:rPr lang="en-US" baseline="0" dirty="0" smtClean="0"/>
-              <a:t> Automated, reliable marking (trained by professionals)</a:t>
-            </a:r>
-            <a:endParaRPr lang="en-GB" baseline="0" dirty="0" smtClean="0"/>
-          </a:p>
-          <a:p>
-            <a:pPr>
-              <a:buFontTx/>
-              <a:buNone/>
-            </a:pPr>
-            <a:r>
-              <a:rPr lang="en-US" baseline="0" dirty="0" smtClean="0"/>
-              <a:t>- Can be extended to other activities (martial arts, aerobics, etc)</a:t>
-            </a:r>
-          </a:p>
-        </p:txBody>
-      </p:sp>
-      <p:sp>
-        <p:nvSpPr>
-          <p:cNvPr id="4" name="Slide Number Placeholder 3"/>
+              <a:rPr lang="pl-PL" smtClean="0"/>
+              <a:t>An </a:t>
+            </a:r>
+            <a:r>
+              <a:rPr lang="pl-PL" smtClean="0"/>
+              <a:t>emergence of affordable RGB-D cameras, such as Microsoft Kinect or Asus Xtion, has lead a development of applications with a completely new type of user interaction, called the natural interface.</a:t>
+            </a:r>
+            <a:r>
+              <a:rPr lang="pl-PL" baseline="0" smtClean="0"/>
+              <a:t> </a:t>
+            </a:r>
+            <a:r>
+              <a:rPr lang="pl-PL" smtClean="0"/>
+              <a:t>With an RGB-D camera, users are not required to hold any controllers in their hands, but instead perform gestures in front of the camera, which are automatically interpreted by the device. This gestures are</a:t>
+            </a:r>
+            <a:r>
+              <a:rPr lang="pl-PL" baseline="0" smtClean="0"/>
+              <a:t> recognised due to the </a:t>
+            </a:r>
+            <a:r>
+              <a:rPr lang="pl-PL" baseline="0" smtClean="0"/>
+              <a:t>camera’s </a:t>
+            </a:r>
+            <a:r>
+              <a:rPr lang="pl-PL" baseline="0" smtClean="0"/>
+              <a:t>ability to capture the depth stream, in addition to the traditional color stream, which allows to create an essentially 3D picture inside the camera.</a:t>
+            </a:r>
+            <a:endParaRPr lang="pl-PL" smtClean="0"/>
+          </a:p>
+          <a:p>
+            <a:r>
+              <a:rPr lang="pl-PL" smtClean="0"/>
+              <a:t>RGB-D</a:t>
+            </a:r>
+            <a:r>
+              <a:rPr lang="pl-PL" baseline="0" smtClean="0"/>
+              <a:t> cameras, together with open source frameworks for programming them, such as OpenNI and NiTE, opened doors for many custom applications based on this technology. OpenNI is a Software Development Kit which allows to communicate with the camera and access the data captured by it, while NiTE is a set of classes to fit a human skeleton to the video stream from Kinect.</a:t>
+            </a:r>
+            <a:endParaRPr lang="pl-PL" smtClean="0"/>
+          </a:p>
+        </p:txBody>
+      </p:sp>
+      <p:sp>
+        <p:nvSpPr>
+          <p:cNvPr id="4" name="Symbol zastępczy numeru slajdu 3"/>
           <p:cNvSpPr>
             <a:spLocks noGrp="1"/>
           </p:cNvSpPr>
@@ -712,7 +1395,7 @@
             <a:fld id="{285B1C79-F169-4419-B9CE-18B4D58C4430}" type="slidenum">
               <a:rPr lang="pl-PL" smtClean="0"/>
               <a:pPr/>
-              <a:t>15</a:t>
+              <a:t>2</a:t>
             </a:fld>
             <a:endParaRPr lang="pl-PL"/>
           </a:p>
@@ -745,7 +1428,7 @@
       </p:grpSpPr>
       <p:sp>
         <p:nvSpPr>
-          <p:cNvPr id="2" name="Slide Image Placeholder 1"/>
+          <p:cNvPr id="2" name="Symbol zastępczy obrazu slajdu 1"/>
           <p:cNvSpPr>
             <a:spLocks noGrp="1" noRot="1" noChangeAspect="1"/>
           </p:cNvSpPr>
@@ -757,7 +1440,7 @@
       </p:sp>
       <p:sp>
         <p:nvSpPr>
-          <p:cNvPr id="3" name="Notes Placeholder 2"/>
+          <p:cNvPr id="3" name="Symbol zastępczy notatek 2"/>
           <p:cNvSpPr>
             <a:spLocks noGrp="1"/>
           </p:cNvSpPr>
@@ -772,13 +1455,51 @@
           </a:bodyPr>
           <a:lstStyle/>
           <a:p>
-            <a:endParaRPr lang="en-US" baseline="0" dirty="0" smtClean="0"/>
-          </a:p>
-        </p:txBody>
-      </p:sp>
-      <p:sp>
-        <p:nvSpPr>
-          <p:cNvPr id="4" name="Slide Number Placeholder 3"/>
+            <a:r>
+              <a:rPr lang="pl-PL" smtClean="0"/>
+              <a:t>Marcin</a:t>
+            </a:r>
+            <a:r>
+              <a:rPr lang="pl-PL" baseline="0" smtClean="0"/>
+              <a:t>: </a:t>
+            </a:r>
+            <a:r>
+              <a:rPr lang="pl-PL" smtClean="0"/>
+              <a:t>The </a:t>
+            </a:r>
+            <a:r>
+              <a:rPr lang="pl-PL" smtClean="0"/>
+              <a:t>main aim of our project was to bring Kinect</a:t>
+            </a:r>
+            <a:r>
+              <a:rPr lang="pl-PL" baseline="0" smtClean="0"/>
+              <a:t> technology to a dance classroom. In order to make this possible, initially we needed to evaluate the tracking capabilities of both the hardware and the corresponding software. This was essential, in order to identify how robust the technology is, and what features are feasible to be implemented.</a:t>
+            </a:r>
+          </a:p>
+          <a:p>
+            <a:r>
+              <a:rPr lang="pl-PL" smtClean="0"/>
+              <a:t>After evaluation, the focus</a:t>
+            </a:r>
+            <a:r>
+              <a:rPr lang="pl-PL" baseline="0" smtClean="0"/>
+              <a:t> was to </a:t>
+            </a:r>
+            <a:r>
+              <a:rPr lang="pl-PL" smtClean="0"/>
+              <a:t>develop a software for recording and replaying the dancing. However,</a:t>
+            </a:r>
+            <a:r>
+              <a:rPr lang="pl-PL" baseline="0" smtClean="0"/>
+              <a:t> the core of the project lies in the algorithms for automatic comparison of two dance performances. </a:t>
+            </a:r>
+            <a:endParaRPr lang="pl-PL"/>
+          </a:p>
+        </p:txBody>
+      </p:sp>
+      <p:sp>
+        <p:nvSpPr>
+          <p:cNvPr id="4" name="Symbol zastępczy numeru slajdu 3"/>
           <p:cNvSpPr>
             <a:spLocks noGrp="1"/>
           </p:cNvSpPr>
@@ -794,7 +1515,530 @@
             <a:fld id="{285B1C79-F169-4419-B9CE-18B4D58C4430}" type="slidenum">
               <a:rPr lang="pl-PL" smtClean="0"/>
               <a:pPr/>
-              <a:t>16</a:t>
+              <a:t>3</a:t>
+            </a:fld>
+            <a:endParaRPr lang="pl-PL"/>
+          </a:p>
+        </p:txBody>
+      </p:sp>
+    </p:spTree>
+  </p:cSld>
+  <p:clrMapOvr>
+    <a:masterClrMapping/>
+  </p:clrMapOvr>
+</p:notes>
+</file>
+
+<file path=ppt/notesSlides/notesSlide4.xml><?xml version="1.0" encoding="utf-8"?>
+<p:notes xmlns:a="http://schemas.openxmlformats.org/drawingml/2006/main" xmlns:r="http://schemas.openxmlformats.org/officeDocument/2006/relationships" xmlns:p="http://schemas.openxmlformats.org/presentationml/2006/main">
+  <p:cSld>
+    <p:spTree>
+      <p:nvGrpSpPr>
+        <p:cNvPr id="1" name=""/>
+        <p:cNvGrpSpPr/>
+        <p:nvPr/>
+      </p:nvGrpSpPr>
+      <p:grpSpPr>
+        <a:xfrm>
+          <a:off x="0" y="0"/>
+          <a:ext cx="0" cy="0"/>
+          <a:chOff x="0" y="0"/>
+          <a:chExt cx="0" cy="0"/>
+        </a:xfrm>
+      </p:grpSpPr>
+      <p:sp>
+        <p:nvSpPr>
+          <p:cNvPr id="2" name="Symbol zastępczy obrazu slajdu 1"/>
+          <p:cNvSpPr>
+            <a:spLocks noGrp="1" noRot="1" noChangeAspect="1"/>
+          </p:cNvSpPr>
+          <p:nvPr>
+            <p:ph type="sldImg"/>
+          </p:nvPr>
+        </p:nvSpPr>
+        <p:spPr/>
+      </p:sp>
+      <p:sp>
+        <p:nvSpPr>
+          <p:cNvPr id="3" name="Symbol zastępczy notatek 2"/>
+          <p:cNvSpPr>
+            <a:spLocks noGrp="1"/>
+          </p:cNvSpPr>
+          <p:nvPr>
+            <p:ph type="body" idx="1"/>
+          </p:nvPr>
+        </p:nvSpPr>
+        <p:spPr/>
+        <p:txBody>
+          <a:bodyPr>
+            <a:normAutofit/>
+          </a:bodyPr>
+          <a:lstStyle/>
+          <a:p>
+            <a:r>
+              <a:rPr lang="pl-PL" smtClean="0"/>
+              <a:t>Marcin: So</a:t>
+            </a:r>
+            <a:r>
+              <a:rPr lang="pl-PL" smtClean="0"/>
+              <a:t>, in</a:t>
+            </a:r>
+            <a:r>
+              <a:rPr lang="pl-PL" baseline="0" smtClean="0"/>
+              <a:t> the presentation we are going to briefly describe the results of our evaluation, and then proceed to talking about the automatic scoring system. After that, we will demonstrate the prototype application and what it can currently do. We will also describe the extensions which we have thought of, and the ones which were eventually implemented. At the end, we will talk briefly about the commercial aspect of the entire project.</a:t>
+            </a:r>
+            <a:endParaRPr lang="pl-PL"/>
+          </a:p>
+        </p:txBody>
+      </p:sp>
+      <p:sp>
+        <p:nvSpPr>
+          <p:cNvPr id="4" name="Symbol zastępczy numeru slajdu 3"/>
+          <p:cNvSpPr>
+            <a:spLocks noGrp="1"/>
+          </p:cNvSpPr>
+          <p:nvPr>
+            <p:ph type="sldNum" sz="quarter" idx="10"/>
+          </p:nvPr>
+        </p:nvSpPr>
+        <p:spPr/>
+        <p:txBody>
+          <a:bodyPr/>
+          <a:lstStyle/>
+          <a:p>
+            <a:fld id="{285B1C79-F169-4419-B9CE-18B4D58C4430}" type="slidenum">
+              <a:rPr lang="pl-PL" smtClean="0"/>
+              <a:pPr/>
+              <a:t>4</a:t>
+            </a:fld>
+            <a:endParaRPr lang="pl-PL"/>
+          </a:p>
+        </p:txBody>
+      </p:sp>
+    </p:spTree>
+  </p:cSld>
+  <p:clrMapOvr>
+    <a:masterClrMapping/>
+  </p:clrMapOvr>
+</p:notes>
+</file>
+
+<file path=ppt/notesSlides/notesSlide5.xml><?xml version="1.0" encoding="utf-8"?>
+<p:notes xmlns:a="http://schemas.openxmlformats.org/drawingml/2006/main" xmlns:r="http://schemas.openxmlformats.org/officeDocument/2006/relationships" xmlns:p="http://schemas.openxmlformats.org/presentationml/2006/main">
+  <p:cSld>
+    <p:spTree>
+      <p:nvGrpSpPr>
+        <p:cNvPr id="1" name=""/>
+        <p:cNvGrpSpPr/>
+        <p:nvPr/>
+      </p:nvGrpSpPr>
+      <p:grpSpPr>
+        <a:xfrm>
+          <a:off x="0" y="0"/>
+          <a:ext cx="0" cy="0"/>
+          <a:chOff x="0" y="0"/>
+          <a:chExt cx="0" cy="0"/>
+        </a:xfrm>
+      </p:grpSpPr>
+      <p:sp>
+        <p:nvSpPr>
+          <p:cNvPr id="2" name="Symbol zastępczy obrazu slajdu 1"/>
+          <p:cNvSpPr>
+            <a:spLocks noGrp="1" noRot="1" noChangeAspect="1"/>
+          </p:cNvSpPr>
+          <p:nvPr>
+            <p:ph type="sldImg"/>
+          </p:nvPr>
+        </p:nvSpPr>
+        <p:spPr/>
+      </p:sp>
+      <p:sp>
+        <p:nvSpPr>
+          <p:cNvPr id="3" name="Symbol zastępczy notatek 2"/>
+          <p:cNvSpPr>
+            <a:spLocks noGrp="1"/>
+          </p:cNvSpPr>
+          <p:nvPr>
+            <p:ph type="body" idx="1"/>
+          </p:nvPr>
+        </p:nvSpPr>
+        <p:spPr/>
+        <p:txBody>
+          <a:bodyPr>
+            <a:normAutofit/>
+          </a:bodyPr>
+          <a:lstStyle/>
+          <a:p>
+            <a:r>
+              <a:rPr lang="pl-PL" smtClean="0"/>
+              <a:t>Stelios</a:t>
+            </a:r>
+            <a:endParaRPr lang="pl-PL"/>
+          </a:p>
+        </p:txBody>
+      </p:sp>
+      <p:sp>
+        <p:nvSpPr>
+          <p:cNvPr id="4" name="Symbol zastępczy numeru slajdu 3"/>
+          <p:cNvSpPr>
+            <a:spLocks noGrp="1"/>
+          </p:cNvSpPr>
+          <p:nvPr>
+            <p:ph type="sldNum" sz="quarter" idx="10"/>
+          </p:nvPr>
+        </p:nvSpPr>
+        <p:spPr/>
+        <p:txBody>
+          <a:bodyPr/>
+          <a:lstStyle/>
+          <a:p>
+            <a:fld id="{285B1C79-F169-4419-B9CE-18B4D58C4430}" type="slidenum">
+              <a:rPr lang="pl-PL" smtClean="0"/>
+              <a:pPr/>
+              <a:t>5</a:t>
+            </a:fld>
+            <a:endParaRPr lang="pl-PL"/>
+          </a:p>
+        </p:txBody>
+      </p:sp>
+    </p:spTree>
+  </p:cSld>
+  <p:clrMapOvr>
+    <a:masterClrMapping/>
+  </p:clrMapOvr>
+</p:notes>
+</file>
+
+<file path=ppt/notesSlides/notesSlide6.xml><?xml version="1.0" encoding="utf-8"?>
+<p:notes xmlns:a="http://schemas.openxmlformats.org/drawingml/2006/main" xmlns:r="http://schemas.openxmlformats.org/officeDocument/2006/relationships" xmlns:p="http://schemas.openxmlformats.org/presentationml/2006/main">
+  <p:cSld>
+    <p:spTree>
+      <p:nvGrpSpPr>
+        <p:cNvPr id="1" name=""/>
+        <p:cNvGrpSpPr/>
+        <p:nvPr/>
+      </p:nvGrpSpPr>
+      <p:grpSpPr>
+        <a:xfrm>
+          <a:off x="0" y="0"/>
+          <a:ext cx="0" cy="0"/>
+          <a:chOff x="0" y="0"/>
+          <a:chExt cx="0" cy="0"/>
+        </a:xfrm>
+      </p:grpSpPr>
+      <p:sp>
+        <p:nvSpPr>
+          <p:cNvPr id="2" name="Symbol zastępczy obrazu slajdu 1"/>
+          <p:cNvSpPr>
+            <a:spLocks noGrp="1" noRot="1" noChangeAspect="1"/>
+          </p:cNvSpPr>
+          <p:nvPr>
+            <p:ph type="sldImg"/>
+          </p:nvPr>
+        </p:nvSpPr>
+        <p:spPr/>
+      </p:sp>
+      <p:sp>
+        <p:nvSpPr>
+          <p:cNvPr id="3" name="Symbol zastępczy notatek 2"/>
+          <p:cNvSpPr>
+            <a:spLocks noGrp="1"/>
+          </p:cNvSpPr>
+          <p:nvPr>
+            <p:ph type="body" idx="1"/>
+          </p:nvPr>
+        </p:nvSpPr>
+        <p:spPr/>
+        <p:txBody>
+          <a:bodyPr>
+            <a:normAutofit/>
+          </a:bodyPr>
+          <a:lstStyle/>
+          <a:p>
+            <a:r>
+              <a:rPr lang="pl-PL" smtClean="0"/>
+              <a:t>Stelios</a:t>
+            </a:r>
+            <a:endParaRPr lang="pl-PL"/>
+          </a:p>
+        </p:txBody>
+      </p:sp>
+      <p:sp>
+        <p:nvSpPr>
+          <p:cNvPr id="4" name="Symbol zastępczy numeru slajdu 3"/>
+          <p:cNvSpPr>
+            <a:spLocks noGrp="1"/>
+          </p:cNvSpPr>
+          <p:nvPr>
+            <p:ph type="sldNum" sz="quarter" idx="10"/>
+          </p:nvPr>
+        </p:nvSpPr>
+        <p:spPr/>
+        <p:txBody>
+          <a:bodyPr/>
+          <a:lstStyle/>
+          <a:p>
+            <a:fld id="{285B1C79-F169-4419-B9CE-18B4D58C4430}" type="slidenum">
+              <a:rPr lang="pl-PL" smtClean="0"/>
+              <a:pPr/>
+              <a:t>6</a:t>
+            </a:fld>
+            <a:endParaRPr lang="pl-PL"/>
+          </a:p>
+        </p:txBody>
+      </p:sp>
+    </p:spTree>
+  </p:cSld>
+  <p:clrMapOvr>
+    <a:masterClrMapping/>
+  </p:clrMapOvr>
+</p:notes>
+</file>
+
+<file path=ppt/notesSlides/notesSlide7.xml><?xml version="1.0" encoding="utf-8"?>
+<p:notes xmlns:a="http://schemas.openxmlformats.org/drawingml/2006/main" xmlns:r="http://schemas.openxmlformats.org/officeDocument/2006/relationships" xmlns:p="http://schemas.openxmlformats.org/presentationml/2006/main">
+  <p:cSld>
+    <p:spTree>
+      <p:nvGrpSpPr>
+        <p:cNvPr id="1" name=""/>
+        <p:cNvGrpSpPr/>
+        <p:nvPr/>
+      </p:nvGrpSpPr>
+      <p:grpSpPr>
+        <a:xfrm>
+          <a:off x="0" y="0"/>
+          <a:ext cx="0" cy="0"/>
+          <a:chOff x="0" y="0"/>
+          <a:chExt cx="0" cy="0"/>
+        </a:xfrm>
+      </p:grpSpPr>
+      <p:sp>
+        <p:nvSpPr>
+          <p:cNvPr id="2" name="Symbol zastępczy obrazu slajdu 1"/>
+          <p:cNvSpPr>
+            <a:spLocks noGrp="1" noRot="1" noChangeAspect="1"/>
+          </p:cNvSpPr>
+          <p:nvPr>
+            <p:ph type="sldImg"/>
+          </p:nvPr>
+        </p:nvSpPr>
+        <p:spPr/>
+      </p:sp>
+      <p:sp>
+        <p:nvSpPr>
+          <p:cNvPr id="3" name="Symbol zastępczy notatek 2"/>
+          <p:cNvSpPr>
+            <a:spLocks noGrp="1"/>
+          </p:cNvSpPr>
+          <p:nvPr>
+            <p:ph type="body" idx="1"/>
+          </p:nvPr>
+        </p:nvSpPr>
+        <p:spPr/>
+        <p:txBody>
+          <a:bodyPr>
+            <a:normAutofit/>
+          </a:bodyPr>
+          <a:lstStyle/>
+          <a:p>
+            <a:r>
+              <a:rPr lang="pl-PL" smtClean="0"/>
+              <a:t>Theo</a:t>
+            </a:r>
+            <a:endParaRPr lang="pl-PL"/>
+          </a:p>
+        </p:txBody>
+      </p:sp>
+      <p:sp>
+        <p:nvSpPr>
+          <p:cNvPr id="4" name="Symbol zastępczy numeru slajdu 3"/>
+          <p:cNvSpPr>
+            <a:spLocks noGrp="1"/>
+          </p:cNvSpPr>
+          <p:nvPr>
+            <p:ph type="sldNum" sz="quarter" idx="10"/>
+          </p:nvPr>
+        </p:nvSpPr>
+        <p:spPr/>
+        <p:txBody>
+          <a:bodyPr/>
+          <a:lstStyle/>
+          <a:p>
+            <a:fld id="{285B1C79-F169-4419-B9CE-18B4D58C4430}" type="slidenum">
+              <a:rPr lang="pl-PL" smtClean="0"/>
+              <a:pPr/>
+              <a:t>7</a:t>
+            </a:fld>
+            <a:endParaRPr lang="pl-PL"/>
+          </a:p>
+        </p:txBody>
+      </p:sp>
+    </p:spTree>
+  </p:cSld>
+  <p:clrMapOvr>
+    <a:masterClrMapping/>
+  </p:clrMapOvr>
+</p:notes>
+</file>
+
+<file path=ppt/notesSlides/notesSlide8.xml><?xml version="1.0" encoding="utf-8"?>
+<p:notes xmlns:a="http://schemas.openxmlformats.org/drawingml/2006/main" xmlns:r="http://schemas.openxmlformats.org/officeDocument/2006/relationships" xmlns:p="http://schemas.openxmlformats.org/presentationml/2006/main">
+  <p:cSld>
+    <p:spTree>
+      <p:nvGrpSpPr>
+        <p:cNvPr id="1" name=""/>
+        <p:cNvGrpSpPr/>
+        <p:nvPr/>
+      </p:nvGrpSpPr>
+      <p:grpSpPr>
+        <a:xfrm>
+          <a:off x="0" y="0"/>
+          <a:ext cx="0" cy="0"/>
+          <a:chOff x="0" y="0"/>
+          <a:chExt cx="0" cy="0"/>
+        </a:xfrm>
+      </p:grpSpPr>
+      <p:sp>
+        <p:nvSpPr>
+          <p:cNvPr id="2" name="Symbol zastępczy obrazu slajdu 1"/>
+          <p:cNvSpPr>
+            <a:spLocks noGrp="1" noRot="1" noChangeAspect="1"/>
+          </p:cNvSpPr>
+          <p:nvPr>
+            <p:ph type="sldImg"/>
+          </p:nvPr>
+        </p:nvSpPr>
+        <p:spPr/>
+      </p:sp>
+      <p:sp>
+        <p:nvSpPr>
+          <p:cNvPr id="3" name="Symbol zastępczy notatek 2"/>
+          <p:cNvSpPr>
+            <a:spLocks noGrp="1"/>
+          </p:cNvSpPr>
+          <p:nvPr>
+            <p:ph type="body" idx="1"/>
+          </p:nvPr>
+        </p:nvSpPr>
+        <p:spPr/>
+        <p:txBody>
+          <a:bodyPr>
+            <a:normAutofit/>
+          </a:bodyPr>
+          <a:lstStyle/>
+          <a:p>
+            <a:r>
+              <a:rPr lang="pl-PL" smtClean="0"/>
+              <a:t>Theo</a:t>
+            </a:r>
+            <a:endParaRPr lang="pl-PL"/>
+          </a:p>
+        </p:txBody>
+      </p:sp>
+      <p:sp>
+        <p:nvSpPr>
+          <p:cNvPr id="4" name="Symbol zastępczy numeru slajdu 3"/>
+          <p:cNvSpPr>
+            <a:spLocks noGrp="1"/>
+          </p:cNvSpPr>
+          <p:nvPr>
+            <p:ph type="sldNum" sz="quarter" idx="10"/>
+          </p:nvPr>
+        </p:nvSpPr>
+        <p:spPr/>
+        <p:txBody>
+          <a:bodyPr/>
+          <a:lstStyle/>
+          <a:p>
+            <a:fld id="{285B1C79-F169-4419-B9CE-18B4D58C4430}" type="slidenum">
+              <a:rPr lang="pl-PL" smtClean="0"/>
+              <a:pPr/>
+              <a:t>8</a:t>
+            </a:fld>
+            <a:endParaRPr lang="pl-PL"/>
+          </a:p>
+        </p:txBody>
+      </p:sp>
+    </p:spTree>
+  </p:cSld>
+  <p:clrMapOvr>
+    <a:masterClrMapping/>
+  </p:clrMapOvr>
+</p:notes>
+</file>
+
+<file path=ppt/notesSlides/notesSlide9.xml><?xml version="1.0" encoding="utf-8"?>
+<p:notes xmlns:a="http://schemas.openxmlformats.org/drawingml/2006/main" xmlns:r="http://schemas.openxmlformats.org/officeDocument/2006/relationships" xmlns:p="http://schemas.openxmlformats.org/presentationml/2006/main">
+  <p:cSld>
+    <p:spTree>
+      <p:nvGrpSpPr>
+        <p:cNvPr id="1" name=""/>
+        <p:cNvGrpSpPr/>
+        <p:nvPr/>
+      </p:nvGrpSpPr>
+      <p:grpSpPr>
+        <a:xfrm>
+          <a:off x="0" y="0"/>
+          <a:ext cx="0" cy="0"/>
+          <a:chOff x="0" y="0"/>
+          <a:chExt cx="0" cy="0"/>
+        </a:xfrm>
+      </p:grpSpPr>
+      <p:sp>
+        <p:nvSpPr>
+          <p:cNvPr id="2" name="Symbol zastępczy obrazu slajdu 1"/>
+          <p:cNvSpPr>
+            <a:spLocks noGrp="1" noRot="1" noChangeAspect="1"/>
+          </p:cNvSpPr>
+          <p:nvPr>
+            <p:ph type="sldImg"/>
+          </p:nvPr>
+        </p:nvSpPr>
+        <p:spPr/>
+      </p:sp>
+      <p:sp>
+        <p:nvSpPr>
+          <p:cNvPr id="3" name="Symbol zastępczy notatek 2"/>
+          <p:cNvSpPr>
+            <a:spLocks noGrp="1"/>
+          </p:cNvSpPr>
+          <p:nvPr>
+            <p:ph type="body" idx="1"/>
+          </p:nvPr>
+        </p:nvSpPr>
+        <p:spPr/>
+        <p:txBody>
+          <a:bodyPr>
+            <a:normAutofit/>
+          </a:bodyPr>
+          <a:lstStyle/>
+          <a:p>
+            <a:r>
+              <a:rPr lang="pl-PL" smtClean="0"/>
+              <a:t>Theo</a:t>
+            </a:r>
+          </a:p>
+        </p:txBody>
+      </p:sp>
+      <p:sp>
+        <p:nvSpPr>
+          <p:cNvPr id="4" name="Symbol zastępczy numeru slajdu 3"/>
+          <p:cNvSpPr>
+            <a:spLocks noGrp="1"/>
+          </p:cNvSpPr>
+          <p:nvPr>
+            <p:ph type="sldNum" sz="quarter" idx="10"/>
+          </p:nvPr>
+        </p:nvSpPr>
+        <p:spPr/>
+        <p:txBody>
+          <a:bodyPr/>
+          <a:lstStyle/>
+          <a:p>
+            <a:fld id="{285B1C79-F169-4419-B9CE-18B4D58C4430}" type="slidenum">
+              <a:rPr lang="pl-PL" smtClean="0"/>
+              <a:pPr/>
+              <a:t>10</a:t>
             </a:fld>
             <a:endParaRPr lang="pl-PL"/>
           </a:p>
@@ -1089,7 +2333,7 @@
             <a:fld id="{7EDB9D31-E5E3-4CF9-AD05-005813C66478}" type="datetimeFigureOut">
               <a:rPr lang="pl-PL" smtClean="0"/>
               <a:pPr/>
-              <a:t>2013-06-14</a:t>
+              <a:t>2013-06-17</a:t>
             </a:fld>
             <a:endParaRPr lang="pl-PL"/>
           </a:p>
@@ -1484,7 +2728,7 @@
             <a:fld id="{7EDB9D31-E5E3-4CF9-AD05-005813C66478}" type="datetimeFigureOut">
               <a:rPr lang="pl-PL" smtClean="0"/>
               <a:pPr/>
-              <a:t>2013-06-14</a:t>
+              <a:t>2013-06-17</a:t>
             </a:fld>
             <a:endParaRPr lang="pl-PL"/>
           </a:p>
@@ -2019,7 +3263,7 @@
             <a:fld id="{7EDB9D31-E5E3-4CF9-AD05-005813C66478}" type="datetimeFigureOut">
               <a:rPr lang="pl-PL" smtClean="0"/>
               <a:pPr/>
-              <a:t>2013-06-14</a:t>
+              <a:t>2013-06-17</a:t>
             </a:fld>
             <a:endParaRPr lang="pl-PL"/>
           </a:p>
@@ -2153,7 +3397,7 @@
             <a:fld id="{7EDB9D31-E5E3-4CF9-AD05-005813C66478}" type="datetimeFigureOut">
               <a:rPr lang="pl-PL" smtClean="0"/>
               <a:pPr/>
-              <a:t>2013-06-14</a:t>
+              <a:t>2013-06-17</a:t>
             </a:fld>
             <a:endParaRPr lang="pl-PL"/>
           </a:p>
@@ -2698,7 +3942,7 @@
             <a:fld id="{7EDB9D31-E5E3-4CF9-AD05-005813C66478}" type="datetimeFigureOut">
               <a:rPr lang="pl-PL" smtClean="0"/>
               <a:pPr/>
-              <a:t>2013-06-14</a:t>
+              <a:t>2013-06-17</a:t>
             </a:fld>
             <a:endParaRPr lang="pl-PL"/>
           </a:p>
@@ -2995,7 +4239,7 @@
             <a:fld id="{7EDB9D31-E5E3-4CF9-AD05-005813C66478}" type="datetimeFigureOut">
               <a:rPr lang="pl-PL" smtClean="0"/>
               <a:pPr/>
-              <a:t>2013-06-14</a:t>
+              <a:t>2013-06-17</a:t>
             </a:fld>
             <a:endParaRPr lang="pl-PL"/>
           </a:p>
@@ -3656,7 +4900,7 @@
             <a:fld id="{7EDB9D31-E5E3-4CF9-AD05-005813C66478}" type="datetimeFigureOut">
               <a:rPr lang="pl-PL" smtClean="0"/>
               <a:pPr/>
-              <a:t>2013-06-14</a:t>
+              <a:t>2013-06-17</a:t>
             </a:fld>
             <a:endParaRPr lang="pl-PL"/>
           </a:p>
@@ -4094,7 +5338,7 @@
             <a:fld id="{7EDB9D31-E5E3-4CF9-AD05-005813C66478}" type="datetimeFigureOut">
               <a:rPr lang="pl-PL" smtClean="0"/>
               <a:pPr/>
-              <a:t>2013-06-14</a:t>
+              <a:t>2013-06-17</a:t>
             </a:fld>
             <a:endParaRPr lang="pl-PL"/>
           </a:p>
@@ -4409,7 +5653,7 @@
             <a:fld id="{7EDB9D31-E5E3-4CF9-AD05-005813C66478}" type="datetimeFigureOut">
               <a:rPr lang="pl-PL" smtClean="0"/>
               <a:pPr/>
-              <a:t>2013-06-14</a:t>
+              <a:t>2013-06-17</a:t>
             </a:fld>
             <a:endParaRPr lang="pl-PL"/>
           </a:p>
@@ -5144,7 +6388,7 @@
             <a:fld id="{7EDB9D31-E5E3-4CF9-AD05-005813C66478}" type="datetimeFigureOut">
               <a:rPr lang="pl-PL" smtClean="0"/>
               <a:pPr/>
-              <a:t>2013-06-14</a:t>
+              <a:t>2013-06-17</a:t>
             </a:fld>
             <a:endParaRPr lang="pl-PL"/>
           </a:p>
@@ -5810,7 +7054,7 @@
             <a:fld id="{7EDB9D31-E5E3-4CF9-AD05-005813C66478}" type="datetimeFigureOut">
               <a:rPr lang="pl-PL" smtClean="0"/>
               <a:pPr/>
-              <a:t>2013-06-14</a:t>
+              <a:t>2013-06-17</a:t>
             </a:fld>
             <a:endParaRPr lang="pl-PL"/>
           </a:p>
@@ -6084,7 +7328,7 @@
             <a:fld id="{7EDB9D31-E5E3-4CF9-AD05-005813C66478}" type="datetimeFigureOut">
               <a:rPr lang="pl-PL" smtClean="0"/>
               <a:pPr/>
-              <a:t>2013-06-14</a:t>
+              <a:t>2013-06-17</a:t>
             </a:fld>
             <a:endParaRPr lang="pl-PL"/>
           </a:p>
@@ -6960,7 +8204,7 @@
           <p:nvPr/>
         </p:nvPicPr>
         <p:blipFill>
-          <a:blip r:embed="rId2" cstate="print"/>
+          <a:blip r:embed="rId3" cstate="print"/>
           <a:srcRect/>
           <a:stretch>
             <a:fillRect/>
@@ -6986,7 +8230,7 @@
           <p:nvPr/>
         </p:nvPicPr>
         <p:blipFill>
-          <a:blip r:embed="rId3" cstate="print"/>
+          <a:blip r:embed="rId4" cstate="print"/>
           <a:srcRect/>
           <a:stretch>
             <a:fillRect/>
@@ -7179,7 +8423,7 @@
           <p:nvPr/>
         </p:nvPicPr>
         <p:blipFill>
-          <a:blip r:embed="rId2"/>
+          <a:blip r:embed="rId3"/>
           <a:srcRect/>
           <a:stretch>
             <a:fillRect/>
@@ -7265,7 +8509,7 @@
           <p:nvPr/>
         </p:nvPicPr>
         <p:blipFill>
-          <a:blip r:embed="rId3" cstate="print"/>
+          <a:blip r:embed="rId4" cstate="print"/>
           <a:srcRect/>
           <a:stretch>
             <a:fillRect/>
@@ -7346,7 +8590,7 @@
           <p:nvPr/>
         </p:nvPicPr>
         <p:blipFill>
-          <a:blip r:embed="rId2" cstate="print"/>
+          <a:blip r:embed="rId3" cstate="print"/>
           <a:srcRect/>
           <a:stretch>
             <a:fillRect/>
@@ -7857,8 +9101,9 @@
           <a:p>
             <a:r>
               <a:rPr lang="pl-PL" smtClean="0"/>
-              <a:t>The core version of the software acquired by teachers and students for a fixed price - £100</a:t>
-            </a:r>
+              <a:t>Two versions of the software – student and teacher</a:t>
+            </a:r>
+            <a:endParaRPr lang="pl-PL" smtClean="0"/>
           </a:p>
           <a:p>
             <a:r>
@@ -7875,8 +9120,37 @@
           <a:p>
             <a:r>
               <a:rPr lang="pl-PL" smtClean="0"/>
-              <a:t>The software needs initially 3 people for maintenance purposes – 2 developers and 1 customer support</a:t>
-            </a:r>
+              <a:t>The software needs initially </a:t>
+            </a:r>
+            <a:r>
+              <a:rPr lang="pl-PL" smtClean="0"/>
+              <a:t>10 </a:t>
+            </a:r>
+            <a:r>
+              <a:rPr lang="pl-PL" smtClean="0"/>
+              <a:t>people </a:t>
+            </a:r>
+            <a:r>
+              <a:rPr lang="pl-PL" smtClean="0"/>
+              <a:t>for the development, </a:t>
+            </a:r>
+            <a:r>
+              <a:rPr lang="pl-PL" smtClean="0"/>
+              <a:t>customer support </a:t>
+            </a:r>
+            <a:r>
+              <a:rPr lang="pl-PL" smtClean="0"/>
+              <a:t>and </a:t>
+            </a:r>
+            <a:r>
+              <a:rPr lang="pl-PL" smtClean="0"/>
+              <a:t>maintenance </a:t>
+            </a:r>
+            <a:r>
+              <a:rPr lang="pl-PL" smtClean="0"/>
+              <a:t>purposes</a:t>
+            </a:r>
+            <a:endParaRPr lang="pl-PL" smtClean="0"/>
           </a:p>
         </p:txBody>
       </p:sp>
@@ -8427,13 +9701,8 @@
           <a:p>
             <a:r>
               <a:rPr lang="pl-PL" smtClean="0"/>
-              <a:t>Extensions and </a:t>
-            </a:r>
-            <a:r>
-              <a:rPr lang="pl-PL" smtClean="0"/>
-              <a:t>Limitations</a:t>
-            </a:r>
-            <a:endParaRPr lang="pl-PL" smtClean="0"/>
+              <a:t>Extensions and Limitations</a:t>
+            </a:r>
           </a:p>
           <a:p>
             <a:r>
@@ -9323,7 +10592,7 @@
           <p:nvPr/>
         </p:nvPicPr>
         <p:blipFill>
-          <a:blip r:embed="rId2" cstate="print"/>
+          <a:blip r:embed="rId3" cstate="print"/>
           <a:srcRect/>
           <a:stretch>
             <a:fillRect/>
@@ -9349,7 +10618,7 @@
           <p:nvPr/>
         </p:nvPicPr>
         <p:blipFill>
-          <a:blip r:embed="rId3" cstate="print"/>
+          <a:blip r:embed="rId4" cstate="print"/>
           <a:srcRect/>
           <a:stretch>
             <a:fillRect/>

--- a/Presentation/Computerized Dance Classroom.pptx
+++ b/Presentation/Computerized Dance Classroom.pptx
@@ -209,7 +209,7 @@
             <a:fld id="{3DF9662E-6279-423E-BA9D-7B4883F81E9B}" type="datetimeFigureOut">
               <a:rPr lang="pl-PL" smtClean="0"/>
               <a:pPr/>
-              <a:t>2013-06-17</a:t>
+              <a:t>2013-06-18</a:t>
             </a:fld>
             <a:endParaRPr lang="pl-PL"/>
           </a:p>
@@ -1336,11 +1336,7 @@
             </a:r>
             <a:r>
               <a:rPr lang="pl-PL" smtClean="0"/>
-              <a:t>An </a:t>
-            </a:r>
-            <a:r>
-              <a:rPr lang="pl-PL" smtClean="0"/>
-              <a:t>emergence of affordable RGB-D cameras, such as Microsoft Kinect or Asus Xtion, has lead a development of applications with a completely new type of user interaction, called the natural interface.</a:t>
+              <a:t>An emergence of affordable RGB-D cameras, such as Microsoft Kinect or Asus Xtion, has lead a development of applications with a completely new type of user interaction, called the natural interface.</a:t>
             </a:r>
             <a:r>
               <a:rPr lang="pl-PL" baseline="0" smtClean="0"/>
@@ -1352,15 +1348,7 @@
             </a:r>
             <a:r>
               <a:rPr lang="pl-PL" baseline="0" smtClean="0"/>
-              <a:t> recognised due to the </a:t>
-            </a:r>
-            <a:r>
-              <a:rPr lang="pl-PL" baseline="0" smtClean="0"/>
-              <a:t>camera’s </a:t>
-            </a:r>
-            <a:r>
-              <a:rPr lang="pl-PL" baseline="0" smtClean="0"/>
-              <a:t>ability to capture the depth stream, in addition to the traditional color stream, which allows to create an essentially 3D picture inside the camera.</a:t>
+              <a:t> recognised due to the camera’s ability to capture the depth stream, in addition to the traditional color stream, which allows to create an essentially 3D picture inside the camera.</a:t>
             </a:r>
             <a:endParaRPr lang="pl-PL" smtClean="0"/>
           </a:p>
@@ -1465,11 +1453,7 @@
             </a:r>
             <a:r>
               <a:rPr lang="pl-PL" smtClean="0"/>
-              <a:t>The </a:t>
-            </a:r>
-            <a:r>
-              <a:rPr lang="pl-PL" smtClean="0"/>
-              <a:t>main aim of our project was to bring Kinect</a:t>
+              <a:t>The main aim of our project was to bring Kinect</a:t>
             </a:r>
             <a:r>
               <a:rPr lang="pl-PL" baseline="0" smtClean="0"/>
@@ -1577,11 +1561,7 @@
           <a:p>
             <a:r>
               <a:rPr lang="pl-PL" smtClean="0"/>
-              <a:t>Marcin: So</a:t>
-            </a:r>
-            <a:r>
-              <a:rPr lang="pl-PL" smtClean="0"/>
-              <a:t>, in</a:t>
+              <a:t>Marcin: So, in</a:t>
             </a:r>
             <a:r>
               <a:rPr lang="pl-PL" baseline="0" smtClean="0"/>
@@ -2333,7 +2313,7 @@
             <a:fld id="{7EDB9D31-E5E3-4CF9-AD05-005813C66478}" type="datetimeFigureOut">
               <a:rPr lang="pl-PL" smtClean="0"/>
               <a:pPr/>
-              <a:t>2013-06-17</a:t>
+              <a:t>2013-06-18</a:t>
             </a:fld>
             <a:endParaRPr lang="pl-PL"/>
           </a:p>
@@ -2728,7 +2708,7 @@
             <a:fld id="{7EDB9D31-E5E3-4CF9-AD05-005813C66478}" type="datetimeFigureOut">
               <a:rPr lang="pl-PL" smtClean="0"/>
               <a:pPr/>
-              <a:t>2013-06-17</a:t>
+              <a:t>2013-06-18</a:t>
             </a:fld>
             <a:endParaRPr lang="pl-PL"/>
           </a:p>
@@ -3263,7 +3243,7 @@
             <a:fld id="{7EDB9D31-E5E3-4CF9-AD05-005813C66478}" type="datetimeFigureOut">
               <a:rPr lang="pl-PL" smtClean="0"/>
               <a:pPr/>
-              <a:t>2013-06-17</a:t>
+              <a:t>2013-06-18</a:t>
             </a:fld>
             <a:endParaRPr lang="pl-PL"/>
           </a:p>
@@ -3397,7 +3377,7 @@
             <a:fld id="{7EDB9D31-E5E3-4CF9-AD05-005813C66478}" type="datetimeFigureOut">
               <a:rPr lang="pl-PL" smtClean="0"/>
               <a:pPr/>
-              <a:t>2013-06-17</a:t>
+              <a:t>2013-06-18</a:t>
             </a:fld>
             <a:endParaRPr lang="pl-PL"/>
           </a:p>
@@ -3942,7 +3922,7 @@
             <a:fld id="{7EDB9D31-E5E3-4CF9-AD05-005813C66478}" type="datetimeFigureOut">
               <a:rPr lang="pl-PL" smtClean="0"/>
               <a:pPr/>
-              <a:t>2013-06-17</a:t>
+              <a:t>2013-06-18</a:t>
             </a:fld>
             <a:endParaRPr lang="pl-PL"/>
           </a:p>
@@ -4239,7 +4219,7 @@
             <a:fld id="{7EDB9D31-E5E3-4CF9-AD05-005813C66478}" type="datetimeFigureOut">
               <a:rPr lang="pl-PL" smtClean="0"/>
               <a:pPr/>
-              <a:t>2013-06-17</a:t>
+              <a:t>2013-06-18</a:t>
             </a:fld>
             <a:endParaRPr lang="pl-PL"/>
           </a:p>
@@ -4900,7 +4880,7 @@
             <a:fld id="{7EDB9D31-E5E3-4CF9-AD05-005813C66478}" type="datetimeFigureOut">
               <a:rPr lang="pl-PL" smtClean="0"/>
               <a:pPr/>
-              <a:t>2013-06-17</a:t>
+              <a:t>2013-06-18</a:t>
             </a:fld>
             <a:endParaRPr lang="pl-PL"/>
           </a:p>
@@ -5338,7 +5318,7 @@
             <a:fld id="{7EDB9D31-E5E3-4CF9-AD05-005813C66478}" type="datetimeFigureOut">
               <a:rPr lang="pl-PL" smtClean="0"/>
               <a:pPr/>
-              <a:t>2013-06-17</a:t>
+              <a:t>2013-06-18</a:t>
             </a:fld>
             <a:endParaRPr lang="pl-PL"/>
           </a:p>
@@ -5653,7 +5633,7 @@
             <a:fld id="{7EDB9D31-E5E3-4CF9-AD05-005813C66478}" type="datetimeFigureOut">
               <a:rPr lang="pl-PL" smtClean="0"/>
               <a:pPr/>
-              <a:t>2013-06-17</a:t>
+              <a:t>2013-06-18</a:t>
             </a:fld>
             <a:endParaRPr lang="pl-PL"/>
           </a:p>
@@ -6388,7 +6368,7 @@
             <a:fld id="{7EDB9D31-E5E3-4CF9-AD05-005813C66478}" type="datetimeFigureOut">
               <a:rPr lang="pl-PL" smtClean="0"/>
               <a:pPr/>
-              <a:t>2013-06-17</a:t>
+              <a:t>2013-06-18</a:t>
             </a:fld>
             <a:endParaRPr lang="pl-PL"/>
           </a:p>
@@ -7054,7 +7034,7 @@
             <a:fld id="{7EDB9D31-E5E3-4CF9-AD05-005813C66478}" type="datetimeFigureOut">
               <a:rPr lang="pl-PL" smtClean="0"/>
               <a:pPr/>
-              <a:t>2013-06-17</a:t>
+              <a:t>2013-06-18</a:t>
             </a:fld>
             <a:endParaRPr lang="pl-PL"/>
           </a:p>
@@ -7328,7 +7308,7 @@
             <a:fld id="{7EDB9D31-E5E3-4CF9-AD05-005813C66478}" type="datetimeFigureOut">
               <a:rPr lang="pl-PL" smtClean="0"/>
               <a:pPr/>
-              <a:t>2013-06-17</a:t>
+              <a:t>2013-06-18</a:t>
             </a:fld>
             <a:endParaRPr lang="pl-PL"/>
           </a:p>
@@ -9103,7 +9083,6 @@
               <a:rPr lang="pl-PL" smtClean="0"/>
               <a:t>Two versions of the software – student and teacher</a:t>
             </a:r>
-            <a:endParaRPr lang="pl-PL" smtClean="0"/>
           </a:p>
           <a:p>
             <a:r>
@@ -9120,37 +9099,8 @@
           <a:p>
             <a:r>
               <a:rPr lang="pl-PL" smtClean="0"/>
-              <a:t>The software needs initially </a:t>
-            </a:r>
-            <a:r>
-              <a:rPr lang="pl-PL" smtClean="0"/>
-              <a:t>10 </a:t>
-            </a:r>
-            <a:r>
-              <a:rPr lang="pl-PL" smtClean="0"/>
-              <a:t>people </a:t>
-            </a:r>
-            <a:r>
-              <a:rPr lang="pl-PL" smtClean="0"/>
-              <a:t>for the development, </a:t>
-            </a:r>
-            <a:r>
-              <a:rPr lang="pl-PL" smtClean="0"/>
-              <a:t>customer support </a:t>
-            </a:r>
-            <a:r>
-              <a:rPr lang="pl-PL" smtClean="0"/>
-              <a:t>and </a:t>
-            </a:r>
-            <a:r>
-              <a:rPr lang="pl-PL" smtClean="0"/>
-              <a:t>maintenance </a:t>
-            </a:r>
-            <a:r>
-              <a:rPr lang="pl-PL" smtClean="0"/>
-              <a:t>purposes</a:t>
-            </a:r>
-            <a:endParaRPr lang="pl-PL" smtClean="0"/>
+              <a:t>The software needs initially 10 people for the development, customer support and maintenance purposes</a:t>
+            </a:r>
           </a:p>
         </p:txBody>
       </p:sp>
@@ -9221,7 +9171,9 @@
         </p:nvSpPr>
         <p:spPr/>
         <p:txBody>
-          <a:bodyPr/>
+          <a:bodyPr>
+            <a:normAutofit lnSpcReduction="10000"/>
+          </a:bodyPr>
           <a:lstStyle/>
           <a:p>
             <a:r>
@@ -9232,7 +9184,18 @@
           <a:p>
             <a:r>
               <a:rPr lang="pl-PL" smtClean="0"/>
-              <a:t>The prototype application includes:</a:t>
+              <a:t>Algorithm for automatic scoring works well</a:t>
+            </a:r>
+            <a:endParaRPr lang="pl-PL" smtClean="0"/>
+          </a:p>
+          <a:p>
+            <a:r>
+              <a:rPr lang="pl-PL" smtClean="0"/>
+              <a:t>The </a:t>
+            </a:r>
+            <a:r>
+              <a:rPr lang="pl-PL" smtClean="0"/>
+              <a:t>prototype application includes:</a:t>
             </a:r>
           </a:p>
           <a:p>
@@ -9253,20 +9216,44 @@
             <a:pPr lvl="1"/>
             <a:r>
               <a:rPr lang="pl-PL" smtClean="0"/>
-              <a:t>Recognising and overlaying skeletons on each other</a:t>
+              <a:t>Tracking and </a:t>
+            </a:r>
+            <a:r>
+              <a:rPr lang="pl-PL" smtClean="0"/>
+              <a:t>overlaying skeletons </a:t>
+            </a:r>
+            <a:r>
+              <a:rPr lang="pl-PL" smtClean="0"/>
+              <a:t>on </a:t>
+            </a:r>
+            <a:r>
+              <a:rPr lang="pl-PL" smtClean="0"/>
+              <a:t>each other</a:t>
             </a:r>
           </a:p>
           <a:p>
             <a:pPr lvl="1"/>
             <a:r>
               <a:rPr lang="pl-PL" smtClean="0"/>
-              <a:t>Automatically scoring two dance moves</a:t>
-            </a:r>
-          </a:p>
-          <a:p>
-            <a:r>
-              <a:rPr lang="pl-PL" smtClean="0"/>
-              <a:t>We believe that the product can be successfully commercialised after beta testing in the real environment</a:t>
+              <a:t>Automatically </a:t>
+            </a:r>
+            <a:r>
+              <a:rPr lang="pl-PL" smtClean="0"/>
+              <a:t>scoring of </a:t>
+            </a:r>
+            <a:r>
+              <a:rPr lang="pl-PL" smtClean="0"/>
+              <a:t>two dance moves</a:t>
+            </a:r>
+          </a:p>
+          <a:p>
+            <a:r>
+              <a:rPr lang="pl-PL" smtClean="0"/>
+              <a:t>We believe that the product can be successfully commercialised after beta testing in the real </a:t>
+            </a:r>
+            <a:r>
+              <a:rPr lang="pl-PL" smtClean="0"/>
+              <a:t>environment</a:t>
             </a:r>
           </a:p>
         </p:txBody>
